--- a/tree/wood.pptx
+++ b/tree/wood.pptx
@@ -5,7 +5,7 @@
     <p:sldMasterId id="2147483649" r:id="rId1"/>
   </p:sldMasterIdLst>
   <p:notesMasterIdLst>
-    <p:notesMasterId r:id="rId10"/>
+    <p:notesMasterId r:id="rId11"/>
   </p:notesMasterIdLst>
   <p:sldIdLst>
     <p:sldId id="256" r:id="rId2"/>
@@ -15,7 +15,8 @@
     <p:sldId id="261" r:id="rId6"/>
     <p:sldId id="262" r:id="rId7"/>
     <p:sldId id="263" r:id="rId8"/>
-    <p:sldId id="264" r:id="rId9"/>
+    <p:sldId id="265" r:id="rId9"/>
+    <p:sldId id="264" r:id="rId10"/>
   </p:sldIdLst>
   <p:sldSz cx="9144000" cy="6858000" type="screen4x3"/>
   <p:notesSz cx="7099300" cy="10234613"/>
@@ -867,6 +868,726 @@
 </c:chartSpace>
 </file>
 
+<file path=ppt/charts/chart10.xml><?xml version="1.0" encoding="utf-8"?>
+<c:chartSpace xmlns:c="http://schemas.openxmlformats.org/drawingml/2006/chart" xmlns:a="http://schemas.openxmlformats.org/drawingml/2006/main" xmlns:r="http://schemas.openxmlformats.org/officeDocument/2006/relationships" xmlns:c16r2="http://schemas.microsoft.com/office/drawing/2015/06/chart">
+  <c:date1904 val="0"/>
+  <c:lang val="zh-TW"/>
+  <c:roundedCorners val="0"/>
+  <mc:AlternateContent xmlns:mc="http://schemas.openxmlformats.org/markup-compatibility/2006">
+    <mc:Choice xmlns:c14="http://schemas.microsoft.com/office/drawing/2007/8/2/chart" Requires="c14">
+      <c14:style val="106"/>
+    </mc:Choice>
+    <mc:Fallback>
+      <c:style val="6"/>
+    </mc:Fallback>
+  </mc:AlternateContent>
+  <c:chart>
+    <c:title>
+      <c:tx>
+        <c:rich>
+          <a:bodyPr rot="0" spcFirstLastPara="1" vertOverflow="ellipsis" vert="horz" wrap="square" anchor="ctr" anchorCtr="1"/>
+          <a:lstStyle/>
+          <a:p>
+            <a:pPr>
+              <a:defRPr sz="1400" b="0" i="0" u="none" strike="noStrike" kern="1200" spc="0" baseline="0">
+                <a:solidFill>
+                  <a:schemeClr val="tx1">
+                    <a:lumMod val="65000"/>
+                    <a:lumOff val="35000"/>
+                  </a:schemeClr>
+                </a:solidFill>
+                <a:latin typeface="+mn-lt"/>
+                <a:ea typeface="+mn-ea"/>
+                <a:cs typeface="+mn-cs"/>
+              </a:defRPr>
+            </a:pPr>
+            <a:r>
+              <a:rPr lang="en-US" altLang="zh-TW"/>
+              <a:t>Area</a:t>
+            </a:r>
+            <a:r>
+              <a:rPr lang="en-US" altLang="zh-TW" baseline="0"/>
+              <a:t> efficiency</a:t>
+            </a:r>
+            <a:endParaRPr lang="zh-TW" altLang="en-US"/>
+          </a:p>
+        </c:rich>
+      </c:tx>
+      <c:overlay val="0"/>
+      <c:spPr>
+        <a:noFill/>
+        <a:ln>
+          <a:noFill/>
+        </a:ln>
+        <a:effectLst/>
+      </c:spPr>
+      <c:txPr>
+        <a:bodyPr rot="0" spcFirstLastPara="1" vertOverflow="ellipsis" vert="horz" wrap="square" anchor="ctr" anchorCtr="1"/>
+        <a:lstStyle/>
+        <a:p>
+          <a:pPr>
+            <a:defRPr sz="1400" b="0" i="0" u="none" strike="noStrike" kern="1200" spc="0" baseline="0">
+              <a:solidFill>
+                <a:schemeClr val="tx1">
+                  <a:lumMod val="65000"/>
+                  <a:lumOff val="35000"/>
+                </a:schemeClr>
+              </a:solidFill>
+              <a:latin typeface="+mn-lt"/>
+              <a:ea typeface="+mn-ea"/>
+              <a:cs typeface="+mn-cs"/>
+            </a:defRPr>
+          </a:pPr>
+          <a:endParaRPr lang="zh-TW"/>
+        </a:p>
+      </c:txPr>
+    </c:title>
+    <c:autoTitleDeleted val="0"/>
+    <c:plotArea>
+      <c:layout/>
+      <c:scatterChart>
+        <c:scatterStyle val="lineMarker"/>
+        <c:varyColors val="0"/>
+        <c:ser>
+          <c:idx val="0"/>
+          <c:order val="0"/>
+          <c:tx>
+            <c:strRef>
+              <c:f>Sheet1!$AA$55</c:f>
+              <c:strCache>
+                <c:ptCount val="1"/>
+                <c:pt idx="0">
+                  <c:v>1.8V</c:v>
+                </c:pt>
+              </c:strCache>
+            </c:strRef>
+          </c:tx>
+          <c:spPr>
+            <a:ln w="19050" cap="rnd">
+              <a:solidFill>
+                <a:schemeClr val="accent4">
+                  <a:shade val="58000"/>
+                </a:schemeClr>
+              </a:solidFill>
+              <a:round/>
+            </a:ln>
+            <a:effectLst/>
+          </c:spPr>
+          <c:marker>
+            <c:symbol val="circle"/>
+            <c:size val="5"/>
+            <c:spPr>
+              <a:solidFill>
+                <a:schemeClr val="accent4">
+                  <a:shade val="58000"/>
+                </a:schemeClr>
+              </a:solidFill>
+              <a:ln w="9525">
+                <a:solidFill>
+                  <a:schemeClr val="accent4">
+                    <a:shade val="58000"/>
+                  </a:schemeClr>
+                </a:solidFill>
+              </a:ln>
+              <a:effectLst/>
+            </c:spPr>
+          </c:marker>
+          <c:xVal>
+            <c:numRef>
+              <c:f>Sheet1!$Z$56:$Z$58</c:f>
+              <c:numCache>
+                <c:formatCode>General</c:formatCode>
+                <c:ptCount val="3"/>
+                <c:pt idx="0">
+                  <c:v>64</c:v>
+                </c:pt>
+                <c:pt idx="1">
+                  <c:v>32</c:v>
+                </c:pt>
+                <c:pt idx="2">
+                  <c:v>16</c:v>
+                </c:pt>
+              </c:numCache>
+            </c:numRef>
+          </c:xVal>
+          <c:yVal>
+            <c:numRef>
+              <c:f>Sheet1!$AA$56:$AA$58</c:f>
+              <c:numCache>
+                <c:formatCode>General</c:formatCode>
+                <c:ptCount val="3"/>
+                <c:pt idx="0">
+                  <c:v>827770714134.35059</c:v>
+                </c:pt>
+                <c:pt idx="1">
+                  <c:v>1733907603531.6233</c:v>
+                </c:pt>
+                <c:pt idx="2">
+                  <c:v>3764833443768.4478</c:v>
+                </c:pt>
+              </c:numCache>
+            </c:numRef>
+          </c:yVal>
+          <c:smooth val="0"/>
+          <c:extLst>
+            <c:ext xmlns:c16="http://schemas.microsoft.com/office/drawing/2014/chart" uri="{C3380CC4-5D6E-409C-BE32-E72D297353CC}">
+              <c16:uniqueId val="{00000000-5C46-45CA-87DA-4CA0A3A863D5}"/>
+            </c:ext>
+          </c:extLst>
+        </c:ser>
+        <c:ser>
+          <c:idx val="1"/>
+          <c:order val="1"/>
+          <c:tx>
+            <c:strRef>
+              <c:f>Sheet1!$AB$55</c:f>
+              <c:strCache>
+                <c:ptCount val="1"/>
+                <c:pt idx="0">
+                  <c:v>1.5V</c:v>
+                </c:pt>
+              </c:strCache>
+            </c:strRef>
+          </c:tx>
+          <c:spPr>
+            <a:ln w="19050" cap="rnd">
+              <a:solidFill>
+                <a:schemeClr val="accent4">
+                  <a:shade val="86000"/>
+                </a:schemeClr>
+              </a:solidFill>
+              <a:round/>
+            </a:ln>
+            <a:effectLst/>
+          </c:spPr>
+          <c:marker>
+            <c:symbol val="circle"/>
+            <c:size val="5"/>
+            <c:spPr>
+              <a:solidFill>
+                <a:schemeClr val="accent4">
+                  <a:shade val="86000"/>
+                </a:schemeClr>
+              </a:solidFill>
+              <a:ln w="9525">
+                <a:solidFill>
+                  <a:schemeClr val="accent4">
+                    <a:shade val="86000"/>
+                  </a:schemeClr>
+                </a:solidFill>
+              </a:ln>
+              <a:effectLst/>
+            </c:spPr>
+          </c:marker>
+          <c:xVal>
+            <c:numRef>
+              <c:f>Sheet1!$Z$56:$Z$58</c:f>
+              <c:numCache>
+                <c:formatCode>General</c:formatCode>
+                <c:ptCount val="3"/>
+                <c:pt idx="0">
+                  <c:v>64</c:v>
+                </c:pt>
+                <c:pt idx="1">
+                  <c:v>32</c:v>
+                </c:pt>
+                <c:pt idx="2">
+                  <c:v>16</c:v>
+                </c:pt>
+              </c:numCache>
+            </c:numRef>
+          </c:xVal>
+          <c:yVal>
+            <c:numRef>
+              <c:f>Sheet1!$AB$56:$AB$58</c:f>
+              <c:numCache>
+                <c:formatCode>General</c:formatCode>
+                <c:ptCount val="3"/>
+                <c:pt idx="0">
+                  <c:v>648254173719.67212</c:v>
+                </c:pt>
+                <c:pt idx="1">
+                  <c:v>1357879448548.8616</c:v>
+                </c:pt>
+                <c:pt idx="2">
+                  <c:v>2948363540300.5918</c:v>
+                </c:pt>
+              </c:numCache>
+            </c:numRef>
+          </c:yVal>
+          <c:smooth val="0"/>
+          <c:extLst>
+            <c:ext xmlns:c16="http://schemas.microsoft.com/office/drawing/2014/chart" uri="{C3380CC4-5D6E-409C-BE32-E72D297353CC}">
+              <c16:uniqueId val="{00000001-5C46-45CA-87DA-4CA0A3A863D5}"/>
+            </c:ext>
+          </c:extLst>
+        </c:ser>
+        <c:ser>
+          <c:idx val="2"/>
+          <c:order val="2"/>
+          <c:tx>
+            <c:strRef>
+              <c:f>Sheet1!$AC$55</c:f>
+              <c:strCache>
+                <c:ptCount val="1"/>
+                <c:pt idx="0">
+                  <c:v>1.2V</c:v>
+                </c:pt>
+              </c:strCache>
+            </c:strRef>
+          </c:tx>
+          <c:spPr>
+            <a:ln w="19050" cap="rnd">
+              <a:solidFill>
+                <a:schemeClr val="accent4">
+                  <a:tint val="86000"/>
+                </a:schemeClr>
+              </a:solidFill>
+              <a:round/>
+            </a:ln>
+            <a:effectLst/>
+          </c:spPr>
+          <c:marker>
+            <c:symbol val="circle"/>
+            <c:size val="5"/>
+            <c:spPr>
+              <a:solidFill>
+                <a:schemeClr val="accent4">
+                  <a:tint val="86000"/>
+                </a:schemeClr>
+              </a:solidFill>
+              <a:ln w="9525">
+                <a:solidFill>
+                  <a:schemeClr val="accent4">
+                    <a:tint val="86000"/>
+                  </a:schemeClr>
+                </a:solidFill>
+              </a:ln>
+              <a:effectLst/>
+            </c:spPr>
+          </c:marker>
+          <c:xVal>
+            <c:numRef>
+              <c:f>Sheet1!$Z$56:$Z$58</c:f>
+              <c:numCache>
+                <c:formatCode>General</c:formatCode>
+                <c:ptCount val="3"/>
+                <c:pt idx="0">
+                  <c:v>64</c:v>
+                </c:pt>
+                <c:pt idx="1">
+                  <c:v>32</c:v>
+                </c:pt>
+                <c:pt idx="2">
+                  <c:v>16</c:v>
+                </c:pt>
+              </c:numCache>
+            </c:numRef>
+          </c:xVal>
+          <c:yVal>
+            <c:numRef>
+              <c:f>Sheet1!$AC$56:$AC$58</c:f>
+              <c:numCache>
+                <c:formatCode>General</c:formatCode>
+                <c:ptCount val="3"/>
+                <c:pt idx="0">
+                  <c:v>417093770687.85101</c:v>
+                </c:pt>
+                <c:pt idx="1">
+                  <c:v>873674373872.52319</c:v>
+                </c:pt>
+                <c:pt idx="2">
+                  <c:v>1897009099573.2488</c:v>
+                </c:pt>
+              </c:numCache>
+            </c:numRef>
+          </c:yVal>
+          <c:smooth val="0"/>
+          <c:extLst>
+            <c:ext xmlns:c16="http://schemas.microsoft.com/office/drawing/2014/chart" uri="{C3380CC4-5D6E-409C-BE32-E72D297353CC}">
+              <c16:uniqueId val="{00000002-5C46-45CA-87DA-4CA0A3A863D5}"/>
+            </c:ext>
+          </c:extLst>
+        </c:ser>
+        <c:ser>
+          <c:idx val="3"/>
+          <c:order val="3"/>
+          <c:tx>
+            <c:strRef>
+              <c:f>Sheet1!$AD$55</c:f>
+              <c:strCache>
+                <c:ptCount val="1"/>
+                <c:pt idx="0">
+                  <c:v>0.9V</c:v>
+                </c:pt>
+              </c:strCache>
+            </c:strRef>
+          </c:tx>
+          <c:spPr>
+            <a:ln w="19050" cap="rnd">
+              <a:solidFill>
+                <a:schemeClr val="accent4">
+                  <a:tint val="58000"/>
+                </a:schemeClr>
+              </a:solidFill>
+              <a:round/>
+            </a:ln>
+            <a:effectLst/>
+          </c:spPr>
+          <c:marker>
+            <c:symbol val="circle"/>
+            <c:size val="5"/>
+            <c:spPr>
+              <a:solidFill>
+                <a:schemeClr val="accent4">
+                  <a:tint val="58000"/>
+                </a:schemeClr>
+              </a:solidFill>
+              <a:ln w="9525">
+                <a:solidFill>
+                  <a:schemeClr val="accent4">
+                    <a:tint val="58000"/>
+                  </a:schemeClr>
+                </a:solidFill>
+              </a:ln>
+              <a:effectLst/>
+            </c:spPr>
+          </c:marker>
+          <c:xVal>
+            <c:numRef>
+              <c:f>Sheet1!$Z$56:$Z$58</c:f>
+              <c:numCache>
+                <c:formatCode>General</c:formatCode>
+                <c:ptCount val="3"/>
+                <c:pt idx="0">
+                  <c:v>64</c:v>
+                </c:pt>
+                <c:pt idx="1">
+                  <c:v>32</c:v>
+                </c:pt>
+                <c:pt idx="2">
+                  <c:v>16</c:v>
+                </c:pt>
+              </c:numCache>
+            </c:numRef>
+          </c:xVal>
+          <c:yVal>
+            <c:numRef>
+              <c:f>Sheet1!$AD$56:$AD$58</c:f>
+              <c:numCache>
+                <c:formatCode>General</c:formatCode>
+                <c:ptCount val="3"/>
+                <c:pt idx="0">
+                  <c:v>199278134884.19547</c:v>
+                </c:pt>
+                <c:pt idx="1">
+                  <c:v>417422200850.20551</c:v>
+                </c:pt>
+                <c:pt idx="2">
+                  <c:v>906348792018.32996</c:v>
+                </c:pt>
+              </c:numCache>
+            </c:numRef>
+          </c:yVal>
+          <c:smooth val="0"/>
+          <c:extLst>
+            <c:ext xmlns:c16="http://schemas.microsoft.com/office/drawing/2014/chart" uri="{C3380CC4-5D6E-409C-BE32-E72D297353CC}">
+              <c16:uniqueId val="{00000003-5C46-45CA-87DA-4CA0A3A863D5}"/>
+            </c:ext>
+          </c:extLst>
+        </c:ser>
+        <c:dLbls>
+          <c:showLegendKey val="0"/>
+          <c:showVal val="0"/>
+          <c:showCatName val="0"/>
+          <c:showSerName val="0"/>
+          <c:showPercent val="0"/>
+          <c:showBubbleSize val="0"/>
+        </c:dLbls>
+        <c:axId val="774330944"/>
+        <c:axId val="774334304"/>
+      </c:scatterChart>
+      <c:valAx>
+        <c:axId val="774330944"/>
+        <c:scaling>
+          <c:orientation val="minMax"/>
+        </c:scaling>
+        <c:delete val="0"/>
+        <c:axPos val="b"/>
+        <c:title>
+          <c:tx>
+            <c:rich>
+              <a:bodyPr rot="0" spcFirstLastPara="1" vertOverflow="ellipsis" vert="horz" wrap="square" anchor="ctr" anchorCtr="1"/>
+              <a:lstStyle/>
+              <a:p>
+                <a:pPr>
+                  <a:defRPr sz="1400" b="0" i="0" u="none" strike="noStrike" kern="1200" baseline="0">
+                    <a:solidFill>
+                      <a:schemeClr val="tx1">
+                        <a:lumMod val="65000"/>
+                        <a:lumOff val="35000"/>
+                      </a:schemeClr>
+                    </a:solidFill>
+                    <a:latin typeface="+mn-lt"/>
+                    <a:ea typeface="+mn-ea"/>
+                    <a:cs typeface="+mn-cs"/>
+                  </a:defRPr>
+                </a:pPr>
+                <a:r>
+                  <a:rPr lang="en-US" altLang="zh-TW" sz="1400"/>
+                  <a:t>MAC size</a:t>
+                </a:r>
+                <a:endParaRPr lang="zh-TW" altLang="en-US" sz="1400"/>
+              </a:p>
+            </c:rich>
+          </c:tx>
+          <c:overlay val="0"/>
+          <c:spPr>
+            <a:noFill/>
+            <a:ln>
+              <a:noFill/>
+            </a:ln>
+            <a:effectLst/>
+          </c:spPr>
+          <c:txPr>
+            <a:bodyPr rot="0" spcFirstLastPara="1" vertOverflow="ellipsis" vert="horz" wrap="square" anchor="ctr" anchorCtr="1"/>
+            <a:lstStyle/>
+            <a:p>
+              <a:pPr>
+                <a:defRPr sz="1400" b="0" i="0" u="none" strike="noStrike" kern="1200" baseline="0">
+                  <a:solidFill>
+                    <a:schemeClr val="tx1">
+                      <a:lumMod val="65000"/>
+                      <a:lumOff val="35000"/>
+                    </a:schemeClr>
+                  </a:solidFill>
+                  <a:latin typeface="+mn-lt"/>
+                  <a:ea typeface="+mn-ea"/>
+                  <a:cs typeface="+mn-cs"/>
+                </a:defRPr>
+              </a:pPr>
+              <a:endParaRPr lang="zh-TW"/>
+            </a:p>
+          </c:txPr>
+        </c:title>
+        <c:numFmt formatCode="General" sourceLinked="1"/>
+        <c:majorTickMark val="none"/>
+        <c:minorTickMark val="none"/>
+        <c:tickLblPos val="nextTo"/>
+        <c:spPr>
+          <a:noFill/>
+          <a:ln w="9525" cap="flat" cmpd="sng" algn="ctr">
+            <a:solidFill>
+              <a:schemeClr val="tx1">
+                <a:lumMod val="25000"/>
+                <a:lumOff val="75000"/>
+              </a:schemeClr>
+            </a:solidFill>
+            <a:round/>
+          </a:ln>
+          <a:effectLst/>
+        </c:spPr>
+        <c:txPr>
+          <a:bodyPr rot="-60000000" spcFirstLastPara="1" vertOverflow="ellipsis" vert="horz" wrap="square" anchor="ctr" anchorCtr="1"/>
+          <a:lstStyle/>
+          <a:p>
+            <a:pPr>
+              <a:defRPr sz="900" b="0" i="0" u="none" strike="noStrike" kern="1200" baseline="0">
+                <a:solidFill>
+                  <a:schemeClr val="tx1">
+                    <a:lumMod val="65000"/>
+                    <a:lumOff val="35000"/>
+                  </a:schemeClr>
+                </a:solidFill>
+                <a:latin typeface="+mn-lt"/>
+                <a:ea typeface="+mn-ea"/>
+                <a:cs typeface="+mn-cs"/>
+              </a:defRPr>
+            </a:pPr>
+            <a:endParaRPr lang="zh-TW"/>
+          </a:p>
+        </c:txPr>
+        <c:crossAx val="774334304"/>
+        <c:crosses val="autoZero"/>
+        <c:crossBetween val="midCat"/>
+      </c:valAx>
+      <c:valAx>
+        <c:axId val="774334304"/>
+        <c:scaling>
+          <c:orientation val="minMax"/>
+        </c:scaling>
+        <c:delete val="0"/>
+        <c:axPos val="l"/>
+        <c:title>
+          <c:tx>
+            <c:rich>
+              <a:bodyPr rot="-5400000" spcFirstLastPara="1" vertOverflow="ellipsis" vert="horz" wrap="square" anchor="ctr" anchorCtr="1"/>
+              <a:lstStyle/>
+              <a:p>
+                <a:pPr>
+                  <a:defRPr sz="1400" b="0" i="0" u="none" strike="noStrike" kern="1200" baseline="0">
+                    <a:solidFill>
+                      <a:schemeClr val="tx1">
+                        <a:lumMod val="65000"/>
+                        <a:lumOff val="35000"/>
+                      </a:schemeClr>
+                    </a:solidFill>
+                    <a:latin typeface="+mn-lt"/>
+                    <a:ea typeface="+mn-ea"/>
+                    <a:cs typeface="+mn-cs"/>
+                  </a:defRPr>
+                </a:pPr>
+                <a:r>
+                  <a:rPr lang="en-US" altLang="zh-TW" sz="1400"/>
+                  <a:t>TOPS/mm2</a:t>
+                </a:r>
+                <a:endParaRPr lang="zh-TW" altLang="en-US" sz="1400"/>
+              </a:p>
+            </c:rich>
+          </c:tx>
+          <c:overlay val="0"/>
+          <c:spPr>
+            <a:noFill/>
+            <a:ln>
+              <a:noFill/>
+            </a:ln>
+            <a:effectLst/>
+          </c:spPr>
+          <c:txPr>
+            <a:bodyPr rot="-5400000" spcFirstLastPara="1" vertOverflow="ellipsis" vert="horz" wrap="square" anchor="ctr" anchorCtr="1"/>
+            <a:lstStyle/>
+            <a:p>
+              <a:pPr>
+                <a:defRPr sz="1400" b="0" i="0" u="none" strike="noStrike" kern="1200" baseline="0">
+                  <a:solidFill>
+                    <a:schemeClr val="tx1">
+                      <a:lumMod val="65000"/>
+                      <a:lumOff val="35000"/>
+                    </a:schemeClr>
+                  </a:solidFill>
+                  <a:latin typeface="+mn-lt"/>
+                  <a:ea typeface="+mn-ea"/>
+                  <a:cs typeface="+mn-cs"/>
+                </a:defRPr>
+              </a:pPr>
+              <a:endParaRPr lang="zh-TW"/>
+            </a:p>
+          </c:txPr>
+        </c:title>
+        <c:numFmt formatCode="General" sourceLinked="1"/>
+        <c:majorTickMark val="none"/>
+        <c:minorTickMark val="none"/>
+        <c:tickLblPos val="nextTo"/>
+        <c:spPr>
+          <a:noFill/>
+          <a:ln w="9525" cap="flat" cmpd="sng" algn="ctr">
+            <a:solidFill>
+              <a:schemeClr val="tx1">
+                <a:lumMod val="25000"/>
+                <a:lumOff val="75000"/>
+              </a:schemeClr>
+            </a:solidFill>
+            <a:round/>
+          </a:ln>
+          <a:effectLst/>
+        </c:spPr>
+        <c:txPr>
+          <a:bodyPr rot="-60000000" spcFirstLastPara="1" vertOverflow="ellipsis" vert="horz" wrap="square" anchor="ctr" anchorCtr="1"/>
+          <a:lstStyle/>
+          <a:p>
+            <a:pPr>
+              <a:defRPr sz="900" b="0" i="0" u="none" strike="noStrike" kern="1200" baseline="0">
+                <a:solidFill>
+                  <a:schemeClr val="tx1">
+                    <a:lumMod val="65000"/>
+                    <a:lumOff val="35000"/>
+                  </a:schemeClr>
+                </a:solidFill>
+                <a:latin typeface="+mn-lt"/>
+                <a:ea typeface="+mn-ea"/>
+                <a:cs typeface="+mn-cs"/>
+              </a:defRPr>
+            </a:pPr>
+            <a:endParaRPr lang="zh-TW"/>
+          </a:p>
+        </c:txPr>
+        <c:crossAx val="774330944"/>
+        <c:crosses val="autoZero"/>
+        <c:crossBetween val="midCat"/>
+      </c:valAx>
+      <c:spPr>
+        <a:noFill/>
+        <a:ln>
+          <a:noFill/>
+        </a:ln>
+        <a:effectLst/>
+      </c:spPr>
+    </c:plotArea>
+    <c:legend>
+      <c:legendPos val="r"/>
+      <c:overlay val="0"/>
+      <c:spPr>
+        <a:noFill/>
+        <a:ln>
+          <a:noFill/>
+        </a:ln>
+        <a:effectLst/>
+      </c:spPr>
+      <c:txPr>
+        <a:bodyPr rot="0" spcFirstLastPara="1" vertOverflow="ellipsis" vert="horz" wrap="square" anchor="ctr" anchorCtr="1"/>
+        <a:lstStyle/>
+        <a:p>
+          <a:pPr>
+            <a:defRPr sz="900" b="0" i="0" u="none" strike="noStrike" kern="1200" baseline="0">
+              <a:solidFill>
+                <a:schemeClr val="tx1">
+                  <a:lumMod val="65000"/>
+                  <a:lumOff val="35000"/>
+                </a:schemeClr>
+              </a:solidFill>
+              <a:latin typeface="+mn-lt"/>
+              <a:ea typeface="+mn-ea"/>
+              <a:cs typeface="+mn-cs"/>
+            </a:defRPr>
+          </a:pPr>
+          <a:endParaRPr lang="zh-TW"/>
+        </a:p>
+      </c:txPr>
+    </c:legend>
+    <c:plotVisOnly val="1"/>
+    <c:dispBlanksAs val="gap"/>
+    <c:extLst>
+      <c:ext xmlns:c16r3="http://schemas.microsoft.com/office/drawing/2017/03/chart" uri="{56B9EC1D-385E-4148-901F-78D8002777C0}">
+        <c16r3:dataDisplayOptions16>
+          <c16r3:dispNaAsBlank val="1"/>
+        </c16r3:dataDisplayOptions16>
+      </c:ext>
+    </c:extLst>
+    <c:showDLblsOverMax val="0"/>
+  </c:chart>
+  <c:spPr>
+    <a:noFill/>
+    <a:ln>
+      <a:noFill/>
+    </a:ln>
+    <a:effectLst/>
+  </c:spPr>
+  <c:txPr>
+    <a:bodyPr/>
+    <a:lstStyle/>
+    <a:p>
+      <a:pPr>
+        <a:defRPr/>
+      </a:pPr>
+      <a:endParaRPr lang="zh-TW"/>
+    </a:p>
+  </c:txPr>
+  <c:externalData r:id="rId3">
+    <c:autoUpdate val="0"/>
+  </c:externalData>
+</c:chartSpace>
+</file>
+
 <file path=ppt/charts/chart2.xml><?xml version="1.0" encoding="utf-8"?>
 <c:chartSpace xmlns:c="http://schemas.openxmlformats.org/drawingml/2006/chart" xmlns:a="http://schemas.openxmlformats.org/drawingml/2006/main" xmlns:r="http://schemas.openxmlformats.org/officeDocument/2006/relationships" xmlns:c16r2="http://schemas.microsoft.com/office/drawing/2015/06/chart">
   <c:date1904 val="0"/>
@@ -3536,6 +4257,887 @@
             </a:pPr>
             <a:r>
               <a:rPr lang="en-US" altLang="zh-TW"/>
+              <a:t>Delay vs</a:t>
+            </a:r>
+            <a:r>
+              <a:rPr lang="en-US" altLang="zh-TW" baseline="0"/>
+              <a:t> VDD</a:t>
+            </a:r>
+            <a:endParaRPr lang="en-US" altLang="zh-TW"/>
+          </a:p>
+        </c:rich>
+      </c:tx>
+      <c:layout>
+        <c:manualLayout>
+          <c:xMode val="edge"/>
+          <c:yMode val="edge"/>
+          <c:x val="0.40997222222222229"/>
+          <c:y val="4.1666666666666664E-2"/>
+        </c:manualLayout>
+      </c:layout>
+      <c:overlay val="0"/>
+      <c:spPr>
+        <a:noFill/>
+        <a:ln>
+          <a:noFill/>
+        </a:ln>
+        <a:effectLst/>
+      </c:spPr>
+      <c:txPr>
+        <a:bodyPr rot="0" spcFirstLastPara="1" vertOverflow="ellipsis" vert="horz" wrap="square" anchor="ctr" anchorCtr="1"/>
+        <a:lstStyle/>
+        <a:p>
+          <a:pPr>
+            <a:defRPr sz="1400" b="0" i="0" u="none" strike="noStrike" kern="1200" spc="0" baseline="0">
+              <a:solidFill>
+                <a:schemeClr val="tx1">
+                  <a:lumMod val="65000"/>
+                  <a:lumOff val="35000"/>
+                </a:schemeClr>
+              </a:solidFill>
+              <a:latin typeface="+mn-lt"/>
+              <a:ea typeface="+mn-ea"/>
+              <a:cs typeface="+mn-cs"/>
+            </a:defRPr>
+          </a:pPr>
+          <a:endParaRPr lang="zh-TW"/>
+        </a:p>
+      </c:txPr>
+    </c:title>
+    <c:autoTitleDeleted val="0"/>
+    <c:plotArea>
+      <c:layout/>
+      <c:scatterChart>
+        <c:scatterStyle val="lineMarker"/>
+        <c:varyColors val="0"/>
+        <c:ser>
+          <c:idx val="0"/>
+          <c:order val="0"/>
+          <c:tx>
+            <c:strRef>
+              <c:f>Sheet1!$Q$56</c:f>
+              <c:strCache>
+                <c:ptCount val="1"/>
+                <c:pt idx="0">
+                  <c:v>delay</c:v>
+                </c:pt>
+              </c:strCache>
+            </c:strRef>
+          </c:tx>
+          <c:spPr>
+            <a:ln w="19050" cap="rnd">
+              <a:solidFill>
+                <a:schemeClr val="accent4"/>
+              </a:solidFill>
+              <a:round/>
+            </a:ln>
+            <a:effectLst/>
+          </c:spPr>
+          <c:marker>
+            <c:symbol val="circle"/>
+            <c:size val="5"/>
+            <c:spPr>
+              <a:solidFill>
+                <a:schemeClr val="accent4"/>
+              </a:solidFill>
+              <a:ln w="9525">
+                <a:solidFill>
+                  <a:schemeClr val="accent4"/>
+                </a:solidFill>
+              </a:ln>
+              <a:effectLst/>
+            </c:spPr>
+          </c:marker>
+          <c:xVal>
+            <c:numRef>
+              <c:f>Sheet1!$P$57:$P$60</c:f>
+              <c:numCache>
+                <c:formatCode>General</c:formatCode>
+                <c:ptCount val="4"/>
+                <c:pt idx="0">
+                  <c:v>0.9</c:v>
+                </c:pt>
+                <c:pt idx="1">
+                  <c:v>1.2</c:v>
+                </c:pt>
+                <c:pt idx="2">
+                  <c:v>1.5</c:v>
+                </c:pt>
+                <c:pt idx="3">
+                  <c:v>1.8</c:v>
+                </c:pt>
+              </c:numCache>
+            </c:numRef>
+          </c:xVal>
+          <c:yVal>
+            <c:numRef>
+              <c:f>Sheet1!$Q$57:$Q$60</c:f>
+              <c:numCache>
+                <c:formatCode>General</c:formatCode>
+                <c:ptCount val="4"/>
+                <c:pt idx="0">
+                  <c:v>8.9</c:v>
+                </c:pt>
+                <c:pt idx="1">
+                  <c:v>4.7</c:v>
+                </c:pt>
+                <c:pt idx="2">
+                  <c:v>3.3</c:v>
+                </c:pt>
+                <c:pt idx="3">
+                  <c:v>2.6</c:v>
+                </c:pt>
+              </c:numCache>
+            </c:numRef>
+          </c:yVal>
+          <c:smooth val="0"/>
+          <c:extLst>
+            <c:ext xmlns:c16="http://schemas.microsoft.com/office/drawing/2014/chart" uri="{C3380CC4-5D6E-409C-BE32-E72D297353CC}">
+              <c16:uniqueId val="{00000000-E2FE-4932-A911-8DB71B7D50CA}"/>
+            </c:ext>
+          </c:extLst>
+        </c:ser>
+        <c:dLbls>
+          <c:showLegendKey val="0"/>
+          <c:showVal val="0"/>
+          <c:showCatName val="0"/>
+          <c:showSerName val="0"/>
+          <c:showPercent val="0"/>
+          <c:showBubbleSize val="0"/>
+        </c:dLbls>
+        <c:axId val="10222544"/>
+        <c:axId val="10226864"/>
+      </c:scatterChart>
+      <c:valAx>
+        <c:axId val="10222544"/>
+        <c:scaling>
+          <c:orientation val="minMax"/>
+          <c:min val="0.85000000000000009"/>
+        </c:scaling>
+        <c:delete val="0"/>
+        <c:axPos val="b"/>
+        <c:title>
+          <c:tx>
+            <c:rich>
+              <a:bodyPr rot="0" spcFirstLastPara="1" vertOverflow="ellipsis" vert="horz" wrap="square" anchor="ctr" anchorCtr="1"/>
+              <a:lstStyle/>
+              <a:p>
+                <a:pPr>
+                  <a:defRPr sz="1400" b="0" i="0" u="none" strike="noStrike" kern="1200" baseline="0">
+                    <a:solidFill>
+                      <a:schemeClr val="tx1">
+                        <a:lumMod val="65000"/>
+                        <a:lumOff val="35000"/>
+                      </a:schemeClr>
+                    </a:solidFill>
+                    <a:latin typeface="+mn-lt"/>
+                    <a:ea typeface="+mn-ea"/>
+                    <a:cs typeface="+mn-cs"/>
+                  </a:defRPr>
+                </a:pPr>
+                <a:r>
+                  <a:rPr lang="en-US" altLang="zh-TW" sz="1400"/>
+                  <a:t>VDD</a:t>
+                </a:r>
+                <a:endParaRPr lang="zh-TW" altLang="en-US" sz="1400"/>
+              </a:p>
+            </c:rich>
+          </c:tx>
+          <c:overlay val="0"/>
+          <c:spPr>
+            <a:noFill/>
+            <a:ln>
+              <a:noFill/>
+            </a:ln>
+            <a:effectLst/>
+          </c:spPr>
+          <c:txPr>
+            <a:bodyPr rot="0" spcFirstLastPara="1" vertOverflow="ellipsis" vert="horz" wrap="square" anchor="ctr" anchorCtr="1"/>
+            <a:lstStyle/>
+            <a:p>
+              <a:pPr>
+                <a:defRPr sz="1400" b="0" i="0" u="none" strike="noStrike" kern="1200" baseline="0">
+                  <a:solidFill>
+                    <a:schemeClr val="tx1">
+                      <a:lumMod val="65000"/>
+                      <a:lumOff val="35000"/>
+                    </a:schemeClr>
+                  </a:solidFill>
+                  <a:latin typeface="+mn-lt"/>
+                  <a:ea typeface="+mn-ea"/>
+                  <a:cs typeface="+mn-cs"/>
+                </a:defRPr>
+              </a:pPr>
+              <a:endParaRPr lang="zh-TW"/>
+            </a:p>
+          </c:txPr>
+        </c:title>
+        <c:numFmt formatCode="General" sourceLinked="1"/>
+        <c:majorTickMark val="none"/>
+        <c:minorTickMark val="none"/>
+        <c:tickLblPos val="nextTo"/>
+        <c:spPr>
+          <a:noFill/>
+          <a:ln w="9525" cap="flat" cmpd="sng" algn="ctr">
+            <a:solidFill>
+              <a:schemeClr val="tx1">
+                <a:lumMod val="25000"/>
+                <a:lumOff val="75000"/>
+              </a:schemeClr>
+            </a:solidFill>
+            <a:round/>
+          </a:ln>
+          <a:effectLst/>
+        </c:spPr>
+        <c:txPr>
+          <a:bodyPr rot="-60000000" spcFirstLastPara="1" vertOverflow="ellipsis" vert="horz" wrap="square" anchor="ctr" anchorCtr="1"/>
+          <a:lstStyle/>
+          <a:p>
+            <a:pPr>
+              <a:defRPr sz="900" b="0" i="0" u="none" strike="noStrike" kern="1200" baseline="0">
+                <a:solidFill>
+                  <a:schemeClr val="tx1">
+                    <a:lumMod val="65000"/>
+                    <a:lumOff val="35000"/>
+                  </a:schemeClr>
+                </a:solidFill>
+                <a:latin typeface="+mn-lt"/>
+                <a:ea typeface="+mn-ea"/>
+                <a:cs typeface="+mn-cs"/>
+              </a:defRPr>
+            </a:pPr>
+            <a:endParaRPr lang="zh-TW"/>
+          </a:p>
+        </c:txPr>
+        <c:crossAx val="10226864"/>
+        <c:crosses val="autoZero"/>
+        <c:crossBetween val="midCat"/>
+      </c:valAx>
+      <c:valAx>
+        <c:axId val="10226864"/>
+        <c:scaling>
+          <c:orientation val="minMax"/>
+        </c:scaling>
+        <c:delete val="0"/>
+        <c:axPos val="l"/>
+        <c:title>
+          <c:tx>
+            <c:rich>
+              <a:bodyPr rot="-5400000" spcFirstLastPara="1" vertOverflow="ellipsis" vert="horz" wrap="square" anchor="ctr" anchorCtr="1"/>
+              <a:lstStyle/>
+              <a:p>
+                <a:pPr>
+                  <a:defRPr sz="1000" b="0" i="0" u="none" strike="noStrike" kern="1200" baseline="0">
+                    <a:solidFill>
+                      <a:schemeClr val="tx1">
+                        <a:lumMod val="65000"/>
+                        <a:lumOff val="35000"/>
+                      </a:schemeClr>
+                    </a:solidFill>
+                    <a:latin typeface="+mn-lt"/>
+                    <a:ea typeface="+mn-ea"/>
+                    <a:cs typeface="+mn-cs"/>
+                  </a:defRPr>
+                </a:pPr>
+                <a:r>
+                  <a:rPr lang="en-US" altLang="zh-TW"/>
+                  <a:t>Delay</a:t>
+                </a:r>
+                <a:r>
+                  <a:rPr lang="en-US" altLang="zh-TW" baseline="0"/>
+                  <a:t> ns</a:t>
+                </a:r>
+                <a:endParaRPr lang="zh-TW" altLang="en-US"/>
+              </a:p>
+            </c:rich>
+          </c:tx>
+          <c:overlay val="0"/>
+          <c:spPr>
+            <a:noFill/>
+            <a:ln>
+              <a:noFill/>
+            </a:ln>
+            <a:effectLst/>
+          </c:spPr>
+          <c:txPr>
+            <a:bodyPr rot="-5400000" spcFirstLastPara="1" vertOverflow="ellipsis" vert="horz" wrap="square" anchor="ctr" anchorCtr="1"/>
+            <a:lstStyle/>
+            <a:p>
+              <a:pPr>
+                <a:defRPr sz="1000" b="0" i="0" u="none" strike="noStrike" kern="1200" baseline="0">
+                  <a:solidFill>
+                    <a:schemeClr val="tx1">
+                      <a:lumMod val="65000"/>
+                      <a:lumOff val="35000"/>
+                    </a:schemeClr>
+                  </a:solidFill>
+                  <a:latin typeface="+mn-lt"/>
+                  <a:ea typeface="+mn-ea"/>
+                  <a:cs typeface="+mn-cs"/>
+                </a:defRPr>
+              </a:pPr>
+              <a:endParaRPr lang="zh-TW"/>
+            </a:p>
+          </c:txPr>
+        </c:title>
+        <c:numFmt formatCode="General" sourceLinked="1"/>
+        <c:majorTickMark val="none"/>
+        <c:minorTickMark val="none"/>
+        <c:tickLblPos val="nextTo"/>
+        <c:spPr>
+          <a:noFill/>
+          <a:ln w="9525" cap="flat" cmpd="sng" algn="ctr">
+            <a:solidFill>
+              <a:schemeClr val="tx1">
+                <a:lumMod val="25000"/>
+                <a:lumOff val="75000"/>
+              </a:schemeClr>
+            </a:solidFill>
+            <a:round/>
+          </a:ln>
+          <a:effectLst/>
+        </c:spPr>
+        <c:txPr>
+          <a:bodyPr rot="-60000000" spcFirstLastPara="1" vertOverflow="ellipsis" vert="horz" wrap="square" anchor="ctr" anchorCtr="1"/>
+          <a:lstStyle/>
+          <a:p>
+            <a:pPr>
+              <a:defRPr sz="900" b="0" i="0" u="none" strike="noStrike" kern="1200" baseline="0">
+                <a:solidFill>
+                  <a:schemeClr val="tx1">
+                    <a:lumMod val="65000"/>
+                    <a:lumOff val="35000"/>
+                  </a:schemeClr>
+                </a:solidFill>
+                <a:latin typeface="+mn-lt"/>
+                <a:ea typeface="+mn-ea"/>
+                <a:cs typeface="+mn-cs"/>
+              </a:defRPr>
+            </a:pPr>
+            <a:endParaRPr lang="zh-TW"/>
+          </a:p>
+        </c:txPr>
+        <c:crossAx val="10222544"/>
+        <c:crosses val="autoZero"/>
+        <c:crossBetween val="midCat"/>
+      </c:valAx>
+      <c:spPr>
+        <a:noFill/>
+        <a:ln>
+          <a:noFill/>
+        </a:ln>
+        <a:effectLst/>
+      </c:spPr>
+    </c:plotArea>
+    <c:plotVisOnly val="1"/>
+    <c:dispBlanksAs val="gap"/>
+    <c:extLst>
+      <c:ext xmlns:c16r3="http://schemas.microsoft.com/office/drawing/2017/03/chart" uri="{56B9EC1D-385E-4148-901F-78D8002777C0}">
+        <c16r3:dataDisplayOptions16>
+          <c16r3:dispNaAsBlank val="1"/>
+        </c16r3:dataDisplayOptions16>
+      </c:ext>
+    </c:extLst>
+    <c:showDLblsOverMax val="0"/>
+  </c:chart>
+  <c:spPr>
+    <a:noFill/>
+    <a:ln>
+      <a:noFill/>
+    </a:ln>
+    <a:effectLst/>
+  </c:spPr>
+  <c:txPr>
+    <a:bodyPr/>
+    <a:lstStyle/>
+    <a:p>
+      <a:pPr>
+        <a:defRPr/>
+      </a:pPr>
+      <a:endParaRPr lang="zh-TW"/>
+    </a:p>
+  </c:txPr>
+  <c:externalData r:id="rId3">
+    <c:autoUpdate val="0"/>
+  </c:externalData>
+</c:chartSpace>
+</file>
+
+<file path=ppt/charts/chart6.xml><?xml version="1.0" encoding="utf-8"?>
+<c:chartSpace xmlns:c="http://schemas.openxmlformats.org/drawingml/2006/chart" xmlns:a="http://schemas.openxmlformats.org/drawingml/2006/main" xmlns:r="http://schemas.openxmlformats.org/officeDocument/2006/relationships" xmlns:c16r2="http://schemas.microsoft.com/office/drawing/2015/06/chart">
+  <c:date1904 val="0"/>
+  <c:lang val="zh-TW"/>
+  <c:roundedCorners val="0"/>
+  <mc:AlternateContent xmlns:mc="http://schemas.openxmlformats.org/markup-compatibility/2006">
+    <mc:Choice xmlns:c14="http://schemas.microsoft.com/office/drawing/2007/8/2/chart" Requires="c14">
+      <c14:style val="106"/>
+    </mc:Choice>
+    <mc:Fallback>
+      <c:style val="6"/>
+    </mc:Fallback>
+  </mc:AlternateContent>
+  <c:chart>
+    <c:title>
+      <c:tx>
+        <c:rich>
+          <a:bodyPr rot="0" spcFirstLastPara="1" vertOverflow="ellipsis" vert="horz" wrap="square" anchor="ctr" anchorCtr="1"/>
+          <a:lstStyle/>
+          <a:p>
+            <a:pPr>
+              <a:defRPr sz="1400" b="0" i="0" u="none" strike="noStrike" kern="1200" spc="0" baseline="0">
+                <a:solidFill>
+                  <a:schemeClr val="tx1">
+                    <a:lumMod val="65000"/>
+                    <a:lumOff val="35000"/>
+                  </a:schemeClr>
+                </a:solidFill>
+                <a:latin typeface="+mn-lt"/>
+                <a:ea typeface="+mn-ea"/>
+                <a:cs typeface="+mn-cs"/>
+              </a:defRPr>
+            </a:pPr>
+            <a:r>
+              <a:rPr lang="en-US" altLang="zh-TW"/>
+              <a:t>Delay</a:t>
+            </a:r>
+            <a:r>
+              <a:rPr lang="en-US" altLang="zh-TW" baseline="0"/>
+              <a:t> vs MAC Size</a:t>
+            </a:r>
+            <a:endParaRPr lang="en-US" altLang="zh-TW"/>
+          </a:p>
+        </c:rich>
+      </c:tx>
+      <c:layout>
+        <c:manualLayout>
+          <c:xMode val="edge"/>
+          <c:yMode val="edge"/>
+          <c:x val="0.39156933508311464"/>
+          <c:y val="3.2407407407407406E-2"/>
+        </c:manualLayout>
+      </c:layout>
+      <c:overlay val="0"/>
+      <c:spPr>
+        <a:noFill/>
+        <a:ln>
+          <a:noFill/>
+        </a:ln>
+        <a:effectLst/>
+      </c:spPr>
+      <c:txPr>
+        <a:bodyPr rot="0" spcFirstLastPara="1" vertOverflow="ellipsis" vert="horz" wrap="square" anchor="ctr" anchorCtr="1"/>
+        <a:lstStyle/>
+        <a:p>
+          <a:pPr>
+            <a:defRPr sz="1400" b="0" i="0" u="none" strike="noStrike" kern="1200" spc="0" baseline="0">
+              <a:solidFill>
+                <a:schemeClr val="tx1">
+                  <a:lumMod val="65000"/>
+                  <a:lumOff val="35000"/>
+                </a:schemeClr>
+              </a:solidFill>
+              <a:latin typeface="+mn-lt"/>
+              <a:ea typeface="+mn-ea"/>
+              <a:cs typeface="+mn-cs"/>
+            </a:defRPr>
+          </a:pPr>
+          <a:endParaRPr lang="zh-TW"/>
+        </a:p>
+      </c:txPr>
+    </c:title>
+    <c:autoTitleDeleted val="0"/>
+    <c:plotArea>
+      <c:layout/>
+      <c:scatterChart>
+        <c:scatterStyle val="lineMarker"/>
+        <c:varyColors val="0"/>
+        <c:ser>
+          <c:idx val="0"/>
+          <c:order val="0"/>
+          <c:tx>
+            <c:strRef>
+              <c:f>Sheet1!$Q$61</c:f>
+              <c:strCache>
+                <c:ptCount val="1"/>
+                <c:pt idx="0">
+                  <c:v>delay</c:v>
+                </c:pt>
+              </c:strCache>
+            </c:strRef>
+          </c:tx>
+          <c:spPr>
+            <a:ln w="19050" cap="rnd">
+              <a:solidFill>
+                <a:schemeClr val="accent4"/>
+              </a:solidFill>
+              <a:round/>
+            </a:ln>
+            <a:effectLst/>
+          </c:spPr>
+          <c:marker>
+            <c:symbol val="circle"/>
+            <c:size val="5"/>
+            <c:spPr>
+              <a:solidFill>
+                <a:schemeClr val="accent4"/>
+              </a:solidFill>
+              <a:ln w="9525">
+                <a:solidFill>
+                  <a:schemeClr val="accent4"/>
+                </a:solidFill>
+              </a:ln>
+              <a:effectLst/>
+            </c:spPr>
+          </c:marker>
+          <c:xVal>
+            <c:numRef>
+              <c:f>Sheet1!$P$62:$P$64</c:f>
+              <c:numCache>
+                <c:formatCode>General</c:formatCode>
+                <c:ptCount val="3"/>
+                <c:pt idx="0">
+                  <c:v>16</c:v>
+                </c:pt>
+                <c:pt idx="1">
+                  <c:v>32</c:v>
+                </c:pt>
+                <c:pt idx="2">
+                  <c:v>64</c:v>
+                </c:pt>
+              </c:numCache>
+            </c:numRef>
+          </c:xVal>
+          <c:yVal>
+            <c:numRef>
+              <c:f>Sheet1!$Q$62:$Q$64</c:f>
+              <c:numCache>
+                <c:formatCode>General</c:formatCode>
+                <c:ptCount val="3"/>
+                <c:pt idx="0">
+                  <c:v>1.8</c:v>
+                </c:pt>
+                <c:pt idx="1">
+                  <c:v>2.1</c:v>
+                </c:pt>
+                <c:pt idx="2">
+                  <c:v>2.6</c:v>
+                </c:pt>
+              </c:numCache>
+            </c:numRef>
+          </c:yVal>
+          <c:smooth val="0"/>
+          <c:extLst>
+            <c:ext xmlns:c16="http://schemas.microsoft.com/office/drawing/2014/chart" uri="{C3380CC4-5D6E-409C-BE32-E72D297353CC}">
+              <c16:uniqueId val="{00000000-ED08-42F2-BE68-2034A979AADE}"/>
+            </c:ext>
+          </c:extLst>
+        </c:ser>
+        <c:dLbls>
+          <c:showLegendKey val="0"/>
+          <c:showVal val="0"/>
+          <c:showCatName val="0"/>
+          <c:showSerName val="0"/>
+          <c:showPercent val="0"/>
+          <c:showBubbleSize val="0"/>
+        </c:dLbls>
+        <c:axId val="1026270271"/>
+        <c:axId val="1026271231"/>
+      </c:scatterChart>
+      <c:valAx>
+        <c:axId val="1026270271"/>
+        <c:scaling>
+          <c:orientation val="minMax"/>
+          <c:max val="70"/>
+          <c:min val="10"/>
+        </c:scaling>
+        <c:delete val="0"/>
+        <c:axPos val="b"/>
+        <c:title>
+          <c:tx>
+            <c:rich>
+              <a:bodyPr rot="0" spcFirstLastPara="1" vertOverflow="ellipsis" vert="horz" wrap="square" anchor="ctr" anchorCtr="1"/>
+              <a:lstStyle/>
+              <a:p>
+                <a:pPr>
+                  <a:defRPr sz="1000" b="0" i="0" u="none" strike="noStrike" kern="1200" baseline="0">
+                    <a:solidFill>
+                      <a:schemeClr val="tx1">
+                        <a:lumMod val="65000"/>
+                        <a:lumOff val="35000"/>
+                      </a:schemeClr>
+                    </a:solidFill>
+                    <a:latin typeface="+mn-lt"/>
+                    <a:ea typeface="+mn-ea"/>
+                    <a:cs typeface="+mn-cs"/>
+                  </a:defRPr>
+                </a:pPr>
+                <a:r>
+                  <a:rPr lang="en-US" altLang="zh-TW"/>
+                  <a:t>MAC</a:t>
+                </a:r>
+                <a:r>
+                  <a:rPr lang="en-US" altLang="zh-TW" baseline="0"/>
+                  <a:t> SIZE</a:t>
+                </a:r>
+                <a:endParaRPr lang="zh-TW" altLang="en-US"/>
+              </a:p>
+            </c:rich>
+          </c:tx>
+          <c:overlay val="0"/>
+          <c:spPr>
+            <a:noFill/>
+            <a:ln>
+              <a:noFill/>
+            </a:ln>
+            <a:effectLst/>
+          </c:spPr>
+          <c:txPr>
+            <a:bodyPr rot="0" spcFirstLastPara="1" vertOverflow="ellipsis" vert="horz" wrap="square" anchor="ctr" anchorCtr="1"/>
+            <a:lstStyle/>
+            <a:p>
+              <a:pPr>
+                <a:defRPr sz="1000" b="0" i="0" u="none" strike="noStrike" kern="1200" baseline="0">
+                  <a:solidFill>
+                    <a:schemeClr val="tx1">
+                      <a:lumMod val="65000"/>
+                      <a:lumOff val="35000"/>
+                    </a:schemeClr>
+                  </a:solidFill>
+                  <a:latin typeface="+mn-lt"/>
+                  <a:ea typeface="+mn-ea"/>
+                  <a:cs typeface="+mn-cs"/>
+                </a:defRPr>
+              </a:pPr>
+              <a:endParaRPr lang="zh-TW"/>
+            </a:p>
+          </c:txPr>
+        </c:title>
+        <c:numFmt formatCode="General" sourceLinked="1"/>
+        <c:majorTickMark val="none"/>
+        <c:minorTickMark val="none"/>
+        <c:tickLblPos val="nextTo"/>
+        <c:spPr>
+          <a:noFill/>
+          <a:ln w="9525" cap="flat" cmpd="sng" algn="ctr">
+            <a:solidFill>
+              <a:schemeClr val="tx1">
+                <a:lumMod val="25000"/>
+                <a:lumOff val="75000"/>
+              </a:schemeClr>
+            </a:solidFill>
+            <a:round/>
+          </a:ln>
+          <a:effectLst/>
+        </c:spPr>
+        <c:txPr>
+          <a:bodyPr rot="-60000000" spcFirstLastPara="1" vertOverflow="ellipsis" vert="horz" wrap="square" anchor="ctr" anchorCtr="1"/>
+          <a:lstStyle/>
+          <a:p>
+            <a:pPr>
+              <a:defRPr sz="900" b="0" i="0" u="none" strike="noStrike" kern="1200" baseline="0">
+                <a:solidFill>
+                  <a:schemeClr val="tx1">
+                    <a:lumMod val="65000"/>
+                    <a:lumOff val="35000"/>
+                  </a:schemeClr>
+                </a:solidFill>
+                <a:latin typeface="+mn-lt"/>
+                <a:ea typeface="+mn-ea"/>
+                <a:cs typeface="+mn-cs"/>
+              </a:defRPr>
+            </a:pPr>
+            <a:endParaRPr lang="zh-TW"/>
+          </a:p>
+        </c:txPr>
+        <c:crossAx val="1026271231"/>
+        <c:crosses val="autoZero"/>
+        <c:crossBetween val="midCat"/>
+      </c:valAx>
+      <c:valAx>
+        <c:axId val="1026271231"/>
+        <c:scaling>
+          <c:orientation val="minMax"/>
+        </c:scaling>
+        <c:delete val="0"/>
+        <c:axPos val="l"/>
+        <c:title>
+          <c:tx>
+            <c:rich>
+              <a:bodyPr rot="-5400000" spcFirstLastPara="1" vertOverflow="ellipsis" vert="horz" wrap="square" anchor="ctr" anchorCtr="1"/>
+              <a:lstStyle/>
+              <a:p>
+                <a:pPr>
+                  <a:defRPr sz="1400" b="0" i="0" u="none" strike="noStrike" kern="1200" baseline="0">
+                    <a:solidFill>
+                      <a:schemeClr val="tx1">
+                        <a:lumMod val="65000"/>
+                        <a:lumOff val="35000"/>
+                      </a:schemeClr>
+                    </a:solidFill>
+                    <a:latin typeface="+mn-lt"/>
+                    <a:ea typeface="+mn-ea"/>
+                    <a:cs typeface="+mn-cs"/>
+                  </a:defRPr>
+                </a:pPr>
+                <a:r>
+                  <a:rPr lang="en-US" altLang="zh-TW" sz="1400"/>
+                  <a:t>Delay</a:t>
+                </a:r>
+                <a:r>
+                  <a:rPr lang="en-US" altLang="zh-TW" sz="1400" baseline="0"/>
+                  <a:t> (ns)</a:t>
+                </a:r>
+                <a:endParaRPr lang="zh-TW" altLang="en-US" sz="1400"/>
+              </a:p>
+            </c:rich>
+          </c:tx>
+          <c:overlay val="0"/>
+          <c:spPr>
+            <a:noFill/>
+            <a:ln>
+              <a:noFill/>
+            </a:ln>
+            <a:effectLst/>
+          </c:spPr>
+          <c:txPr>
+            <a:bodyPr rot="-5400000" spcFirstLastPara="1" vertOverflow="ellipsis" vert="horz" wrap="square" anchor="ctr" anchorCtr="1"/>
+            <a:lstStyle/>
+            <a:p>
+              <a:pPr>
+                <a:defRPr sz="1400" b="0" i="0" u="none" strike="noStrike" kern="1200" baseline="0">
+                  <a:solidFill>
+                    <a:schemeClr val="tx1">
+                      <a:lumMod val="65000"/>
+                      <a:lumOff val="35000"/>
+                    </a:schemeClr>
+                  </a:solidFill>
+                  <a:latin typeface="+mn-lt"/>
+                  <a:ea typeface="+mn-ea"/>
+                  <a:cs typeface="+mn-cs"/>
+                </a:defRPr>
+              </a:pPr>
+              <a:endParaRPr lang="zh-TW"/>
+            </a:p>
+          </c:txPr>
+        </c:title>
+        <c:numFmt formatCode="General" sourceLinked="1"/>
+        <c:majorTickMark val="none"/>
+        <c:minorTickMark val="none"/>
+        <c:tickLblPos val="nextTo"/>
+        <c:spPr>
+          <a:noFill/>
+          <a:ln w="9525" cap="flat" cmpd="sng" algn="ctr">
+            <a:solidFill>
+              <a:schemeClr val="tx1">
+                <a:lumMod val="25000"/>
+                <a:lumOff val="75000"/>
+              </a:schemeClr>
+            </a:solidFill>
+            <a:round/>
+          </a:ln>
+          <a:effectLst/>
+        </c:spPr>
+        <c:txPr>
+          <a:bodyPr rot="-60000000" spcFirstLastPara="1" vertOverflow="ellipsis" vert="horz" wrap="square" anchor="ctr" anchorCtr="1"/>
+          <a:lstStyle/>
+          <a:p>
+            <a:pPr>
+              <a:defRPr sz="900" b="0" i="0" u="none" strike="noStrike" kern="1200" baseline="0">
+                <a:solidFill>
+                  <a:schemeClr val="tx1">
+                    <a:lumMod val="65000"/>
+                    <a:lumOff val="35000"/>
+                  </a:schemeClr>
+                </a:solidFill>
+                <a:latin typeface="+mn-lt"/>
+                <a:ea typeface="+mn-ea"/>
+                <a:cs typeface="+mn-cs"/>
+              </a:defRPr>
+            </a:pPr>
+            <a:endParaRPr lang="zh-TW"/>
+          </a:p>
+        </c:txPr>
+        <c:crossAx val="1026270271"/>
+        <c:crosses val="autoZero"/>
+        <c:crossBetween val="midCat"/>
+      </c:valAx>
+      <c:spPr>
+        <a:noFill/>
+        <a:ln>
+          <a:noFill/>
+        </a:ln>
+        <a:effectLst/>
+      </c:spPr>
+    </c:plotArea>
+    <c:plotVisOnly val="1"/>
+    <c:dispBlanksAs val="gap"/>
+    <c:extLst>
+      <c:ext xmlns:c16r3="http://schemas.microsoft.com/office/drawing/2017/03/chart" uri="{56B9EC1D-385E-4148-901F-78D8002777C0}">
+        <c16r3:dataDisplayOptions16>
+          <c16r3:dispNaAsBlank val="1"/>
+        </c16r3:dataDisplayOptions16>
+      </c:ext>
+    </c:extLst>
+    <c:showDLblsOverMax val="0"/>
+  </c:chart>
+  <c:spPr>
+    <a:noFill/>
+    <a:ln>
+      <a:noFill/>
+    </a:ln>
+    <a:effectLst/>
+  </c:spPr>
+  <c:txPr>
+    <a:bodyPr/>
+    <a:lstStyle/>
+    <a:p>
+      <a:pPr>
+        <a:defRPr/>
+      </a:pPr>
+      <a:endParaRPr lang="zh-TW"/>
+    </a:p>
+  </c:txPr>
+  <c:externalData r:id="rId3">
+    <c:autoUpdate val="0"/>
+  </c:externalData>
+</c:chartSpace>
+</file>
+
+<file path=ppt/charts/chart7.xml><?xml version="1.0" encoding="utf-8"?>
+<c:chartSpace xmlns:c="http://schemas.openxmlformats.org/drawingml/2006/chart" xmlns:a="http://schemas.openxmlformats.org/drawingml/2006/main" xmlns:r="http://schemas.openxmlformats.org/officeDocument/2006/relationships" xmlns:c16r2="http://schemas.microsoft.com/office/drawing/2015/06/chart">
+  <c:date1904 val="0"/>
+  <c:lang val="zh-TW"/>
+  <c:roundedCorners val="0"/>
+  <mc:AlternateContent xmlns:mc="http://schemas.openxmlformats.org/markup-compatibility/2006">
+    <mc:Choice xmlns:c14="http://schemas.microsoft.com/office/drawing/2007/8/2/chart" Requires="c14">
+      <c14:style val="106"/>
+    </mc:Choice>
+    <mc:Fallback>
+      <c:style val="6"/>
+    </mc:Fallback>
+  </mc:AlternateContent>
+  <c:chart>
+    <c:title>
+      <c:tx>
+        <c:rich>
+          <a:bodyPr rot="0" spcFirstLastPara="1" vertOverflow="ellipsis" vert="horz" wrap="square" anchor="ctr" anchorCtr="1"/>
+          <a:lstStyle/>
+          <a:p>
+            <a:pPr>
+              <a:defRPr sz="1400" b="0" i="0" u="none" strike="noStrike" kern="1200" spc="0" baseline="0">
+                <a:solidFill>
+                  <a:schemeClr val="tx1">
+                    <a:lumMod val="65000"/>
+                    <a:lumOff val="35000"/>
+                  </a:schemeClr>
+                </a:solidFill>
+                <a:latin typeface="+mn-lt"/>
+                <a:ea typeface="+mn-ea"/>
+                <a:cs typeface="+mn-cs"/>
+              </a:defRPr>
+            </a:pPr>
+            <a:r>
+              <a:rPr lang="en-US" altLang="zh-TW"/>
               <a:t>Energy</a:t>
             </a:r>
             <a:r>
@@ -4147,7 +5749,7 @@
 </c:chartSpace>
 </file>
 
-<file path=ppt/charts/chart6.xml><?xml version="1.0" encoding="utf-8"?>
+<file path=ppt/charts/chart8.xml><?xml version="1.0" encoding="utf-8"?>
 <c:chartSpace xmlns:c="http://schemas.openxmlformats.org/drawingml/2006/chart" xmlns:a="http://schemas.openxmlformats.org/drawingml/2006/main" xmlns:r="http://schemas.openxmlformats.org/officeDocument/2006/relationships" xmlns:c16r2="http://schemas.microsoft.com/office/drawing/2015/06/chart">
   <c:date1904 val="0"/>
   <c:lang val="zh-TW"/>
@@ -4893,7 +6495,7 @@
 </c:chartSpace>
 </file>
 
-<file path=ppt/charts/chart7.xml><?xml version="1.0" encoding="utf-8"?>
+<file path=ppt/charts/chart9.xml><?xml version="1.0" encoding="utf-8"?>
 <c:chartSpace xmlns:c="http://schemas.openxmlformats.org/drawingml/2006/chart" xmlns:a="http://schemas.openxmlformats.org/drawingml/2006/main" xmlns:r="http://schemas.openxmlformats.org/officeDocument/2006/relationships" xmlns:c16r2="http://schemas.microsoft.com/office/drawing/2015/06/chart">
   <c:date1904 val="0"/>
   <c:lang val="zh-TW"/>
@@ -5520,726 +7122,6 @@
 </c:chartSpace>
 </file>
 
-<file path=ppt/charts/chart8.xml><?xml version="1.0" encoding="utf-8"?>
-<c:chartSpace xmlns:c="http://schemas.openxmlformats.org/drawingml/2006/chart" xmlns:a="http://schemas.openxmlformats.org/drawingml/2006/main" xmlns:r="http://schemas.openxmlformats.org/officeDocument/2006/relationships" xmlns:c16r2="http://schemas.microsoft.com/office/drawing/2015/06/chart">
-  <c:date1904 val="0"/>
-  <c:lang val="zh-TW"/>
-  <c:roundedCorners val="0"/>
-  <mc:AlternateContent xmlns:mc="http://schemas.openxmlformats.org/markup-compatibility/2006">
-    <mc:Choice xmlns:c14="http://schemas.microsoft.com/office/drawing/2007/8/2/chart" Requires="c14">
-      <c14:style val="106"/>
-    </mc:Choice>
-    <mc:Fallback>
-      <c:style val="6"/>
-    </mc:Fallback>
-  </mc:AlternateContent>
-  <c:chart>
-    <c:title>
-      <c:tx>
-        <c:rich>
-          <a:bodyPr rot="0" spcFirstLastPara="1" vertOverflow="ellipsis" vert="horz" wrap="square" anchor="ctr" anchorCtr="1"/>
-          <a:lstStyle/>
-          <a:p>
-            <a:pPr>
-              <a:defRPr sz="1400" b="0" i="0" u="none" strike="noStrike" kern="1200" spc="0" baseline="0">
-                <a:solidFill>
-                  <a:schemeClr val="tx1">
-                    <a:lumMod val="65000"/>
-                    <a:lumOff val="35000"/>
-                  </a:schemeClr>
-                </a:solidFill>
-                <a:latin typeface="+mn-lt"/>
-                <a:ea typeface="+mn-ea"/>
-                <a:cs typeface="+mn-cs"/>
-              </a:defRPr>
-            </a:pPr>
-            <a:r>
-              <a:rPr lang="en-US" altLang="zh-TW"/>
-              <a:t>Area</a:t>
-            </a:r>
-            <a:r>
-              <a:rPr lang="en-US" altLang="zh-TW" baseline="0"/>
-              <a:t> efficiency</a:t>
-            </a:r>
-            <a:endParaRPr lang="zh-TW" altLang="en-US"/>
-          </a:p>
-        </c:rich>
-      </c:tx>
-      <c:overlay val="0"/>
-      <c:spPr>
-        <a:noFill/>
-        <a:ln>
-          <a:noFill/>
-        </a:ln>
-        <a:effectLst/>
-      </c:spPr>
-      <c:txPr>
-        <a:bodyPr rot="0" spcFirstLastPara="1" vertOverflow="ellipsis" vert="horz" wrap="square" anchor="ctr" anchorCtr="1"/>
-        <a:lstStyle/>
-        <a:p>
-          <a:pPr>
-            <a:defRPr sz="1400" b="0" i="0" u="none" strike="noStrike" kern="1200" spc="0" baseline="0">
-              <a:solidFill>
-                <a:schemeClr val="tx1">
-                  <a:lumMod val="65000"/>
-                  <a:lumOff val="35000"/>
-                </a:schemeClr>
-              </a:solidFill>
-              <a:latin typeface="+mn-lt"/>
-              <a:ea typeface="+mn-ea"/>
-              <a:cs typeface="+mn-cs"/>
-            </a:defRPr>
-          </a:pPr>
-          <a:endParaRPr lang="zh-TW"/>
-        </a:p>
-      </c:txPr>
-    </c:title>
-    <c:autoTitleDeleted val="0"/>
-    <c:plotArea>
-      <c:layout/>
-      <c:scatterChart>
-        <c:scatterStyle val="lineMarker"/>
-        <c:varyColors val="0"/>
-        <c:ser>
-          <c:idx val="0"/>
-          <c:order val="0"/>
-          <c:tx>
-            <c:strRef>
-              <c:f>Sheet1!$AA$55</c:f>
-              <c:strCache>
-                <c:ptCount val="1"/>
-                <c:pt idx="0">
-                  <c:v>1.8V</c:v>
-                </c:pt>
-              </c:strCache>
-            </c:strRef>
-          </c:tx>
-          <c:spPr>
-            <a:ln w="19050" cap="rnd">
-              <a:solidFill>
-                <a:schemeClr val="accent4">
-                  <a:shade val="58000"/>
-                </a:schemeClr>
-              </a:solidFill>
-              <a:round/>
-            </a:ln>
-            <a:effectLst/>
-          </c:spPr>
-          <c:marker>
-            <c:symbol val="circle"/>
-            <c:size val="5"/>
-            <c:spPr>
-              <a:solidFill>
-                <a:schemeClr val="accent4">
-                  <a:shade val="58000"/>
-                </a:schemeClr>
-              </a:solidFill>
-              <a:ln w="9525">
-                <a:solidFill>
-                  <a:schemeClr val="accent4">
-                    <a:shade val="58000"/>
-                  </a:schemeClr>
-                </a:solidFill>
-              </a:ln>
-              <a:effectLst/>
-            </c:spPr>
-          </c:marker>
-          <c:xVal>
-            <c:numRef>
-              <c:f>Sheet1!$Z$56:$Z$58</c:f>
-              <c:numCache>
-                <c:formatCode>General</c:formatCode>
-                <c:ptCount val="3"/>
-                <c:pt idx="0">
-                  <c:v>64</c:v>
-                </c:pt>
-                <c:pt idx="1">
-                  <c:v>32</c:v>
-                </c:pt>
-                <c:pt idx="2">
-                  <c:v>16</c:v>
-                </c:pt>
-              </c:numCache>
-            </c:numRef>
-          </c:xVal>
-          <c:yVal>
-            <c:numRef>
-              <c:f>Sheet1!$AA$56:$AA$58</c:f>
-              <c:numCache>
-                <c:formatCode>General</c:formatCode>
-                <c:ptCount val="3"/>
-                <c:pt idx="0">
-                  <c:v>827770714134.35059</c:v>
-                </c:pt>
-                <c:pt idx="1">
-                  <c:v>1733907603531.6233</c:v>
-                </c:pt>
-                <c:pt idx="2">
-                  <c:v>3764833443768.4478</c:v>
-                </c:pt>
-              </c:numCache>
-            </c:numRef>
-          </c:yVal>
-          <c:smooth val="0"/>
-          <c:extLst>
-            <c:ext xmlns:c16="http://schemas.microsoft.com/office/drawing/2014/chart" uri="{C3380CC4-5D6E-409C-BE32-E72D297353CC}">
-              <c16:uniqueId val="{00000000-5C46-45CA-87DA-4CA0A3A863D5}"/>
-            </c:ext>
-          </c:extLst>
-        </c:ser>
-        <c:ser>
-          <c:idx val="1"/>
-          <c:order val="1"/>
-          <c:tx>
-            <c:strRef>
-              <c:f>Sheet1!$AB$55</c:f>
-              <c:strCache>
-                <c:ptCount val="1"/>
-                <c:pt idx="0">
-                  <c:v>1.5V</c:v>
-                </c:pt>
-              </c:strCache>
-            </c:strRef>
-          </c:tx>
-          <c:spPr>
-            <a:ln w="19050" cap="rnd">
-              <a:solidFill>
-                <a:schemeClr val="accent4">
-                  <a:shade val="86000"/>
-                </a:schemeClr>
-              </a:solidFill>
-              <a:round/>
-            </a:ln>
-            <a:effectLst/>
-          </c:spPr>
-          <c:marker>
-            <c:symbol val="circle"/>
-            <c:size val="5"/>
-            <c:spPr>
-              <a:solidFill>
-                <a:schemeClr val="accent4">
-                  <a:shade val="86000"/>
-                </a:schemeClr>
-              </a:solidFill>
-              <a:ln w="9525">
-                <a:solidFill>
-                  <a:schemeClr val="accent4">
-                    <a:shade val="86000"/>
-                  </a:schemeClr>
-                </a:solidFill>
-              </a:ln>
-              <a:effectLst/>
-            </c:spPr>
-          </c:marker>
-          <c:xVal>
-            <c:numRef>
-              <c:f>Sheet1!$Z$56:$Z$58</c:f>
-              <c:numCache>
-                <c:formatCode>General</c:formatCode>
-                <c:ptCount val="3"/>
-                <c:pt idx="0">
-                  <c:v>64</c:v>
-                </c:pt>
-                <c:pt idx="1">
-                  <c:v>32</c:v>
-                </c:pt>
-                <c:pt idx="2">
-                  <c:v>16</c:v>
-                </c:pt>
-              </c:numCache>
-            </c:numRef>
-          </c:xVal>
-          <c:yVal>
-            <c:numRef>
-              <c:f>Sheet1!$AB$56:$AB$58</c:f>
-              <c:numCache>
-                <c:formatCode>General</c:formatCode>
-                <c:ptCount val="3"/>
-                <c:pt idx="0">
-                  <c:v>648254173719.67212</c:v>
-                </c:pt>
-                <c:pt idx="1">
-                  <c:v>1357879448548.8616</c:v>
-                </c:pt>
-                <c:pt idx="2">
-                  <c:v>2948363540300.5918</c:v>
-                </c:pt>
-              </c:numCache>
-            </c:numRef>
-          </c:yVal>
-          <c:smooth val="0"/>
-          <c:extLst>
-            <c:ext xmlns:c16="http://schemas.microsoft.com/office/drawing/2014/chart" uri="{C3380CC4-5D6E-409C-BE32-E72D297353CC}">
-              <c16:uniqueId val="{00000001-5C46-45CA-87DA-4CA0A3A863D5}"/>
-            </c:ext>
-          </c:extLst>
-        </c:ser>
-        <c:ser>
-          <c:idx val="2"/>
-          <c:order val="2"/>
-          <c:tx>
-            <c:strRef>
-              <c:f>Sheet1!$AC$55</c:f>
-              <c:strCache>
-                <c:ptCount val="1"/>
-                <c:pt idx="0">
-                  <c:v>1.2V</c:v>
-                </c:pt>
-              </c:strCache>
-            </c:strRef>
-          </c:tx>
-          <c:spPr>
-            <a:ln w="19050" cap="rnd">
-              <a:solidFill>
-                <a:schemeClr val="accent4">
-                  <a:tint val="86000"/>
-                </a:schemeClr>
-              </a:solidFill>
-              <a:round/>
-            </a:ln>
-            <a:effectLst/>
-          </c:spPr>
-          <c:marker>
-            <c:symbol val="circle"/>
-            <c:size val="5"/>
-            <c:spPr>
-              <a:solidFill>
-                <a:schemeClr val="accent4">
-                  <a:tint val="86000"/>
-                </a:schemeClr>
-              </a:solidFill>
-              <a:ln w="9525">
-                <a:solidFill>
-                  <a:schemeClr val="accent4">
-                    <a:tint val="86000"/>
-                  </a:schemeClr>
-                </a:solidFill>
-              </a:ln>
-              <a:effectLst/>
-            </c:spPr>
-          </c:marker>
-          <c:xVal>
-            <c:numRef>
-              <c:f>Sheet1!$Z$56:$Z$58</c:f>
-              <c:numCache>
-                <c:formatCode>General</c:formatCode>
-                <c:ptCount val="3"/>
-                <c:pt idx="0">
-                  <c:v>64</c:v>
-                </c:pt>
-                <c:pt idx="1">
-                  <c:v>32</c:v>
-                </c:pt>
-                <c:pt idx="2">
-                  <c:v>16</c:v>
-                </c:pt>
-              </c:numCache>
-            </c:numRef>
-          </c:xVal>
-          <c:yVal>
-            <c:numRef>
-              <c:f>Sheet1!$AC$56:$AC$58</c:f>
-              <c:numCache>
-                <c:formatCode>General</c:formatCode>
-                <c:ptCount val="3"/>
-                <c:pt idx="0">
-                  <c:v>417093770687.85101</c:v>
-                </c:pt>
-                <c:pt idx="1">
-                  <c:v>873674373872.52319</c:v>
-                </c:pt>
-                <c:pt idx="2">
-                  <c:v>1897009099573.2488</c:v>
-                </c:pt>
-              </c:numCache>
-            </c:numRef>
-          </c:yVal>
-          <c:smooth val="0"/>
-          <c:extLst>
-            <c:ext xmlns:c16="http://schemas.microsoft.com/office/drawing/2014/chart" uri="{C3380CC4-5D6E-409C-BE32-E72D297353CC}">
-              <c16:uniqueId val="{00000002-5C46-45CA-87DA-4CA0A3A863D5}"/>
-            </c:ext>
-          </c:extLst>
-        </c:ser>
-        <c:ser>
-          <c:idx val="3"/>
-          <c:order val="3"/>
-          <c:tx>
-            <c:strRef>
-              <c:f>Sheet1!$AD$55</c:f>
-              <c:strCache>
-                <c:ptCount val="1"/>
-                <c:pt idx="0">
-                  <c:v>0.9V</c:v>
-                </c:pt>
-              </c:strCache>
-            </c:strRef>
-          </c:tx>
-          <c:spPr>
-            <a:ln w="19050" cap="rnd">
-              <a:solidFill>
-                <a:schemeClr val="accent4">
-                  <a:tint val="58000"/>
-                </a:schemeClr>
-              </a:solidFill>
-              <a:round/>
-            </a:ln>
-            <a:effectLst/>
-          </c:spPr>
-          <c:marker>
-            <c:symbol val="circle"/>
-            <c:size val="5"/>
-            <c:spPr>
-              <a:solidFill>
-                <a:schemeClr val="accent4">
-                  <a:tint val="58000"/>
-                </a:schemeClr>
-              </a:solidFill>
-              <a:ln w="9525">
-                <a:solidFill>
-                  <a:schemeClr val="accent4">
-                    <a:tint val="58000"/>
-                  </a:schemeClr>
-                </a:solidFill>
-              </a:ln>
-              <a:effectLst/>
-            </c:spPr>
-          </c:marker>
-          <c:xVal>
-            <c:numRef>
-              <c:f>Sheet1!$Z$56:$Z$58</c:f>
-              <c:numCache>
-                <c:formatCode>General</c:formatCode>
-                <c:ptCount val="3"/>
-                <c:pt idx="0">
-                  <c:v>64</c:v>
-                </c:pt>
-                <c:pt idx="1">
-                  <c:v>32</c:v>
-                </c:pt>
-                <c:pt idx="2">
-                  <c:v>16</c:v>
-                </c:pt>
-              </c:numCache>
-            </c:numRef>
-          </c:xVal>
-          <c:yVal>
-            <c:numRef>
-              <c:f>Sheet1!$AD$56:$AD$58</c:f>
-              <c:numCache>
-                <c:formatCode>General</c:formatCode>
-                <c:ptCount val="3"/>
-                <c:pt idx="0">
-                  <c:v>199278134884.19547</c:v>
-                </c:pt>
-                <c:pt idx="1">
-                  <c:v>417422200850.20551</c:v>
-                </c:pt>
-                <c:pt idx="2">
-                  <c:v>906348792018.32996</c:v>
-                </c:pt>
-              </c:numCache>
-            </c:numRef>
-          </c:yVal>
-          <c:smooth val="0"/>
-          <c:extLst>
-            <c:ext xmlns:c16="http://schemas.microsoft.com/office/drawing/2014/chart" uri="{C3380CC4-5D6E-409C-BE32-E72D297353CC}">
-              <c16:uniqueId val="{00000003-5C46-45CA-87DA-4CA0A3A863D5}"/>
-            </c:ext>
-          </c:extLst>
-        </c:ser>
-        <c:dLbls>
-          <c:showLegendKey val="0"/>
-          <c:showVal val="0"/>
-          <c:showCatName val="0"/>
-          <c:showSerName val="0"/>
-          <c:showPercent val="0"/>
-          <c:showBubbleSize val="0"/>
-        </c:dLbls>
-        <c:axId val="774330944"/>
-        <c:axId val="774334304"/>
-      </c:scatterChart>
-      <c:valAx>
-        <c:axId val="774330944"/>
-        <c:scaling>
-          <c:orientation val="minMax"/>
-        </c:scaling>
-        <c:delete val="0"/>
-        <c:axPos val="b"/>
-        <c:title>
-          <c:tx>
-            <c:rich>
-              <a:bodyPr rot="0" spcFirstLastPara="1" vertOverflow="ellipsis" vert="horz" wrap="square" anchor="ctr" anchorCtr="1"/>
-              <a:lstStyle/>
-              <a:p>
-                <a:pPr>
-                  <a:defRPr sz="1400" b="0" i="0" u="none" strike="noStrike" kern="1200" baseline="0">
-                    <a:solidFill>
-                      <a:schemeClr val="tx1">
-                        <a:lumMod val="65000"/>
-                        <a:lumOff val="35000"/>
-                      </a:schemeClr>
-                    </a:solidFill>
-                    <a:latin typeface="+mn-lt"/>
-                    <a:ea typeface="+mn-ea"/>
-                    <a:cs typeface="+mn-cs"/>
-                  </a:defRPr>
-                </a:pPr>
-                <a:r>
-                  <a:rPr lang="en-US" altLang="zh-TW" sz="1400"/>
-                  <a:t>MAC size</a:t>
-                </a:r>
-                <a:endParaRPr lang="zh-TW" altLang="en-US" sz="1400"/>
-              </a:p>
-            </c:rich>
-          </c:tx>
-          <c:overlay val="0"/>
-          <c:spPr>
-            <a:noFill/>
-            <a:ln>
-              <a:noFill/>
-            </a:ln>
-            <a:effectLst/>
-          </c:spPr>
-          <c:txPr>
-            <a:bodyPr rot="0" spcFirstLastPara="1" vertOverflow="ellipsis" vert="horz" wrap="square" anchor="ctr" anchorCtr="1"/>
-            <a:lstStyle/>
-            <a:p>
-              <a:pPr>
-                <a:defRPr sz="1400" b="0" i="0" u="none" strike="noStrike" kern="1200" baseline="0">
-                  <a:solidFill>
-                    <a:schemeClr val="tx1">
-                      <a:lumMod val="65000"/>
-                      <a:lumOff val="35000"/>
-                    </a:schemeClr>
-                  </a:solidFill>
-                  <a:latin typeface="+mn-lt"/>
-                  <a:ea typeface="+mn-ea"/>
-                  <a:cs typeface="+mn-cs"/>
-                </a:defRPr>
-              </a:pPr>
-              <a:endParaRPr lang="zh-TW"/>
-            </a:p>
-          </c:txPr>
-        </c:title>
-        <c:numFmt formatCode="General" sourceLinked="1"/>
-        <c:majorTickMark val="none"/>
-        <c:minorTickMark val="none"/>
-        <c:tickLblPos val="nextTo"/>
-        <c:spPr>
-          <a:noFill/>
-          <a:ln w="9525" cap="flat" cmpd="sng" algn="ctr">
-            <a:solidFill>
-              <a:schemeClr val="tx1">
-                <a:lumMod val="25000"/>
-                <a:lumOff val="75000"/>
-              </a:schemeClr>
-            </a:solidFill>
-            <a:round/>
-          </a:ln>
-          <a:effectLst/>
-        </c:spPr>
-        <c:txPr>
-          <a:bodyPr rot="-60000000" spcFirstLastPara="1" vertOverflow="ellipsis" vert="horz" wrap="square" anchor="ctr" anchorCtr="1"/>
-          <a:lstStyle/>
-          <a:p>
-            <a:pPr>
-              <a:defRPr sz="900" b="0" i="0" u="none" strike="noStrike" kern="1200" baseline="0">
-                <a:solidFill>
-                  <a:schemeClr val="tx1">
-                    <a:lumMod val="65000"/>
-                    <a:lumOff val="35000"/>
-                  </a:schemeClr>
-                </a:solidFill>
-                <a:latin typeface="+mn-lt"/>
-                <a:ea typeface="+mn-ea"/>
-                <a:cs typeface="+mn-cs"/>
-              </a:defRPr>
-            </a:pPr>
-            <a:endParaRPr lang="zh-TW"/>
-          </a:p>
-        </c:txPr>
-        <c:crossAx val="774334304"/>
-        <c:crosses val="autoZero"/>
-        <c:crossBetween val="midCat"/>
-      </c:valAx>
-      <c:valAx>
-        <c:axId val="774334304"/>
-        <c:scaling>
-          <c:orientation val="minMax"/>
-        </c:scaling>
-        <c:delete val="0"/>
-        <c:axPos val="l"/>
-        <c:title>
-          <c:tx>
-            <c:rich>
-              <a:bodyPr rot="-5400000" spcFirstLastPara="1" vertOverflow="ellipsis" vert="horz" wrap="square" anchor="ctr" anchorCtr="1"/>
-              <a:lstStyle/>
-              <a:p>
-                <a:pPr>
-                  <a:defRPr sz="1400" b="0" i="0" u="none" strike="noStrike" kern="1200" baseline="0">
-                    <a:solidFill>
-                      <a:schemeClr val="tx1">
-                        <a:lumMod val="65000"/>
-                        <a:lumOff val="35000"/>
-                      </a:schemeClr>
-                    </a:solidFill>
-                    <a:latin typeface="+mn-lt"/>
-                    <a:ea typeface="+mn-ea"/>
-                    <a:cs typeface="+mn-cs"/>
-                  </a:defRPr>
-                </a:pPr>
-                <a:r>
-                  <a:rPr lang="en-US" altLang="zh-TW" sz="1400"/>
-                  <a:t>TOPS/mm2</a:t>
-                </a:r>
-                <a:endParaRPr lang="zh-TW" altLang="en-US" sz="1400"/>
-              </a:p>
-            </c:rich>
-          </c:tx>
-          <c:overlay val="0"/>
-          <c:spPr>
-            <a:noFill/>
-            <a:ln>
-              <a:noFill/>
-            </a:ln>
-            <a:effectLst/>
-          </c:spPr>
-          <c:txPr>
-            <a:bodyPr rot="-5400000" spcFirstLastPara="1" vertOverflow="ellipsis" vert="horz" wrap="square" anchor="ctr" anchorCtr="1"/>
-            <a:lstStyle/>
-            <a:p>
-              <a:pPr>
-                <a:defRPr sz="1400" b="0" i="0" u="none" strike="noStrike" kern="1200" baseline="0">
-                  <a:solidFill>
-                    <a:schemeClr val="tx1">
-                      <a:lumMod val="65000"/>
-                      <a:lumOff val="35000"/>
-                    </a:schemeClr>
-                  </a:solidFill>
-                  <a:latin typeface="+mn-lt"/>
-                  <a:ea typeface="+mn-ea"/>
-                  <a:cs typeface="+mn-cs"/>
-                </a:defRPr>
-              </a:pPr>
-              <a:endParaRPr lang="zh-TW"/>
-            </a:p>
-          </c:txPr>
-        </c:title>
-        <c:numFmt formatCode="General" sourceLinked="1"/>
-        <c:majorTickMark val="none"/>
-        <c:minorTickMark val="none"/>
-        <c:tickLblPos val="nextTo"/>
-        <c:spPr>
-          <a:noFill/>
-          <a:ln w="9525" cap="flat" cmpd="sng" algn="ctr">
-            <a:solidFill>
-              <a:schemeClr val="tx1">
-                <a:lumMod val="25000"/>
-                <a:lumOff val="75000"/>
-              </a:schemeClr>
-            </a:solidFill>
-            <a:round/>
-          </a:ln>
-          <a:effectLst/>
-        </c:spPr>
-        <c:txPr>
-          <a:bodyPr rot="-60000000" spcFirstLastPara="1" vertOverflow="ellipsis" vert="horz" wrap="square" anchor="ctr" anchorCtr="1"/>
-          <a:lstStyle/>
-          <a:p>
-            <a:pPr>
-              <a:defRPr sz="900" b="0" i="0" u="none" strike="noStrike" kern="1200" baseline="0">
-                <a:solidFill>
-                  <a:schemeClr val="tx1">
-                    <a:lumMod val="65000"/>
-                    <a:lumOff val="35000"/>
-                  </a:schemeClr>
-                </a:solidFill>
-                <a:latin typeface="+mn-lt"/>
-                <a:ea typeface="+mn-ea"/>
-                <a:cs typeface="+mn-cs"/>
-              </a:defRPr>
-            </a:pPr>
-            <a:endParaRPr lang="zh-TW"/>
-          </a:p>
-        </c:txPr>
-        <c:crossAx val="774330944"/>
-        <c:crosses val="autoZero"/>
-        <c:crossBetween val="midCat"/>
-      </c:valAx>
-      <c:spPr>
-        <a:noFill/>
-        <a:ln>
-          <a:noFill/>
-        </a:ln>
-        <a:effectLst/>
-      </c:spPr>
-    </c:plotArea>
-    <c:legend>
-      <c:legendPos val="r"/>
-      <c:overlay val="0"/>
-      <c:spPr>
-        <a:noFill/>
-        <a:ln>
-          <a:noFill/>
-        </a:ln>
-        <a:effectLst/>
-      </c:spPr>
-      <c:txPr>
-        <a:bodyPr rot="0" spcFirstLastPara="1" vertOverflow="ellipsis" vert="horz" wrap="square" anchor="ctr" anchorCtr="1"/>
-        <a:lstStyle/>
-        <a:p>
-          <a:pPr>
-            <a:defRPr sz="900" b="0" i="0" u="none" strike="noStrike" kern="1200" baseline="0">
-              <a:solidFill>
-                <a:schemeClr val="tx1">
-                  <a:lumMod val="65000"/>
-                  <a:lumOff val="35000"/>
-                </a:schemeClr>
-              </a:solidFill>
-              <a:latin typeface="+mn-lt"/>
-              <a:ea typeface="+mn-ea"/>
-              <a:cs typeface="+mn-cs"/>
-            </a:defRPr>
-          </a:pPr>
-          <a:endParaRPr lang="zh-TW"/>
-        </a:p>
-      </c:txPr>
-    </c:legend>
-    <c:plotVisOnly val="1"/>
-    <c:dispBlanksAs val="gap"/>
-    <c:extLst>
-      <c:ext xmlns:c16r3="http://schemas.microsoft.com/office/drawing/2017/03/chart" uri="{56B9EC1D-385E-4148-901F-78D8002777C0}">
-        <c16r3:dataDisplayOptions16>
-          <c16r3:dispNaAsBlank val="1"/>
-        </c16r3:dataDisplayOptions16>
-      </c:ext>
-    </c:extLst>
-    <c:showDLblsOverMax val="0"/>
-  </c:chart>
-  <c:spPr>
-    <a:noFill/>
-    <a:ln>
-      <a:noFill/>
-    </a:ln>
-    <a:effectLst/>
-  </c:spPr>
-  <c:txPr>
-    <a:bodyPr/>
-    <a:lstStyle/>
-    <a:p>
-      <a:pPr>
-        <a:defRPr/>
-      </a:pPr>
-      <a:endParaRPr lang="zh-TW"/>
-    </a:p>
-  </c:txPr>
-  <c:externalData r:id="rId3">
-    <c:autoUpdate val="0"/>
-  </c:externalData>
-</c:chartSpace>
-</file>
-
 <file path=ppt/charts/colors1.xml><?xml version="1.0" encoding="utf-8"?>
 <cs:colorStyle xmlns:cs="http://schemas.microsoft.com/office/drawing/2012/chartStyle" xmlns:a="http://schemas.openxmlformats.org/drawingml/2006/main" meth="cycle" id="10">
   <a:schemeClr val="accent1"/>
@@ -6280,6 +7162,12 @@
 </cs:colorStyle>
 </file>
 
+<file path=ppt/charts/colors10.xml><?xml version="1.0" encoding="utf-8"?>
+<cs:colorStyle xmlns:cs="http://schemas.microsoft.com/office/drawing/2012/chartStyle" xmlns:a="http://schemas.openxmlformats.org/drawingml/2006/main" meth="withinLinear" id="17">
+  <a:schemeClr val="accent4"/>
+</cs:colorStyle>
+</file>
+
 <file path=ppt/charts/colors2.xml><?xml version="1.0" encoding="utf-8"?>
 <cs:colorStyle xmlns:cs="http://schemas.microsoft.com/office/drawing/2012/chartStyle" xmlns:a="http://schemas.openxmlformats.org/drawingml/2006/main" meth="withinLinear" id="17">
   <a:schemeClr val="accent4"/>
@@ -6299,7 +7187,7 @@
 </file>
 
 <file path=ppt/charts/colors5.xml><?xml version="1.0" encoding="utf-8"?>
-<cs:colorStyle xmlns:cs="http://schemas.microsoft.com/office/drawing/2012/chartStyle" xmlns:a="http://schemas.openxmlformats.org/drawingml/2006/main" meth="withinLinearReversed" id="24">
+<cs:colorStyle xmlns:cs="http://schemas.microsoft.com/office/drawing/2012/chartStyle" xmlns:a="http://schemas.openxmlformats.org/drawingml/2006/main" meth="withinLinear" id="17">
   <a:schemeClr val="accent4"/>
 </cs:colorStyle>
 </file>
@@ -6311,12 +7199,18 @@
 </file>
 
 <file path=ppt/charts/colors7.xml><?xml version="1.0" encoding="utf-8"?>
+<cs:colorStyle xmlns:cs="http://schemas.microsoft.com/office/drawing/2012/chartStyle" xmlns:a="http://schemas.openxmlformats.org/drawingml/2006/main" meth="withinLinearReversed" id="24">
+  <a:schemeClr val="accent4"/>
+</cs:colorStyle>
+</file>
+
+<file path=ppt/charts/colors8.xml><?xml version="1.0" encoding="utf-8"?>
 <cs:colorStyle xmlns:cs="http://schemas.microsoft.com/office/drawing/2012/chartStyle" xmlns:a="http://schemas.openxmlformats.org/drawingml/2006/main" meth="withinLinear" id="17">
   <a:schemeClr val="accent4"/>
 </cs:colorStyle>
 </file>
 
-<file path=ppt/charts/colors8.xml><?xml version="1.0" encoding="utf-8"?>
+<file path=ppt/charts/colors9.xml><?xml version="1.0" encoding="utf-8"?>
 <cs:colorStyle xmlns:cs="http://schemas.microsoft.com/office/drawing/2012/chartStyle" xmlns:a="http://schemas.openxmlformats.org/drawingml/2006/main" meth="withinLinear" id="17">
   <a:schemeClr val="accent4"/>
 </cs:colorStyle>
@@ -6838,1327 +7732,7 @@
 </cs:chartStyle>
 </file>
 
-<file path=ppt/charts/style2.xml><?xml version="1.0" encoding="utf-8"?>
-<cs:chartStyle xmlns:cs="http://schemas.microsoft.com/office/drawing/2012/chartStyle" xmlns:a="http://schemas.openxmlformats.org/drawingml/2006/main" id="102">
-  <cs:axisTitle>
-    <cs:lnRef idx="0"/>
-    <cs:fillRef idx="0"/>
-    <cs:effectRef idx="0"/>
-    <cs:fontRef idx="minor">
-      <a:schemeClr val="tx1"/>
-    </cs:fontRef>
-    <cs:defRPr sz="1000" b="1" kern="1200"/>
-  </cs:axisTitle>
-  <cs:categoryAxis>
-    <cs:lnRef idx="1">
-      <a:schemeClr val="tx1">
-        <a:tint val="75000"/>
-      </a:schemeClr>
-    </cs:lnRef>
-    <cs:fillRef idx="0"/>
-    <cs:effectRef idx="0"/>
-    <cs:fontRef idx="minor">
-      <a:schemeClr val="tx1"/>
-    </cs:fontRef>
-    <cs:spPr>
-      <a:ln>
-        <a:round/>
-      </a:ln>
-    </cs:spPr>
-    <cs:defRPr sz="1000" kern="1200"/>
-  </cs:categoryAxis>
-  <cs:chartArea mods="allowNoFillOverride allowNoLineOverride">
-    <cs:lnRef idx="1">
-      <a:schemeClr val="tx1">
-        <a:tint val="75000"/>
-      </a:schemeClr>
-    </cs:lnRef>
-    <cs:fillRef idx="1">
-      <a:schemeClr val="bg1"/>
-    </cs:fillRef>
-    <cs:effectRef idx="0"/>
-    <cs:fontRef idx="minor">
-      <a:schemeClr val="tx1"/>
-    </cs:fontRef>
-    <cs:spPr>
-      <a:ln>
-        <a:round/>
-      </a:ln>
-    </cs:spPr>
-    <cs:defRPr sz="1000" kern="1200"/>
-  </cs:chartArea>
-  <cs:dataLabel>
-    <cs:lnRef idx="0"/>
-    <cs:fillRef idx="0"/>
-    <cs:effectRef idx="0"/>
-    <cs:fontRef idx="minor">
-      <a:schemeClr val="tx1"/>
-    </cs:fontRef>
-    <cs:defRPr sz="1000" kern="1200"/>
-  </cs:dataLabel>
-  <cs:dataLabelCallout>
-    <cs:lnRef idx="0"/>
-    <cs:fillRef idx="0"/>
-    <cs:effectRef idx="0"/>
-    <cs:fontRef idx="minor">
-      <a:schemeClr val="dk1"/>
-    </cs:fontRef>
-    <cs:spPr>
-      <a:solidFill>
-        <a:schemeClr val="lt1"/>
-      </a:solidFill>
-      <a:ln>
-        <a:solidFill>
-          <a:schemeClr val="dk1">
-            <a:lumMod val="65000"/>
-            <a:lumOff val="35000"/>
-          </a:schemeClr>
-        </a:solidFill>
-      </a:ln>
-    </cs:spPr>
-    <cs:defRPr sz="1000" kern="1200"/>
-  </cs:dataLabelCallout>
-  <cs:dataPoint>
-    <cs:lnRef idx="0"/>
-    <cs:fillRef idx="1">
-      <cs:styleClr val="auto"/>
-    </cs:fillRef>
-    <cs:effectRef idx="0"/>
-    <cs:fontRef idx="minor">
-      <a:schemeClr val="tx1"/>
-    </cs:fontRef>
-  </cs:dataPoint>
-  <cs:dataPoint3D>
-    <cs:lnRef idx="0"/>
-    <cs:fillRef idx="1">
-      <cs:styleClr val="auto"/>
-    </cs:fillRef>
-    <cs:effectRef idx="0"/>
-    <cs:fontRef idx="minor">
-      <a:schemeClr val="tx1"/>
-    </cs:fontRef>
-  </cs:dataPoint3D>
-  <cs:dataPointLine>
-    <cs:lnRef idx="1">
-      <cs:styleClr val="auto"/>
-    </cs:lnRef>
-    <cs:lineWidthScale>3</cs:lineWidthScale>
-    <cs:fillRef idx="0"/>
-    <cs:effectRef idx="0"/>
-    <cs:fontRef idx="minor">
-      <a:schemeClr val="tx1"/>
-    </cs:fontRef>
-    <cs:spPr>
-      <a:ln cap="rnd">
-        <a:round/>
-      </a:ln>
-    </cs:spPr>
-  </cs:dataPointLine>
-  <cs:dataPointMarker>
-    <cs:lnRef idx="1">
-      <cs:styleClr val="auto"/>
-    </cs:lnRef>
-    <cs:fillRef idx="1">
-      <cs:styleClr val="auto"/>
-    </cs:fillRef>
-    <cs:effectRef idx="0"/>
-    <cs:fontRef idx="minor">
-      <a:schemeClr val="tx1"/>
-    </cs:fontRef>
-    <cs:spPr>
-      <a:ln>
-        <a:round/>
-      </a:ln>
-    </cs:spPr>
-  </cs:dataPointMarker>
-  <cs:dataPointMarkerLayout/>
-  <cs:dataPointWireframe>
-    <cs:lnRef idx="1">
-      <cs:styleClr val="auto"/>
-    </cs:lnRef>
-    <cs:fillRef idx="0"/>
-    <cs:effectRef idx="0"/>
-    <cs:fontRef idx="minor">
-      <a:schemeClr val="tx1"/>
-    </cs:fontRef>
-    <cs:spPr>
-      <a:ln>
-        <a:round/>
-      </a:ln>
-    </cs:spPr>
-  </cs:dataPointWireframe>
-  <cs:dataTable>
-    <cs:lnRef idx="1">
-      <a:schemeClr val="tx1">
-        <a:tint val="75000"/>
-      </a:schemeClr>
-    </cs:lnRef>
-    <cs:fillRef idx="0"/>
-    <cs:effectRef idx="0"/>
-    <cs:fontRef idx="minor">
-      <a:schemeClr val="tx1"/>
-    </cs:fontRef>
-    <cs:spPr>
-      <a:ln>
-        <a:round/>
-      </a:ln>
-    </cs:spPr>
-    <cs:defRPr sz="1000" kern="1200"/>
-  </cs:dataTable>
-  <cs:downBar>
-    <cs:lnRef idx="1">
-      <a:schemeClr val="tx1"/>
-    </cs:lnRef>
-    <cs:fillRef idx="1">
-      <a:schemeClr val="dk1">
-        <a:tint val="95000"/>
-      </a:schemeClr>
-    </cs:fillRef>
-    <cs:effectRef idx="0"/>
-    <cs:fontRef idx="minor">
-      <a:schemeClr val="tx1"/>
-    </cs:fontRef>
-    <cs:spPr>
-      <a:ln>
-        <a:round/>
-      </a:ln>
-    </cs:spPr>
-  </cs:downBar>
-  <cs:dropLine>
-    <cs:lnRef idx="1">
-      <a:schemeClr val="tx1"/>
-    </cs:lnRef>
-    <cs:fillRef idx="0"/>
-    <cs:effectRef idx="0"/>
-    <cs:fontRef idx="minor">
-      <a:schemeClr val="tx1"/>
-    </cs:fontRef>
-    <cs:spPr>
-      <a:ln>
-        <a:round/>
-      </a:ln>
-    </cs:spPr>
-  </cs:dropLine>
-  <cs:errorBar>
-    <cs:lnRef idx="1">
-      <a:schemeClr val="tx1"/>
-    </cs:lnRef>
-    <cs:fillRef idx="1">
-      <a:schemeClr val="tx1"/>
-    </cs:fillRef>
-    <cs:effectRef idx="0"/>
-    <cs:fontRef idx="minor">
-      <a:schemeClr val="tx1"/>
-    </cs:fontRef>
-    <cs:spPr>
-      <a:ln>
-        <a:round/>
-      </a:ln>
-    </cs:spPr>
-  </cs:errorBar>
-  <cs:floor>
-    <cs:lnRef idx="1">
-      <a:schemeClr val="tx1">
-        <a:tint val="75000"/>
-      </a:schemeClr>
-    </cs:lnRef>
-    <cs:fillRef idx="0"/>
-    <cs:effectRef idx="0"/>
-    <cs:fontRef idx="minor">
-      <a:schemeClr val="tx1"/>
-    </cs:fontRef>
-    <cs:spPr>
-      <a:ln>
-        <a:round/>
-      </a:ln>
-    </cs:spPr>
-  </cs:floor>
-  <cs:gridlineMajor>
-    <cs:lnRef idx="1">
-      <a:schemeClr val="tx1">
-        <a:tint val="75000"/>
-      </a:schemeClr>
-    </cs:lnRef>
-    <cs:fillRef idx="0"/>
-    <cs:effectRef idx="0"/>
-    <cs:fontRef idx="minor">
-      <a:schemeClr val="tx1"/>
-    </cs:fontRef>
-    <cs:spPr>
-      <a:ln>
-        <a:round/>
-      </a:ln>
-    </cs:spPr>
-  </cs:gridlineMajor>
-  <cs:gridlineMinor>
-    <cs:lnRef idx="1">
-      <a:schemeClr val="tx1">
-        <a:tint val="50000"/>
-      </a:schemeClr>
-    </cs:lnRef>
-    <cs:fillRef idx="0"/>
-    <cs:effectRef idx="0"/>
-    <cs:fontRef idx="minor">
-      <a:schemeClr val="tx1"/>
-    </cs:fontRef>
-    <cs:spPr>
-      <a:ln>
-        <a:round/>
-      </a:ln>
-    </cs:spPr>
-  </cs:gridlineMinor>
-  <cs:hiLoLine>
-    <cs:lnRef idx="1">
-      <a:schemeClr val="tx1"/>
-    </cs:lnRef>
-    <cs:fillRef idx="0"/>
-    <cs:effectRef idx="0"/>
-    <cs:fontRef idx="minor">
-      <a:schemeClr val="tx1"/>
-    </cs:fontRef>
-    <cs:spPr>
-      <a:ln>
-        <a:round/>
-      </a:ln>
-    </cs:spPr>
-  </cs:hiLoLine>
-  <cs:leaderLine>
-    <cs:lnRef idx="1">
-      <a:schemeClr val="tx1"/>
-    </cs:lnRef>
-    <cs:fillRef idx="0"/>
-    <cs:effectRef idx="0"/>
-    <cs:fontRef idx="minor">
-      <a:schemeClr val="tx1"/>
-    </cs:fontRef>
-    <cs:spPr>
-      <a:ln>
-        <a:round/>
-      </a:ln>
-    </cs:spPr>
-  </cs:leaderLine>
-  <cs:legend>
-    <cs:lnRef idx="0"/>
-    <cs:fillRef idx="0"/>
-    <cs:effectRef idx="0"/>
-    <cs:fontRef idx="minor">
-      <a:schemeClr val="tx1"/>
-    </cs:fontRef>
-    <cs:defRPr sz="1000" kern="1200"/>
-  </cs:legend>
-  <cs:plotArea mods="allowNoFillOverride allowNoLineOverride">
-    <cs:lnRef idx="0"/>
-    <cs:fillRef idx="1">
-      <a:schemeClr val="bg1"/>
-    </cs:fillRef>
-    <cs:effectRef idx="0"/>
-    <cs:fontRef idx="minor">
-      <a:schemeClr val="tx1"/>
-    </cs:fontRef>
-  </cs:plotArea>
-  <cs:plotArea3D>
-    <cs:lnRef idx="0"/>
-    <cs:fillRef idx="0"/>
-    <cs:effectRef idx="0"/>
-    <cs:fontRef idx="minor">
-      <a:schemeClr val="tx1"/>
-    </cs:fontRef>
-  </cs:plotArea3D>
-  <cs:seriesAxis>
-    <cs:lnRef idx="1">
-      <a:schemeClr val="tx1">
-        <a:tint val="75000"/>
-      </a:schemeClr>
-    </cs:lnRef>
-    <cs:fillRef idx="0"/>
-    <cs:effectRef idx="0"/>
-    <cs:fontRef idx="minor">
-      <a:schemeClr val="tx1"/>
-    </cs:fontRef>
-    <cs:spPr>
-      <a:ln>
-        <a:round/>
-      </a:ln>
-    </cs:spPr>
-    <cs:defRPr sz="1000" kern="1200"/>
-  </cs:seriesAxis>
-  <cs:seriesLine>
-    <cs:lnRef idx="1">
-      <a:schemeClr val="tx1"/>
-    </cs:lnRef>
-    <cs:fillRef idx="0"/>
-    <cs:effectRef idx="0"/>
-    <cs:fontRef idx="minor">
-      <a:schemeClr val="tx1"/>
-    </cs:fontRef>
-    <cs:spPr>
-      <a:ln>
-        <a:round/>
-      </a:ln>
-    </cs:spPr>
-  </cs:seriesLine>
-  <cs:title>
-    <cs:lnRef idx="0"/>
-    <cs:fillRef idx="0"/>
-    <cs:effectRef idx="0"/>
-    <cs:fontRef idx="minor">
-      <a:schemeClr val="tx1"/>
-    </cs:fontRef>
-    <cs:defRPr sz="1800" b="1" kern="1200"/>
-  </cs:title>
-  <cs:trendline>
-    <cs:lnRef idx="1">
-      <a:schemeClr val="tx1"/>
-    </cs:lnRef>
-    <cs:fillRef idx="0"/>
-    <cs:effectRef idx="0"/>
-    <cs:fontRef idx="minor">
-      <a:schemeClr val="tx1"/>
-    </cs:fontRef>
-    <cs:spPr>
-      <a:ln cap="rnd">
-        <a:round/>
-      </a:ln>
-    </cs:spPr>
-  </cs:trendline>
-  <cs:trendlineLabel>
-    <cs:lnRef idx="0"/>
-    <cs:fillRef idx="0"/>
-    <cs:effectRef idx="0"/>
-    <cs:fontRef idx="minor">
-      <a:schemeClr val="tx1"/>
-    </cs:fontRef>
-    <cs:defRPr sz="1000" kern="1200"/>
-  </cs:trendlineLabel>
-  <cs:upBar>
-    <cs:lnRef idx="1">
-      <a:schemeClr val="tx1"/>
-    </cs:lnRef>
-    <cs:fillRef idx="1">
-      <a:schemeClr val="dk1">
-        <a:tint val="5000"/>
-      </a:schemeClr>
-    </cs:fillRef>
-    <cs:effectRef idx="0"/>
-    <cs:fontRef idx="minor">
-      <a:schemeClr val="tx1"/>
-    </cs:fontRef>
-    <cs:spPr>
-      <a:ln>
-        <a:round/>
-      </a:ln>
-    </cs:spPr>
-  </cs:upBar>
-  <cs:valueAxis>
-    <cs:lnRef idx="1">
-      <a:schemeClr val="tx1">
-        <a:tint val="75000"/>
-      </a:schemeClr>
-    </cs:lnRef>
-    <cs:fillRef idx="0"/>
-    <cs:effectRef idx="0"/>
-    <cs:fontRef idx="minor">
-      <a:schemeClr val="tx1"/>
-    </cs:fontRef>
-    <cs:spPr>
-      <a:ln>
-        <a:round/>
-      </a:ln>
-    </cs:spPr>
-    <cs:defRPr sz="1000" kern="1200"/>
-  </cs:valueAxis>
-  <cs:wall>
-    <cs:lnRef idx="0"/>
-    <cs:fillRef idx="0"/>
-    <cs:effectRef idx="0"/>
-    <cs:fontRef idx="minor">
-      <a:schemeClr val="tx1"/>
-    </cs:fontRef>
-  </cs:wall>
-</cs:chartStyle>
-</file>
-
-<file path=ppt/charts/style3.xml><?xml version="1.0" encoding="utf-8"?>
-<cs:chartStyle xmlns:cs="http://schemas.microsoft.com/office/drawing/2012/chartStyle" xmlns:a="http://schemas.openxmlformats.org/drawingml/2006/main" id="102">
-  <cs:axisTitle>
-    <cs:lnRef idx="0"/>
-    <cs:fillRef idx="0"/>
-    <cs:effectRef idx="0"/>
-    <cs:fontRef idx="minor">
-      <a:schemeClr val="tx1"/>
-    </cs:fontRef>
-    <cs:defRPr sz="1000" b="1" kern="1200"/>
-  </cs:axisTitle>
-  <cs:categoryAxis>
-    <cs:lnRef idx="1">
-      <a:schemeClr val="tx1">
-        <a:tint val="75000"/>
-      </a:schemeClr>
-    </cs:lnRef>
-    <cs:fillRef idx="0"/>
-    <cs:effectRef idx="0"/>
-    <cs:fontRef idx="minor">
-      <a:schemeClr val="tx1"/>
-    </cs:fontRef>
-    <cs:spPr>
-      <a:ln>
-        <a:round/>
-      </a:ln>
-    </cs:spPr>
-    <cs:defRPr sz="1000" kern="1200"/>
-  </cs:categoryAxis>
-  <cs:chartArea mods="allowNoFillOverride allowNoLineOverride">
-    <cs:lnRef idx="1">
-      <a:schemeClr val="tx1">
-        <a:tint val="75000"/>
-      </a:schemeClr>
-    </cs:lnRef>
-    <cs:fillRef idx="1">
-      <a:schemeClr val="bg1"/>
-    </cs:fillRef>
-    <cs:effectRef idx="0"/>
-    <cs:fontRef idx="minor">
-      <a:schemeClr val="tx1"/>
-    </cs:fontRef>
-    <cs:spPr>
-      <a:ln>
-        <a:round/>
-      </a:ln>
-    </cs:spPr>
-    <cs:defRPr sz="1000" kern="1200"/>
-  </cs:chartArea>
-  <cs:dataLabel>
-    <cs:lnRef idx="0"/>
-    <cs:fillRef idx="0"/>
-    <cs:effectRef idx="0"/>
-    <cs:fontRef idx="minor">
-      <a:schemeClr val="tx1"/>
-    </cs:fontRef>
-    <cs:defRPr sz="1000" kern="1200"/>
-  </cs:dataLabel>
-  <cs:dataLabelCallout>
-    <cs:lnRef idx="0"/>
-    <cs:fillRef idx="0"/>
-    <cs:effectRef idx="0"/>
-    <cs:fontRef idx="minor">
-      <a:schemeClr val="dk1"/>
-    </cs:fontRef>
-    <cs:spPr>
-      <a:solidFill>
-        <a:schemeClr val="lt1"/>
-      </a:solidFill>
-      <a:ln>
-        <a:solidFill>
-          <a:schemeClr val="dk1">
-            <a:lumMod val="65000"/>
-            <a:lumOff val="35000"/>
-          </a:schemeClr>
-        </a:solidFill>
-      </a:ln>
-    </cs:spPr>
-    <cs:defRPr sz="1000" kern="1200"/>
-  </cs:dataLabelCallout>
-  <cs:dataPoint>
-    <cs:lnRef idx="0"/>
-    <cs:fillRef idx="1">
-      <cs:styleClr val="auto"/>
-    </cs:fillRef>
-    <cs:effectRef idx="0"/>
-    <cs:fontRef idx="minor">
-      <a:schemeClr val="tx1"/>
-    </cs:fontRef>
-  </cs:dataPoint>
-  <cs:dataPoint3D>
-    <cs:lnRef idx="0"/>
-    <cs:fillRef idx="1">
-      <cs:styleClr val="auto"/>
-    </cs:fillRef>
-    <cs:effectRef idx="0"/>
-    <cs:fontRef idx="minor">
-      <a:schemeClr val="tx1"/>
-    </cs:fontRef>
-  </cs:dataPoint3D>
-  <cs:dataPointLine>
-    <cs:lnRef idx="1">
-      <cs:styleClr val="auto"/>
-    </cs:lnRef>
-    <cs:lineWidthScale>3</cs:lineWidthScale>
-    <cs:fillRef idx="0"/>
-    <cs:effectRef idx="0"/>
-    <cs:fontRef idx="minor">
-      <a:schemeClr val="tx1"/>
-    </cs:fontRef>
-    <cs:spPr>
-      <a:ln cap="rnd">
-        <a:round/>
-      </a:ln>
-    </cs:spPr>
-  </cs:dataPointLine>
-  <cs:dataPointMarker>
-    <cs:lnRef idx="1">
-      <cs:styleClr val="auto"/>
-    </cs:lnRef>
-    <cs:fillRef idx="1">
-      <cs:styleClr val="auto"/>
-    </cs:fillRef>
-    <cs:effectRef idx="0"/>
-    <cs:fontRef idx="minor">
-      <a:schemeClr val="tx1"/>
-    </cs:fontRef>
-    <cs:spPr>
-      <a:ln>
-        <a:round/>
-      </a:ln>
-    </cs:spPr>
-  </cs:dataPointMarker>
-  <cs:dataPointMarkerLayout/>
-  <cs:dataPointWireframe>
-    <cs:lnRef idx="1">
-      <cs:styleClr val="auto"/>
-    </cs:lnRef>
-    <cs:fillRef idx="0"/>
-    <cs:effectRef idx="0"/>
-    <cs:fontRef idx="minor">
-      <a:schemeClr val="tx1"/>
-    </cs:fontRef>
-    <cs:spPr>
-      <a:ln>
-        <a:round/>
-      </a:ln>
-    </cs:spPr>
-  </cs:dataPointWireframe>
-  <cs:dataTable>
-    <cs:lnRef idx="1">
-      <a:schemeClr val="tx1">
-        <a:tint val="75000"/>
-      </a:schemeClr>
-    </cs:lnRef>
-    <cs:fillRef idx="0"/>
-    <cs:effectRef idx="0"/>
-    <cs:fontRef idx="minor">
-      <a:schemeClr val="tx1"/>
-    </cs:fontRef>
-    <cs:spPr>
-      <a:ln>
-        <a:round/>
-      </a:ln>
-    </cs:spPr>
-    <cs:defRPr sz="1000" kern="1200"/>
-  </cs:dataTable>
-  <cs:downBar>
-    <cs:lnRef idx="1">
-      <a:schemeClr val="tx1"/>
-    </cs:lnRef>
-    <cs:fillRef idx="1">
-      <a:schemeClr val="dk1">
-        <a:tint val="95000"/>
-      </a:schemeClr>
-    </cs:fillRef>
-    <cs:effectRef idx="0"/>
-    <cs:fontRef idx="minor">
-      <a:schemeClr val="tx1"/>
-    </cs:fontRef>
-    <cs:spPr>
-      <a:ln>
-        <a:round/>
-      </a:ln>
-    </cs:spPr>
-  </cs:downBar>
-  <cs:dropLine>
-    <cs:lnRef idx="1">
-      <a:schemeClr val="tx1"/>
-    </cs:lnRef>
-    <cs:fillRef idx="0"/>
-    <cs:effectRef idx="0"/>
-    <cs:fontRef idx="minor">
-      <a:schemeClr val="tx1"/>
-    </cs:fontRef>
-    <cs:spPr>
-      <a:ln>
-        <a:round/>
-      </a:ln>
-    </cs:spPr>
-  </cs:dropLine>
-  <cs:errorBar>
-    <cs:lnRef idx="1">
-      <a:schemeClr val="tx1"/>
-    </cs:lnRef>
-    <cs:fillRef idx="1">
-      <a:schemeClr val="tx1"/>
-    </cs:fillRef>
-    <cs:effectRef idx="0"/>
-    <cs:fontRef idx="minor">
-      <a:schemeClr val="tx1"/>
-    </cs:fontRef>
-    <cs:spPr>
-      <a:ln>
-        <a:round/>
-      </a:ln>
-    </cs:spPr>
-  </cs:errorBar>
-  <cs:floor>
-    <cs:lnRef idx="1">
-      <a:schemeClr val="tx1">
-        <a:tint val="75000"/>
-      </a:schemeClr>
-    </cs:lnRef>
-    <cs:fillRef idx="0"/>
-    <cs:effectRef idx="0"/>
-    <cs:fontRef idx="minor">
-      <a:schemeClr val="tx1"/>
-    </cs:fontRef>
-    <cs:spPr>
-      <a:ln>
-        <a:round/>
-      </a:ln>
-    </cs:spPr>
-  </cs:floor>
-  <cs:gridlineMajor>
-    <cs:lnRef idx="1">
-      <a:schemeClr val="tx1">
-        <a:tint val="75000"/>
-      </a:schemeClr>
-    </cs:lnRef>
-    <cs:fillRef idx="0"/>
-    <cs:effectRef idx="0"/>
-    <cs:fontRef idx="minor">
-      <a:schemeClr val="tx1"/>
-    </cs:fontRef>
-    <cs:spPr>
-      <a:ln>
-        <a:round/>
-      </a:ln>
-    </cs:spPr>
-  </cs:gridlineMajor>
-  <cs:gridlineMinor>
-    <cs:lnRef idx="1">
-      <a:schemeClr val="tx1">
-        <a:tint val="50000"/>
-      </a:schemeClr>
-    </cs:lnRef>
-    <cs:fillRef idx="0"/>
-    <cs:effectRef idx="0"/>
-    <cs:fontRef idx="minor">
-      <a:schemeClr val="tx1"/>
-    </cs:fontRef>
-    <cs:spPr>
-      <a:ln>
-        <a:round/>
-      </a:ln>
-    </cs:spPr>
-  </cs:gridlineMinor>
-  <cs:hiLoLine>
-    <cs:lnRef idx="1">
-      <a:schemeClr val="tx1"/>
-    </cs:lnRef>
-    <cs:fillRef idx="0"/>
-    <cs:effectRef idx="0"/>
-    <cs:fontRef idx="minor">
-      <a:schemeClr val="tx1"/>
-    </cs:fontRef>
-    <cs:spPr>
-      <a:ln>
-        <a:round/>
-      </a:ln>
-    </cs:spPr>
-  </cs:hiLoLine>
-  <cs:leaderLine>
-    <cs:lnRef idx="1">
-      <a:schemeClr val="tx1"/>
-    </cs:lnRef>
-    <cs:fillRef idx="0"/>
-    <cs:effectRef idx="0"/>
-    <cs:fontRef idx="minor">
-      <a:schemeClr val="tx1"/>
-    </cs:fontRef>
-    <cs:spPr>
-      <a:ln>
-        <a:round/>
-      </a:ln>
-    </cs:spPr>
-  </cs:leaderLine>
-  <cs:legend>
-    <cs:lnRef idx="0"/>
-    <cs:fillRef idx="0"/>
-    <cs:effectRef idx="0"/>
-    <cs:fontRef idx="minor">
-      <a:schemeClr val="tx1"/>
-    </cs:fontRef>
-    <cs:defRPr sz="1000" kern="1200"/>
-  </cs:legend>
-  <cs:plotArea mods="allowNoFillOverride allowNoLineOverride">
-    <cs:lnRef idx="0"/>
-    <cs:fillRef idx="1">
-      <a:schemeClr val="bg1"/>
-    </cs:fillRef>
-    <cs:effectRef idx="0"/>
-    <cs:fontRef idx="minor">
-      <a:schemeClr val="tx1"/>
-    </cs:fontRef>
-  </cs:plotArea>
-  <cs:plotArea3D>
-    <cs:lnRef idx="0"/>
-    <cs:fillRef idx="0"/>
-    <cs:effectRef idx="0"/>
-    <cs:fontRef idx="minor">
-      <a:schemeClr val="tx1"/>
-    </cs:fontRef>
-  </cs:plotArea3D>
-  <cs:seriesAxis>
-    <cs:lnRef idx="1">
-      <a:schemeClr val="tx1">
-        <a:tint val="75000"/>
-      </a:schemeClr>
-    </cs:lnRef>
-    <cs:fillRef idx="0"/>
-    <cs:effectRef idx="0"/>
-    <cs:fontRef idx="minor">
-      <a:schemeClr val="tx1"/>
-    </cs:fontRef>
-    <cs:spPr>
-      <a:ln>
-        <a:round/>
-      </a:ln>
-    </cs:spPr>
-    <cs:defRPr sz="1000" kern="1200"/>
-  </cs:seriesAxis>
-  <cs:seriesLine>
-    <cs:lnRef idx="1">
-      <a:schemeClr val="tx1"/>
-    </cs:lnRef>
-    <cs:fillRef idx="0"/>
-    <cs:effectRef idx="0"/>
-    <cs:fontRef idx="minor">
-      <a:schemeClr val="tx1"/>
-    </cs:fontRef>
-    <cs:spPr>
-      <a:ln>
-        <a:round/>
-      </a:ln>
-    </cs:spPr>
-  </cs:seriesLine>
-  <cs:title>
-    <cs:lnRef idx="0"/>
-    <cs:fillRef idx="0"/>
-    <cs:effectRef idx="0"/>
-    <cs:fontRef idx="minor">
-      <a:schemeClr val="tx1"/>
-    </cs:fontRef>
-    <cs:defRPr sz="1800" b="1" kern="1200"/>
-  </cs:title>
-  <cs:trendline>
-    <cs:lnRef idx="1">
-      <a:schemeClr val="tx1"/>
-    </cs:lnRef>
-    <cs:fillRef idx="0"/>
-    <cs:effectRef idx="0"/>
-    <cs:fontRef idx="minor">
-      <a:schemeClr val="tx1"/>
-    </cs:fontRef>
-    <cs:spPr>
-      <a:ln cap="rnd">
-        <a:round/>
-      </a:ln>
-    </cs:spPr>
-  </cs:trendline>
-  <cs:trendlineLabel>
-    <cs:lnRef idx="0"/>
-    <cs:fillRef idx="0"/>
-    <cs:effectRef idx="0"/>
-    <cs:fontRef idx="minor">
-      <a:schemeClr val="tx1"/>
-    </cs:fontRef>
-    <cs:defRPr sz="1000" kern="1200"/>
-  </cs:trendlineLabel>
-  <cs:upBar>
-    <cs:lnRef idx="1">
-      <a:schemeClr val="tx1"/>
-    </cs:lnRef>
-    <cs:fillRef idx="1">
-      <a:schemeClr val="dk1">
-        <a:tint val="5000"/>
-      </a:schemeClr>
-    </cs:fillRef>
-    <cs:effectRef idx="0"/>
-    <cs:fontRef idx="minor">
-      <a:schemeClr val="tx1"/>
-    </cs:fontRef>
-    <cs:spPr>
-      <a:ln>
-        <a:round/>
-      </a:ln>
-    </cs:spPr>
-  </cs:upBar>
-  <cs:valueAxis>
-    <cs:lnRef idx="1">
-      <a:schemeClr val="tx1">
-        <a:tint val="75000"/>
-      </a:schemeClr>
-    </cs:lnRef>
-    <cs:fillRef idx="0"/>
-    <cs:effectRef idx="0"/>
-    <cs:fontRef idx="minor">
-      <a:schemeClr val="tx1"/>
-    </cs:fontRef>
-    <cs:spPr>
-      <a:ln>
-        <a:round/>
-      </a:ln>
-    </cs:spPr>
-    <cs:defRPr sz="1000" kern="1200"/>
-  </cs:valueAxis>
-  <cs:wall>
-    <cs:lnRef idx="0"/>
-    <cs:fillRef idx="0"/>
-    <cs:effectRef idx="0"/>
-    <cs:fontRef idx="minor">
-      <a:schemeClr val="tx1"/>
-    </cs:fontRef>
-  </cs:wall>
-</cs:chartStyle>
-</file>
-
-<file path=ppt/charts/style4.xml><?xml version="1.0" encoding="utf-8"?>
-<cs:chartStyle xmlns:cs="http://schemas.microsoft.com/office/drawing/2012/chartStyle" xmlns:a="http://schemas.openxmlformats.org/drawingml/2006/main" id="102">
-  <cs:axisTitle>
-    <cs:lnRef idx="0"/>
-    <cs:fillRef idx="0"/>
-    <cs:effectRef idx="0"/>
-    <cs:fontRef idx="minor">
-      <a:schemeClr val="tx1"/>
-    </cs:fontRef>
-    <cs:defRPr sz="1000" b="1" kern="1200"/>
-  </cs:axisTitle>
-  <cs:categoryAxis>
-    <cs:lnRef idx="1">
-      <a:schemeClr val="tx1">
-        <a:tint val="75000"/>
-      </a:schemeClr>
-    </cs:lnRef>
-    <cs:fillRef idx="0"/>
-    <cs:effectRef idx="0"/>
-    <cs:fontRef idx="minor">
-      <a:schemeClr val="tx1"/>
-    </cs:fontRef>
-    <cs:spPr>
-      <a:ln>
-        <a:round/>
-      </a:ln>
-    </cs:spPr>
-    <cs:defRPr sz="1000" kern="1200"/>
-  </cs:categoryAxis>
-  <cs:chartArea mods="allowNoFillOverride allowNoLineOverride">
-    <cs:lnRef idx="1">
-      <a:schemeClr val="tx1">
-        <a:tint val="75000"/>
-      </a:schemeClr>
-    </cs:lnRef>
-    <cs:fillRef idx="1">
-      <a:schemeClr val="bg1"/>
-    </cs:fillRef>
-    <cs:effectRef idx="0"/>
-    <cs:fontRef idx="minor">
-      <a:schemeClr val="tx1"/>
-    </cs:fontRef>
-    <cs:spPr>
-      <a:ln>
-        <a:round/>
-      </a:ln>
-    </cs:spPr>
-    <cs:defRPr sz="1000" kern="1200"/>
-  </cs:chartArea>
-  <cs:dataLabel>
-    <cs:lnRef idx="0"/>
-    <cs:fillRef idx="0"/>
-    <cs:effectRef idx="0"/>
-    <cs:fontRef idx="minor">
-      <a:schemeClr val="tx1"/>
-    </cs:fontRef>
-    <cs:defRPr sz="1000" kern="1200"/>
-  </cs:dataLabel>
-  <cs:dataLabelCallout>
-    <cs:lnRef idx="0"/>
-    <cs:fillRef idx="0"/>
-    <cs:effectRef idx="0"/>
-    <cs:fontRef idx="minor">
-      <a:schemeClr val="dk1"/>
-    </cs:fontRef>
-    <cs:spPr>
-      <a:solidFill>
-        <a:schemeClr val="lt1"/>
-      </a:solidFill>
-      <a:ln>
-        <a:solidFill>
-          <a:schemeClr val="dk1">
-            <a:lumMod val="65000"/>
-            <a:lumOff val="35000"/>
-          </a:schemeClr>
-        </a:solidFill>
-      </a:ln>
-    </cs:spPr>
-    <cs:defRPr sz="1000" kern="1200"/>
-  </cs:dataLabelCallout>
-  <cs:dataPoint>
-    <cs:lnRef idx="0"/>
-    <cs:fillRef idx="1">
-      <cs:styleClr val="auto"/>
-    </cs:fillRef>
-    <cs:effectRef idx="0"/>
-    <cs:fontRef idx="minor">
-      <a:schemeClr val="tx1"/>
-    </cs:fontRef>
-  </cs:dataPoint>
-  <cs:dataPoint3D>
-    <cs:lnRef idx="0"/>
-    <cs:fillRef idx="1">
-      <cs:styleClr val="auto"/>
-    </cs:fillRef>
-    <cs:effectRef idx="0"/>
-    <cs:fontRef idx="minor">
-      <a:schemeClr val="tx1"/>
-    </cs:fontRef>
-  </cs:dataPoint3D>
-  <cs:dataPointLine>
-    <cs:lnRef idx="1">
-      <cs:styleClr val="auto"/>
-    </cs:lnRef>
-    <cs:lineWidthScale>3</cs:lineWidthScale>
-    <cs:fillRef idx="0"/>
-    <cs:effectRef idx="0"/>
-    <cs:fontRef idx="minor">
-      <a:schemeClr val="tx1"/>
-    </cs:fontRef>
-    <cs:spPr>
-      <a:ln cap="rnd">
-        <a:round/>
-      </a:ln>
-    </cs:spPr>
-  </cs:dataPointLine>
-  <cs:dataPointMarker>
-    <cs:lnRef idx="1">
-      <cs:styleClr val="auto"/>
-    </cs:lnRef>
-    <cs:fillRef idx="1">
-      <cs:styleClr val="auto"/>
-    </cs:fillRef>
-    <cs:effectRef idx="0"/>
-    <cs:fontRef idx="minor">
-      <a:schemeClr val="tx1"/>
-    </cs:fontRef>
-    <cs:spPr>
-      <a:ln>
-        <a:round/>
-      </a:ln>
-    </cs:spPr>
-  </cs:dataPointMarker>
-  <cs:dataPointMarkerLayout/>
-  <cs:dataPointWireframe>
-    <cs:lnRef idx="1">
-      <cs:styleClr val="auto"/>
-    </cs:lnRef>
-    <cs:fillRef idx="0"/>
-    <cs:effectRef idx="0"/>
-    <cs:fontRef idx="minor">
-      <a:schemeClr val="tx1"/>
-    </cs:fontRef>
-    <cs:spPr>
-      <a:ln>
-        <a:round/>
-      </a:ln>
-    </cs:spPr>
-  </cs:dataPointWireframe>
-  <cs:dataTable>
-    <cs:lnRef idx="1">
-      <a:schemeClr val="tx1">
-        <a:tint val="75000"/>
-      </a:schemeClr>
-    </cs:lnRef>
-    <cs:fillRef idx="0"/>
-    <cs:effectRef idx="0"/>
-    <cs:fontRef idx="minor">
-      <a:schemeClr val="tx1"/>
-    </cs:fontRef>
-    <cs:spPr>
-      <a:ln>
-        <a:round/>
-      </a:ln>
-    </cs:spPr>
-    <cs:defRPr sz="1000" kern="1200"/>
-  </cs:dataTable>
-  <cs:downBar>
-    <cs:lnRef idx="1">
-      <a:schemeClr val="tx1"/>
-    </cs:lnRef>
-    <cs:fillRef idx="1">
-      <a:schemeClr val="dk1">
-        <a:tint val="95000"/>
-      </a:schemeClr>
-    </cs:fillRef>
-    <cs:effectRef idx="0"/>
-    <cs:fontRef idx="minor">
-      <a:schemeClr val="tx1"/>
-    </cs:fontRef>
-    <cs:spPr>
-      <a:ln>
-        <a:round/>
-      </a:ln>
-    </cs:spPr>
-  </cs:downBar>
-  <cs:dropLine>
-    <cs:lnRef idx="1">
-      <a:schemeClr val="tx1"/>
-    </cs:lnRef>
-    <cs:fillRef idx="0"/>
-    <cs:effectRef idx="0"/>
-    <cs:fontRef idx="minor">
-      <a:schemeClr val="tx1"/>
-    </cs:fontRef>
-    <cs:spPr>
-      <a:ln>
-        <a:round/>
-      </a:ln>
-    </cs:spPr>
-  </cs:dropLine>
-  <cs:errorBar>
-    <cs:lnRef idx="1">
-      <a:schemeClr val="tx1"/>
-    </cs:lnRef>
-    <cs:fillRef idx="1">
-      <a:schemeClr val="tx1"/>
-    </cs:fillRef>
-    <cs:effectRef idx="0"/>
-    <cs:fontRef idx="minor">
-      <a:schemeClr val="tx1"/>
-    </cs:fontRef>
-    <cs:spPr>
-      <a:ln>
-        <a:round/>
-      </a:ln>
-    </cs:spPr>
-  </cs:errorBar>
-  <cs:floor>
-    <cs:lnRef idx="1">
-      <a:schemeClr val="tx1">
-        <a:tint val="75000"/>
-      </a:schemeClr>
-    </cs:lnRef>
-    <cs:fillRef idx="0"/>
-    <cs:effectRef idx="0"/>
-    <cs:fontRef idx="minor">
-      <a:schemeClr val="tx1"/>
-    </cs:fontRef>
-    <cs:spPr>
-      <a:ln>
-        <a:round/>
-      </a:ln>
-    </cs:spPr>
-  </cs:floor>
-  <cs:gridlineMajor>
-    <cs:lnRef idx="1">
-      <a:schemeClr val="tx1">
-        <a:tint val="75000"/>
-      </a:schemeClr>
-    </cs:lnRef>
-    <cs:fillRef idx="0"/>
-    <cs:effectRef idx="0"/>
-    <cs:fontRef idx="minor">
-      <a:schemeClr val="tx1"/>
-    </cs:fontRef>
-    <cs:spPr>
-      <a:ln>
-        <a:round/>
-      </a:ln>
-    </cs:spPr>
-  </cs:gridlineMajor>
-  <cs:gridlineMinor>
-    <cs:lnRef idx="1">
-      <a:schemeClr val="tx1">
-        <a:tint val="50000"/>
-      </a:schemeClr>
-    </cs:lnRef>
-    <cs:fillRef idx="0"/>
-    <cs:effectRef idx="0"/>
-    <cs:fontRef idx="minor">
-      <a:schemeClr val="tx1"/>
-    </cs:fontRef>
-    <cs:spPr>
-      <a:ln>
-        <a:round/>
-      </a:ln>
-    </cs:spPr>
-  </cs:gridlineMinor>
-  <cs:hiLoLine>
-    <cs:lnRef idx="1">
-      <a:schemeClr val="tx1"/>
-    </cs:lnRef>
-    <cs:fillRef idx="0"/>
-    <cs:effectRef idx="0"/>
-    <cs:fontRef idx="minor">
-      <a:schemeClr val="tx1"/>
-    </cs:fontRef>
-    <cs:spPr>
-      <a:ln>
-        <a:round/>
-      </a:ln>
-    </cs:spPr>
-  </cs:hiLoLine>
-  <cs:leaderLine>
-    <cs:lnRef idx="1">
-      <a:schemeClr val="tx1"/>
-    </cs:lnRef>
-    <cs:fillRef idx="0"/>
-    <cs:effectRef idx="0"/>
-    <cs:fontRef idx="minor">
-      <a:schemeClr val="tx1"/>
-    </cs:fontRef>
-    <cs:spPr>
-      <a:ln>
-        <a:round/>
-      </a:ln>
-    </cs:spPr>
-  </cs:leaderLine>
-  <cs:legend>
-    <cs:lnRef idx="0"/>
-    <cs:fillRef idx="0"/>
-    <cs:effectRef idx="0"/>
-    <cs:fontRef idx="minor">
-      <a:schemeClr val="tx1"/>
-    </cs:fontRef>
-    <cs:defRPr sz="1000" kern="1200"/>
-  </cs:legend>
-  <cs:plotArea mods="allowNoFillOverride allowNoLineOverride">
-    <cs:lnRef idx="0"/>
-    <cs:fillRef idx="1">
-      <a:schemeClr val="bg1"/>
-    </cs:fillRef>
-    <cs:effectRef idx="0"/>
-    <cs:fontRef idx="minor">
-      <a:schemeClr val="tx1"/>
-    </cs:fontRef>
-  </cs:plotArea>
-  <cs:plotArea3D>
-    <cs:lnRef idx="0"/>
-    <cs:fillRef idx="0"/>
-    <cs:effectRef idx="0"/>
-    <cs:fontRef idx="minor">
-      <a:schemeClr val="tx1"/>
-    </cs:fontRef>
-  </cs:plotArea3D>
-  <cs:seriesAxis>
-    <cs:lnRef idx="1">
-      <a:schemeClr val="tx1">
-        <a:tint val="75000"/>
-      </a:schemeClr>
-    </cs:lnRef>
-    <cs:fillRef idx="0"/>
-    <cs:effectRef idx="0"/>
-    <cs:fontRef idx="minor">
-      <a:schemeClr val="tx1"/>
-    </cs:fontRef>
-    <cs:spPr>
-      <a:ln>
-        <a:round/>
-      </a:ln>
-    </cs:spPr>
-    <cs:defRPr sz="1000" kern="1200"/>
-  </cs:seriesAxis>
-  <cs:seriesLine>
-    <cs:lnRef idx="1">
-      <a:schemeClr val="tx1"/>
-    </cs:lnRef>
-    <cs:fillRef idx="0"/>
-    <cs:effectRef idx="0"/>
-    <cs:fontRef idx="minor">
-      <a:schemeClr val="tx1"/>
-    </cs:fontRef>
-    <cs:spPr>
-      <a:ln>
-        <a:round/>
-      </a:ln>
-    </cs:spPr>
-  </cs:seriesLine>
-  <cs:title>
-    <cs:lnRef idx="0"/>
-    <cs:fillRef idx="0"/>
-    <cs:effectRef idx="0"/>
-    <cs:fontRef idx="minor">
-      <a:schemeClr val="tx1"/>
-    </cs:fontRef>
-    <cs:defRPr sz="1800" b="1" kern="1200"/>
-  </cs:title>
-  <cs:trendline>
-    <cs:lnRef idx="1">
-      <a:schemeClr val="tx1"/>
-    </cs:lnRef>
-    <cs:fillRef idx="0"/>
-    <cs:effectRef idx="0"/>
-    <cs:fontRef idx="minor">
-      <a:schemeClr val="tx1"/>
-    </cs:fontRef>
-    <cs:spPr>
-      <a:ln cap="rnd">
-        <a:round/>
-      </a:ln>
-    </cs:spPr>
-  </cs:trendline>
-  <cs:trendlineLabel>
-    <cs:lnRef idx="0"/>
-    <cs:fillRef idx="0"/>
-    <cs:effectRef idx="0"/>
-    <cs:fontRef idx="minor">
-      <a:schemeClr val="tx1"/>
-    </cs:fontRef>
-    <cs:defRPr sz="1000" kern="1200"/>
-  </cs:trendlineLabel>
-  <cs:upBar>
-    <cs:lnRef idx="1">
-      <a:schemeClr val="tx1"/>
-    </cs:lnRef>
-    <cs:fillRef idx="1">
-      <a:schemeClr val="dk1">
-        <a:tint val="5000"/>
-      </a:schemeClr>
-    </cs:fillRef>
-    <cs:effectRef idx="0"/>
-    <cs:fontRef idx="minor">
-      <a:schemeClr val="tx1"/>
-    </cs:fontRef>
-    <cs:spPr>
-      <a:ln>
-        <a:round/>
-      </a:ln>
-    </cs:spPr>
-  </cs:upBar>
-  <cs:valueAxis>
-    <cs:lnRef idx="1">
-      <a:schemeClr val="tx1">
-        <a:tint val="75000"/>
-      </a:schemeClr>
-    </cs:lnRef>
-    <cs:fillRef idx="0"/>
-    <cs:effectRef idx="0"/>
-    <cs:fontRef idx="minor">
-      <a:schemeClr val="tx1"/>
-    </cs:fontRef>
-    <cs:spPr>
-      <a:ln>
-        <a:round/>
-      </a:ln>
-    </cs:spPr>
-    <cs:defRPr sz="1000" kern="1200"/>
-  </cs:valueAxis>
-  <cs:wall>
-    <cs:lnRef idx="0"/>
-    <cs:fillRef idx="0"/>
-    <cs:effectRef idx="0"/>
-    <cs:fontRef idx="minor">
-      <a:schemeClr val="tx1"/>
-    </cs:fontRef>
-  </cs:wall>
-</cs:chartStyle>
-</file>
-
-<file path=ppt/charts/style5.xml><?xml version="1.0" encoding="utf-8"?>
+<file path=ppt/charts/style10.xml><?xml version="1.0" encoding="utf-8"?>
 <cs:chartStyle xmlns:cs="http://schemas.microsoft.com/office/drawing/2012/chartStyle" xmlns:a="http://schemas.openxmlformats.org/drawingml/2006/main" id="240">
   <cs:axisTitle>
     <cs:lnRef idx="0"/>
@@ -8674,7 +8248,1327 @@
 </cs:chartStyle>
 </file>
 
-<file path=ppt/charts/style6.xml><?xml version="1.0" encoding="utf-8"?>
+<file path=ppt/charts/style2.xml><?xml version="1.0" encoding="utf-8"?>
+<cs:chartStyle xmlns:cs="http://schemas.microsoft.com/office/drawing/2012/chartStyle" xmlns:a="http://schemas.openxmlformats.org/drawingml/2006/main" id="102">
+  <cs:axisTitle>
+    <cs:lnRef idx="0"/>
+    <cs:fillRef idx="0"/>
+    <cs:effectRef idx="0"/>
+    <cs:fontRef idx="minor">
+      <a:schemeClr val="tx1"/>
+    </cs:fontRef>
+    <cs:defRPr sz="1000" b="1" kern="1200"/>
+  </cs:axisTitle>
+  <cs:categoryAxis>
+    <cs:lnRef idx="1">
+      <a:schemeClr val="tx1">
+        <a:tint val="75000"/>
+      </a:schemeClr>
+    </cs:lnRef>
+    <cs:fillRef idx="0"/>
+    <cs:effectRef idx="0"/>
+    <cs:fontRef idx="minor">
+      <a:schemeClr val="tx1"/>
+    </cs:fontRef>
+    <cs:spPr>
+      <a:ln>
+        <a:round/>
+      </a:ln>
+    </cs:spPr>
+    <cs:defRPr sz="1000" kern="1200"/>
+  </cs:categoryAxis>
+  <cs:chartArea mods="allowNoFillOverride allowNoLineOverride">
+    <cs:lnRef idx="1">
+      <a:schemeClr val="tx1">
+        <a:tint val="75000"/>
+      </a:schemeClr>
+    </cs:lnRef>
+    <cs:fillRef idx="1">
+      <a:schemeClr val="bg1"/>
+    </cs:fillRef>
+    <cs:effectRef idx="0"/>
+    <cs:fontRef idx="minor">
+      <a:schemeClr val="tx1"/>
+    </cs:fontRef>
+    <cs:spPr>
+      <a:ln>
+        <a:round/>
+      </a:ln>
+    </cs:spPr>
+    <cs:defRPr sz="1000" kern="1200"/>
+  </cs:chartArea>
+  <cs:dataLabel>
+    <cs:lnRef idx="0"/>
+    <cs:fillRef idx="0"/>
+    <cs:effectRef idx="0"/>
+    <cs:fontRef idx="minor">
+      <a:schemeClr val="tx1"/>
+    </cs:fontRef>
+    <cs:defRPr sz="1000" kern="1200"/>
+  </cs:dataLabel>
+  <cs:dataLabelCallout>
+    <cs:lnRef idx="0"/>
+    <cs:fillRef idx="0"/>
+    <cs:effectRef idx="0"/>
+    <cs:fontRef idx="minor">
+      <a:schemeClr val="dk1"/>
+    </cs:fontRef>
+    <cs:spPr>
+      <a:solidFill>
+        <a:schemeClr val="lt1"/>
+      </a:solidFill>
+      <a:ln>
+        <a:solidFill>
+          <a:schemeClr val="dk1">
+            <a:lumMod val="65000"/>
+            <a:lumOff val="35000"/>
+          </a:schemeClr>
+        </a:solidFill>
+      </a:ln>
+    </cs:spPr>
+    <cs:defRPr sz="1000" kern="1200"/>
+  </cs:dataLabelCallout>
+  <cs:dataPoint>
+    <cs:lnRef idx="0"/>
+    <cs:fillRef idx="1">
+      <cs:styleClr val="auto"/>
+    </cs:fillRef>
+    <cs:effectRef idx="0"/>
+    <cs:fontRef idx="minor">
+      <a:schemeClr val="tx1"/>
+    </cs:fontRef>
+  </cs:dataPoint>
+  <cs:dataPoint3D>
+    <cs:lnRef idx="0"/>
+    <cs:fillRef idx="1">
+      <cs:styleClr val="auto"/>
+    </cs:fillRef>
+    <cs:effectRef idx="0"/>
+    <cs:fontRef idx="minor">
+      <a:schemeClr val="tx1"/>
+    </cs:fontRef>
+  </cs:dataPoint3D>
+  <cs:dataPointLine>
+    <cs:lnRef idx="1">
+      <cs:styleClr val="auto"/>
+    </cs:lnRef>
+    <cs:lineWidthScale>3</cs:lineWidthScale>
+    <cs:fillRef idx="0"/>
+    <cs:effectRef idx="0"/>
+    <cs:fontRef idx="minor">
+      <a:schemeClr val="tx1"/>
+    </cs:fontRef>
+    <cs:spPr>
+      <a:ln cap="rnd">
+        <a:round/>
+      </a:ln>
+    </cs:spPr>
+  </cs:dataPointLine>
+  <cs:dataPointMarker>
+    <cs:lnRef idx="1">
+      <cs:styleClr val="auto"/>
+    </cs:lnRef>
+    <cs:fillRef idx="1">
+      <cs:styleClr val="auto"/>
+    </cs:fillRef>
+    <cs:effectRef idx="0"/>
+    <cs:fontRef idx="minor">
+      <a:schemeClr val="tx1"/>
+    </cs:fontRef>
+    <cs:spPr>
+      <a:ln>
+        <a:round/>
+      </a:ln>
+    </cs:spPr>
+  </cs:dataPointMarker>
+  <cs:dataPointMarkerLayout/>
+  <cs:dataPointWireframe>
+    <cs:lnRef idx="1">
+      <cs:styleClr val="auto"/>
+    </cs:lnRef>
+    <cs:fillRef idx="0"/>
+    <cs:effectRef idx="0"/>
+    <cs:fontRef idx="minor">
+      <a:schemeClr val="tx1"/>
+    </cs:fontRef>
+    <cs:spPr>
+      <a:ln>
+        <a:round/>
+      </a:ln>
+    </cs:spPr>
+  </cs:dataPointWireframe>
+  <cs:dataTable>
+    <cs:lnRef idx="1">
+      <a:schemeClr val="tx1">
+        <a:tint val="75000"/>
+      </a:schemeClr>
+    </cs:lnRef>
+    <cs:fillRef idx="0"/>
+    <cs:effectRef idx="0"/>
+    <cs:fontRef idx="minor">
+      <a:schemeClr val="tx1"/>
+    </cs:fontRef>
+    <cs:spPr>
+      <a:ln>
+        <a:round/>
+      </a:ln>
+    </cs:spPr>
+    <cs:defRPr sz="1000" kern="1200"/>
+  </cs:dataTable>
+  <cs:downBar>
+    <cs:lnRef idx="1">
+      <a:schemeClr val="tx1"/>
+    </cs:lnRef>
+    <cs:fillRef idx="1">
+      <a:schemeClr val="dk1">
+        <a:tint val="95000"/>
+      </a:schemeClr>
+    </cs:fillRef>
+    <cs:effectRef idx="0"/>
+    <cs:fontRef idx="minor">
+      <a:schemeClr val="tx1"/>
+    </cs:fontRef>
+    <cs:spPr>
+      <a:ln>
+        <a:round/>
+      </a:ln>
+    </cs:spPr>
+  </cs:downBar>
+  <cs:dropLine>
+    <cs:lnRef idx="1">
+      <a:schemeClr val="tx1"/>
+    </cs:lnRef>
+    <cs:fillRef idx="0"/>
+    <cs:effectRef idx="0"/>
+    <cs:fontRef idx="minor">
+      <a:schemeClr val="tx1"/>
+    </cs:fontRef>
+    <cs:spPr>
+      <a:ln>
+        <a:round/>
+      </a:ln>
+    </cs:spPr>
+  </cs:dropLine>
+  <cs:errorBar>
+    <cs:lnRef idx="1">
+      <a:schemeClr val="tx1"/>
+    </cs:lnRef>
+    <cs:fillRef idx="1">
+      <a:schemeClr val="tx1"/>
+    </cs:fillRef>
+    <cs:effectRef idx="0"/>
+    <cs:fontRef idx="minor">
+      <a:schemeClr val="tx1"/>
+    </cs:fontRef>
+    <cs:spPr>
+      <a:ln>
+        <a:round/>
+      </a:ln>
+    </cs:spPr>
+  </cs:errorBar>
+  <cs:floor>
+    <cs:lnRef idx="1">
+      <a:schemeClr val="tx1">
+        <a:tint val="75000"/>
+      </a:schemeClr>
+    </cs:lnRef>
+    <cs:fillRef idx="0"/>
+    <cs:effectRef idx="0"/>
+    <cs:fontRef idx="minor">
+      <a:schemeClr val="tx1"/>
+    </cs:fontRef>
+    <cs:spPr>
+      <a:ln>
+        <a:round/>
+      </a:ln>
+    </cs:spPr>
+  </cs:floor>
+  <cs:gridlineMajor>
+    <cs:lnRef idx="1">
+      <a:schemeClr val="tx1">
+        <a:tint val="75000"/>
+      </a:schemeClr>
+    </cs:lnRef>
+    <cs:fillRef idx="0"/>
+    <cs:effectRef idx="0"/>
+    <cs:fontRef idx="minor">
+      <a:schemeClr val="tx1"/>
+    </cs:fontRef>
+    <cs:spPr>
+      <a:ln>
+        <a:round/>
+      </a:ln>
+    </cs:spPr>
+  </cs:gridlineMajor>
+  <cs:gridlineMinor>
+    <cs:lnRef idx="1">
+      <a:schemeClr val="tx1">
+        <a:tint val="50000"/>
+      </a:schemeClr>
+    </cs:lnRef>
+    <cs:fillRef idx="0"/>
+    <cs:effectRef idx="0"/>
+    <cs:fontRef idx="minor">
+      <a:schemeClr val="tx1"/>
+    </cs:fontRef>
+    <cs:spPr>
+      <a:ln>
+        <a:round/>
+      </a:ln>
+    </cs:spPr>
+  </cs:gridlineMinor>
+  <cs:hiLoLine>
+    <cs:lnRef idx="1">
+      <a:schemeClr val="tx1"/>
+    </cs:lnRef>
+    <cs:fillRef idx="0"/>
+    <cs:effectRef idx="0"/>
+    <cs:fontRef idx="minor">
+      <a:schemeClr val="tx1"/>
+    </cs:fontRef>
+    <cs:spPr>
+      <a:ln>
+        <a:round/>
+      </a:ln>
+    </cs:spPr>
+  </cs:hiLoLine>
+  <cs:leaderLine>
+    <cs:lnRef idx="1">
+      <a:schemeClr val="tx1"/>
+    </cs:lnRef>
+    <cs:fillRef idx="0"/>
+    <cs:effectRef idx="0"/>
+    <cs:fontRef idx="minor">
+      <a:schemeClr val="tx1"/>
+    </cs:fontRef>
+    <cs:spPr>
+      <a:ln>
+        <a:round/>
+      </a:ln>
+    </cs:spPr>
+  </cs:leaderLine>
+  <cs:legend>
+    <cs:lnRef idx="0"/>
+    <cs:fillRef idx="0"/>
+    <cs:effectRef idx="0"/>
+    <cs:fontRef idx="minor">
+      <a:schemeClr val="tx1"/>
+    </cs:fontRef>
+    <cs:defRPr sz="1000" kern="1200"/>
+  </cs:legend>
+  <cs:plotArea mods="allowNoFillOverride allowNoLineOverride">
+    <cs:lnRef idx="0"/>
+    <cs:fillRef idx="1">
+      <a:schemeClr val="bg1"/>
+    </cs:fillRef>
+    <cs:effectRef idx="0"/>
+    <cs:fontRef idx="minor">
+      <a:schemeClr val="tx1"/>
+    </cs:fontRef>
+  </cs:plotArea>
+  <cs:plotArea3D>
+    <cs:lnRef idx="0"/>
+    <cs:fillRef idx="0"/>
+    <cs:effectRef idx="0"/>
+    <cs:fontRef idx="minor">
+      <a:schemeClr val="tx1"/>
+    </cs:fontRef>
+  </cs:plotArea3D>
+  <cs:seriesAxis>
+    <cs:lnRef idx="1">
+      <a:schemeClr val="tx1">
+        <a:tint val="75000"/>
+      </a:schemeClr>
+    </cs:lnRef>
+    <cs:fillRef idx="0"/>
+    <cs:effectRef idx="0"/>
+    <cs:fontRef idx="minor">
+      <a:schemeClr val="tx1"/>
+    </cs:fontRef>
+    <cs:spPr>
+      <a:ln>
+        <a:round/>
+      </a:ln>
+    </cs:spPr>
+    <cs:defRPr sz="1000" kern="1200"/>
+  </cs:seriesAxis>
+  <cs:seriesLine>
+    <cs:lnRef idx="1">
+      <a:schemeClr val="tx1"/>
+    </cs:lnRef>
+    <cs:fillRef idx="0"/>
+    <cs:effectRef idx="0"/>
+    <cs:fontRef idx="minor">
+      <a:schemeClr val="tx1"/>
+    </cs:fontRef>
+    <cs:spPr>
+      <a:ln>
+        <a:round/>
+      </a:ln>
+    </cs:spPr>
+  </cs:seriesLine>
+  <cs:title>
+    <cs:lnRef idx="0"/>
+    <cs:fillRef idx="0"/>
+    <cs:effectRef idx="0"/>
+    <cs:fontRef idx="minor">
+      <a:schemeClr val="tx1"/>
+    </cs:fontRef>
+    <cs:defRPr sz="1800" b="1" kern="1200"/>
+  </cs:title>
+  <cs:trendline>
+    <cs:lnRef idx="1">
+      <a:schemeClr val="tx1"/>
+    </cs:lnRef>
+    <cs:fillRef idx="0"/>
+    <cs:effectRef idx="0"/>
+    <cs:fontRef idx="minor">
+      <a:schemeClr val="tx1"/>
+    </cs:fontRef>
+    <cs:spPr>
+      <a:ln cap="rnd">
+        <a:round/>
+      </a:ln>
+    </cs:spPr>
+  </cs:trendline>
+  <cs:trendlineLabel>
+    <cs:lnRef idx="0"/>
+    <cs:fillRef idx="0"/>
+    <cs:effectRef idx="0"/>
+    <cs:fontRef idx="minor">
+      <a:schemeClr val="tx1"/>
+    </cs:fontRef>
+    <cs:defRPr sz="1000" kern="1200"/>
+  </cs:trendlineLabel>
+  <cs:upBar>
+    <cs:lnRef idx="1">
+      <a:schemeClr val="tx1"/>
+    </cs:lnRef>
+    <cs:fillRef idx="1">
+      <a:schemeClr val="dk1">
+        <a:tint val="5000"/>
+      </a:schemeClr>
+    </cs:fillRef>
+    <cs:effectRef idx="0"/>
+    <cs:fontRef idx="minor">
+      <a:schemeClr val="tx1"/>
+    </cs:fontRef>
+    <cs:spPr>
+      <a:ln>
+        <a:round/>
+      </a:ln>
+    </cs:spPr>
+  </cs:upBar>
+  <cs:valueAxis>
+    <cs:lnRef idx="1">
+      <a:schemeClr val="tx1">
+        <a:tint val="75000"/>
+      </a:schemeClr>
+    </cs:lnRef>
+    <cs:fillRef idx="0"/>
+    <cs:effectRef idx="0"/>
+    <cs:fontRef idx="minor">
+      <a:schemeClr val="tx1"/>
+    </cs:fontRef>
+    <cs:spPr>
+      <a:ln>
+        <a:round/>
+      </a:ln>
+    </cs:spPr>
+    <cs:defRPr sz="1000" kern="1200"/>
+  </cs:valueAxis>
+  <cs:wall>
+    <cs:lnRef idx="0"/>
+    <cs:fillRef idx="0"/>
+    <cs:effectRef idx="0"/>
+    <cs:fontRef idx="minor">
+      <a:schemeClr val="tx1"/>
+    </cs:fontRef>
+  </cs:wall>
+</cs:chartStyle>
+</file>
+
+<file path=ppt/charts/style3.xml><?xml version="1.0" encoding="utf-8"?>
+<cs:chartStyle xmlns:cs="http://schemas.microsoft.com/office/drawing/2012/chartStyle" xmlns:a="http://schemas.openxmlformats.org/drawingml/2006/main" id="102">
+  <cs:axisTitle>
+    <cs:lnRef idx="0"/>
+    <cs:fillRef idx="0"/>
+    <cs:effectRef idx="0"/>
+    <cs:fontRef idx="minor">
+      <a:schemeClr val="tx1"/>
+    </cs:fontRef>
+    <cs:defRPr sz="1000" b="1" kern="1200"/>
+  </cs:axisTitle>
+  <cs:categoryAxis>
+    <cs:lnRef idx="1">
+      <a:schemeClr val="tx1">
+        <a:tint val="75000"/>
+      </a:schemeClr>
+    </cs:lnRef>
+    <cs:fillRef idx="0"/>
+    <cs:effectRef idx="0"/>
+    <cs:fontRef idx="minor">
+      <a:schemeClr val="tx1"/>
+    </cs:fontRef>
+    <cs:spPr>
+      <a:ln>
+        <a:round/>
+      </a:ln>
+    </cs:spPr>
+    <cs:defRPr sz="1000" kern="1200"/>
+  </cs:categoryAxis>
+  <cs:chartArea mods="allowNoFillOverride allowNoLineOverride">
+    <cs:lnRef idx="1">
+      <a:schemeClr val="tx1">
+        <a:tint val="75000"/>
+      </a:schemeClr>
+    </cs:lnRef>
+    <cs:fillRef idx="1">
+      <a:schemeClr val="bg1"/>
+    </cs:fillRef>
+    <cs:effectRef idx="0"/>
+    <cs:fontRef idx="minor">
+      <a:schemeClr val="tx1"/>
+    </cs:fontRef>
+    <cs:spPr>
+      <a:ln>
+        <a:round/>
+      </a:ln>
+    </cs:spPr>
+    <cs:defRPr sz="1000" kern="1200"/>
+  </cs:chartArea>
+  <cs:dataLabel>
+    <cs:lnRef idx="0"/>
+    <cs:fillRef idx="0"/>
+    <cs:effectRef idx="0"/>
+    <cs:fontRef idx="minor">
+      <a:schemeClr val="tx1"/>
+    </cs:fontRef>
+    <cs:defRPr sz="1000" kern="1200"/>
+  </cs:dataLabel>
+  <cs:dataLabelCallout>
+    <cs:lnRef idx="0"/>
+    <cs:fillRef idx="0"/>
+    <cs:effectRef idx="0"/>
+    <cs:fontRef idx="minor">
+      <a:schemeClr val="dk1"/>
+    </cs:fontRef>
+    <cs:spPr>
+      <a:solidFill>
+        <a:schemeClr val="lt1"/>
+      </a:solidFill>
+      <a:ln>
+        <a:solidFill>
+          <a:schemeClr val="dk1">
+            <a:lumMod val="65000"/>
+            <a:lumOff val="35000"/>
+          </a:schemeClr>
+        </a:solidFill>
+      </a:ln>
+    </cs:spPr>
+    <cs:defRPr sz="1000" kern="1200"/>
+  </cs:dataLabelCallout>
+  <cs:dataPoint>
+    <cs:lnRef idx="0"/>
+    <cs:fillRef idx="1">
+      <cs:styleClr val="auto"/>
+    </cs:fillRef>
+    <cs:effectRef idx="0"/>
+    <cs:fontRef idx="minor">
+      <a:schemeClr val="tx1"/>
+    </cs:fontRef>
+  </cs:dataPoint>
+  <cs:dataPoint3D>
+    <cs:lnRef idx="0"/>
+    <cs:fillRef idx="1">
+      <cs:styleClr val="auto"/>
+    </cs:fillRef>
+    <cs:effectRef idx="0"/>
+    <cs:fontRef idx="minor">
+      <a:schemeClr val="tx1"/>
+    </cs:fontRef>
+  </cs:dataPoint3D>
+  <cs:dataPointLine>
+    <cs:lnRef idx="1">
+      <cs:styleClr val="auto"/>
+    </cs:lnRef>
+    <cs:lineWidthScale>3</cs:lineWidthScale>
+    <cs:fillRef idx="0"/>
+    <cs:effectRef idx="0"/>
+    <cs:fontRef idx="minor">
+      <a:schemeClr val="tx1"/>
+    </cs:fontRef>
+    <cs:spPr>
+      <a:ln cap="rnd">
+        <a:round/>
+      </a:ln>
+    </cs:spPr>
+  </cs:dataPointLine>
+  <cs:dataPointMarker>
+    <cs:lnRef idx="1">
+      <cs:styleClr val="auto"/>
+    </cs:lnRef>
+    <cs:fillRef idx="1">
+      <cs:styleClr val="auto"/>
+    </cs:fillRef>
+    <cs:effectRef idx="0"/>
+    <cs:fontRef idx="minor">
+      <a:schemeClr val="tx1"/>
+    </cs:fontRef>
+    <cs:spPr>
+      <a:ln>
+        <a:round/>
+      </a:ln>
+    </cs:spPr>
+  </cs:dataPointMarker>
+  <cs:dataPointMarkerLayout/>
+  <cs:dataPointWireframe>
+    <cs:lnRef idx="1">
+      <cs:styleClr val="auto"/>
+    </cs:lnRef>
+    <cs:fillRef idx="0"/>
+    <cs:effectRef idx="0"/>
+    <cs:fontRef idx="minor">
+      <a:schemeClr val="tx1"/>
+    </cs:fontRef>
+    <cs:spPr>
+      <a:ln>
+        <a:round/>
+      </a:ln>
+    </cs:spPr>
+  </cs:dataPointWireframe>
+  <cs:dataTable>
+    <cs:lnRef idx="1">
+      <a:schemeClr val="tx1">
+        <a:tint val="75000"/>
+      </a:schemeClr>
+    </cs:lnRef>
+    <cs:fillRef idx="0"/>
+    <cs:effectRef idx="0"/>
+    <cs:fontRef idx="minor">
+      <a:schemeClr val="tx1"/>
+    </cs:fontRef>
+    <cs:spPr>
+      <a:ln>
+        <a:round/>
+      </a:ln>
+    </cs:spPr>
+    <cs:defRPr sz="1000" kern="1200"/>
+  </cs:dataTable>
+  <cs:downBar>
+    <cs:lnRef idx="1">
+      <a:schemeClr val="tx1"/>
+    </cs:lnRef>
+    <cs:fillRef idx="1">
+      <a:schemeClr val="dk1">
+        <a:tint val="95000"/>
+      </a:schemeClr>
+    </cs:fillRef>
+    <cs:effectRef idx="0"/>
+    <cs:fontRef idx="minor">
+      <a:schemeClr val="tx1"/>
+    </cs:fontRef>
+    <cs:spPr>
+      <a:ln>
+        <a:round/>
+      </a:ln>
+    </cs:spPr>
+  </cs:downBar>
+  <cs:dropLine>
+    <cs:lnRef idx="1">
+      <a:schemeClr val="tx1"/>
+    </cs:lnRef>
+    <cs:fillRef idx="0"/>
+    <cs:effectRef idx="0"/>
+    <cs:fontRef idx="minor">
+      <a:schemeClr val="tx1"/>
+    </cs:fontRef>
+    <cs:spPr>
+      <a:ln>
+        <a:round/>
+      </a:ln>
+    </cs:spPr>
+  </cs:dropLine>
+  <cs:errorBar>
+    <cs:lnRef idx="1">
+      <a:schemeClr val="tx1"/>
+    </cs:lnRef>
+    <cs:fillRef idx="1">
+      <a:schemeClr val="tx1"/>
+    </cs:fillRef>
+    <cs:effectRef idx="0"/>
+    <cs:fontRef idx="minor">
+      <a:schemeClr val="tx1"/>
+    </cs:fontRef>
+    <cs:spPr>
+      <a:ln>
+        <a:round/>
+      </a:ln>
+    </cs:spPr>
+  </cs:errorBar>
+  <cs:floor>
+    <cs:lnRef idx="1">
+      <a:schemeClr val="tx1">
+        <a:tint val="75000"/>
+      </a:schemeClr>
+    </cs:lnRef>
+    <cs:fillRef idx="0"/>
+    <cs:effectRef idx="0"/>
+    <cs:fontRef idx="minor">
+      <a:schemeClr val="tx1"/>
+    </cs:fontRef>
+    <cs:spPr>
+      <a:ln>
+        <a:round/>
+      </a:ln>
+    </cs:spPr>
+  </cs:floor>
+  <cs:gridlineMajor>
+    <cs:lnRef idx="1">
+      <a:schemeClr val="tx1">
+        <a:tint val="75000"/>
+      </a:schemeClr>
+    </cs:lnRef>
+    <cs:fillRef idx="0"/>
+    <cs:effectRef idx="0"/>
+    <cs:fontRef idx="minor">
+      <a:schemeClr val="tx1"/>
+    </cs:fontRef>
+    <cs:spPr>
+      <a:ln>
+        <a:round/>
+      </a:ln>
+    </cs:spPr>
+  </cs:gridlineMajor>
+  <cs:gridlineMinor>
+    <cs:lnRef idx="1">
+      <a:schemeClr val="tx1">
+        <a:tint val="50000"/>
+      </a:schemeClr>
+    </cs:lnRef>
+    <cs:fillRef idx="0"/>
+    <cs:effectRef idx="0"/>
+    <cs:fontRef idx="minor">
+      <a:schemeClr val="tx1"/>
+    </cs:fontRef>
+    <cs:spPr>
+      <a:ln>
+        <a:round/>
+      </a:ln>
+    </cs:spPr>
+  </cs:gridlineMinor>
+  <cs:hiLoLine>
+    <cs:lnRef idx="1">
+      <a:schemeClr val="tx1"/>
+    </cs:lnRef>
+    <cs:fillRef idx="0"/>
+    <cs:effectRef idx="0"/>
+    <cs:fontRef idx="minor">
+      <a:schemeClr val="tx1"/>
+    </cs:fontRef>
+    <cs:spPr>
+      <a:ln>
+        <a:round/>
+      </a:ln>
+    </cs:spPr>
+  </cs:hiLoLine>
+  <cs:leaderLine>
+    <cs:lnRef idx="1">
+      <a:schemeClr val="tx1"/>
+    </cs:lnRef>
+    <cs:fillRef idx="0"/>
+    <cs:effectRef idx="0"/>
+    <cs:fontRef idx="minor">
+      <a:schemeClr val="tx1"/>
+    </cs:fontRef>
+    <cs:spPr>
+      <a:ln>
+        <a:round/>
+      </a:ln>
+    </cs:spPr>
+  </cs:leaderLine>
+  <cs:legend>
+    <cs:lnRef idx="0"/>
+    <cs:fillRef idx="0"/>
+    <cs:effectRef idx="0"/>
+    <cs:fontRef idx="minor">
+      <a:schemeClr val="tx1"/>
+    </cs:fontRef>
+    <cs:defRPr sz="1000" kern="1200"/>
+  </cs:legend>
+  <cs:plotArea mods="allowNoFillOverride allowNoLineOverride">
+    <cs:lnRef idx="0"/>
+    <cs:fillRef idx="1">
+      <a:schemeClr val="bg1"/>
+    </cs:fillRef>
+    <cs:effectRef idx="0"/>
+    <cs:fontRef idx="minor">
+      <a:schemeClr val="tx1"/>
+    </cs:fontRef>
+  </cs:plotArea>
+  <cs:plotArea3D>
+    <cs:lnRef idx="0"/>
+    <cs:fillRef idx="0"/>
+    <cs:effectRef idx="0"/>
+    <cs:fontRef idx="minor">
+      <a:schemeClr val="tx1"/>
+    </cs:fontRef>
+  </cs:plotArea3D>
+  <cs:seriesAxis>
+    <cs:lnRef idx="1">
+      <a:schemeClr val="tx1">
+        <a:tint val="75000"/>
+      </a:schemeClr>
+    </cs:lnRef>
+    <cs:fillRef idx="0"/>
+    <cs:effectRef idx="0"/>
+    <cs:fontRef idx="minor">
+      <a:schemeClr val="tx1"/>
+    </cs:fontRef>
+    <cs:spPr>
+      <a:ln>
+        <a:round/>
+      </a:ln>
+    </cs:spPr>
+    <cs:defRPr sz="1000" kern="1200"/>
+  </cs:seriesAxis>
+  <cs:seriesLine>
+    <cs:lnRef idx="1">
+      <a:schemeClr val="tx1"/>
+    </cs:lnRef>
+    <cs:fillRef idx="0"/>
+    <cs:effectRef idx="0"/>
+    <cs:fontRef idx="minor">
+      <a:schemeClr val="tx1"/>
+    </cs:fontRef>
+    <cs:spPr>
+      <a:ln>
+        <a:round/>
+      </a:ln>
+    </cs:spPr>
+  </cs:seriesLine>
+  <cs:title>
+    <cs:lnRef idx="0"/>
+    <cs:fillRef idx="0"/>
+    <cs:effectRef idx="0"/>
+    <cs:fontRef idx="minor">
+      <a:schemeClr val="tx1"/>
+    </cs:fontRef>
+    <cs:defRPr sz="1800" b="1" kern="1200"/>
+  </cs:title>
+  <cs:trendline>
+    <cs:lnRef idx="1">
+      <a:schemeClr val="tx1"/>
+    </cs:lnRef>
+    <cs:fillRef idx="0"/>
+    <cs:effectRef idx="0"/>
+    <cs:fontRef idx="minor">
+      <a:schemeClr val="tx1"/>
+    </cs:fontRef>
+    <cs:spPr>
+      <a:ln cap="rnd">
+        <a:round/>
+      </a:ln>
+    </cs:spPr>
+  </cs:trendline>
+  <cs:trendlineLabel>
+    <cs:lnRef idx="0"/>
+    <cs:fillRef idx="0"/>
+    <cs:effectRef idx="0"/>
+    <cs:fontRef idx="minor">
+      <a:schemeClr val="tx1"/>
+    </cs:fontRef>
+    <cs:defRPr sz="1000" kern="1200"/>
+  </cs:trendlineLabel>
+  <cs:upBar>
+    <cs:lnRef idx="1">
+      <a:schemeClr val="tx1"/>
+    </cs:lnRef>
+    <cs:fillRef idx="1">
+      <a:schemeClr val="dk1">
+        <a:tint val="5000"/>
+      </a:schemeClr>
+    </cs:fillRef>
+    <cs:effectRef idx="0"/>
+    <cs:fontRef idx="minor">
+      <a:schemeClr val="tx1"/>
+    </cs:fontRef>
+    <cs:spPr>
+      <a:ln>
+        <a:round/>
+      </a:ln>
+    </cs:spPr>
+  </cs:upBar>
+  <cs:valueAxis>
+    <cs:lnRef idx="1">
+      <a:schemeClr val="tx1">
+        <a:tint val="75000"/>
+      </a:schemeClr>
+    </cs:lnRef>
+    <cs:fillRef idx="0"/>
+    <cs:effectRef idx="0"/>
+    <cs:fontRef idx="minor">
+      <a:schemeClr val="tx1"/>
+    </cs:fontRef>
+    <cs:spPr>
+      <a:ln>
+        <a:round/>
+      </a:ln>
+    </cs:spPr>
+    <cs:defRPr sz="1000" kern="1200"/>
+  </cs:valueAxis>
+  <cs:wall>
+    <cs:lnRef idx="0"/>
+    <cs:fillRef idx="0"/>
+    <cs:effectRef idx="0"/>
+    <cs:fontRef idx="minor">
+      <a:schemeClr val="tx1"/>
+    </cs:fontRef>
+  </cs:wall>
+</cs:chartStyle>
+</file>
+
+<file path=ppt/charts/style4.xml><?xml version="1.0" encoding="utf-8"?>
+<cs:chartStyle xmlns:cs="http://schemas.microsoft.com/office/drawing/2012/chartStyle" xmlns:a="http://schemas.openxmlformats.org/drawingml/2006/main" id="102">
+  <cs:axisTitle>
+    <cs:lnRef idx="0"/>
+    <cs:fillRef idx="0"/>
+    <cs:effectRef idx="0"/>
+    <cs:fontRef idx="minor">
+      <a:schemeClr val="tx1"/>
+    </cs:fontRef>
+    <cs:defRPr sz="1000" b="1" kern="1200"/>
+  </cs:axisTitle>
+  <cs:categoryAxis>
+    <cs:lnRef idx="1">
+      <a:schemeClr val="tx1">
+        <a:tint val="75000"/>
+      </a:schemeClr>
+    </cs:lnRef>
+    <cs:fillRef idx="0"/>
+    <cs:effectRef idx="0"/>
+    <cs:fontRef idx="minor">
+      <a:schemeClr val="tx1"/>
+    </cs:fontRef>
+    <cs:spPr>
+      <a:ln>
+        <a:round/>
+      </a:ln>
+    </cs:spPr>
+    <cs:defRPr sz="1000" kern="1200"/>
+  </cs:categoryAxis>
+  <cs:chartArea mods="allowNoFillOverride allowNoLineOverride">
+    <cs:lnRef idx="1">
+      <a:schemeClr val="tx1">
+        <a:tint val="75000"/>
+      </a:schemeClr>
+    </cs:lnRef>
+    <cs:fillRef idx="1">
+      <a:schemeClr val="bg1"/>
+    </cs:fillRef>
+    <cs:effectRef idx="0"/>
+    <cs:fontRef idx="minor">
+      <a:schemeClr val="tx1"/>
+    </cs:fontRef>
+    <cs:spPr>
+      <a:ln>
+        <a:round/>
+      </a:ln>
+    </cs:spPr>
+    <cs:defRPr sz="1000" kern="1200"/>
+  </cs:chartArea>
+  <cs:dataLabel>
+    <cs:lnRef idx="0"/>
+    <cs:fillRef idx="0"/>
+    <cs:effectRef idx="0"/>
+    <cs:fontRef idx="minor">
+      <a:schemeClr val="tx1"/>
+    </cs:fontRef>
+    <cs:defRPr sz="1000" kern="1200"/>
+  </cs:dataLabel>
+  <cs:dataLabelCallout>
+    <cs:lnRef idx="0"/>
+    <cs:fillRef idx="0"/>
+    <cs:effectRef idx="0"/>
+    <cs:fontRef idx="minor">
+      <a:schemeClr val="dk1"/>
+    </cs:fontRef>
+    <cs:spPr>
+      <a:solidFill>
+        <a:schemeClr val="lt1"/>
+      </a:solidFill>
+      <a:ln>
+        <a:solidFill>
+          <a:schemeClr val="dk1">
+            <a:lumMod val="65000"/>
+            <a:lumOff val="35000"/>
+          </a:schemeClr>
+        </a:solidFill>
+      </a:ln>
+    </cs:spPr>
+    <cs:defRPr sz="1000" kern="1200"/>
+  </cs:dataLabelCallout>
+  <cs:dataPoint>
+    <cs:lnRef idx="0"/>
+    <cs:fillRef idx="1">
+      <cs:styleClr val="auto"/>
+    </cs:fillRef>
+    <cs:effectRef idx="0"/>
+    <cs:fontRef idx="minor">
+      <a:schemeClr val="tx1"/>
+    </cs:fontRef>
+  </cs:dataPoint>
+  <cs:dataPoint3D>
+    <cs:lnRef idx="0"/>
+    <cs:fillRef idx="1">
+      <cs:styleClr val="auto"/>
+    </cs:fillRef>
+    <cs:effectRef idx="0"/>
+    <cs:fontRef idx="minor">
+      <a:schemeClr val="tx1"/>
+    </cs:fontRef>
+  </cs:dataPoint3D>
+  <cs:dataPointLine>
+    <cs:lnRef idx="1">
+      <cs:styleClr val="auto"/>
+    </cs:lnRef>
+    <cs:lineWidthScale>3</cs:lineWidthScale>
+    <cs:fillRef idx="0"/>
+    <cs:effectRef idx="0"/>
+    <cs:fontRef idx="minor">
+      <a:schemeClr val="tx1"/>
+    </cs:fontRef>
+    <cs:spPr>
+      <a:ln cap="rnd">
+        <a:round/>
+      </a:ln>
+    </cs:spPr>
+  </cs:dataPointLine>
+  <cs:dataPointMarker>
+    <cs:lnRef idx="1">
+      <cs:styleClr val="auto"/>
+    </cs:lnRef>
+    <cs:fillRef idx="1">
+      <cs:styleClr val="auto"/>
+    </cs:fillRef>
+    <cs:effectRef idx="0"/>
+    <cs:fontRef idx="minor">
+      <a:schemeClr val="tx1"/>
+    </cs:fontRef>
+    <cs:spPr>
+      <a:ln>
+        <a:round/>
+      </a:ln>
+    </cs:spPr>
+  </cs:dataPointMarker>
+  <cs:dataPointMarkerLayout/>
+  <cs:dataPointWireframe>
+    <cs:lnRef idx="1">
+      <cs:styleClr val="auto"/>
+    </cs:lnRef>
+    <cs:fillRef idx="0"/>
+    <cs:effectRef idx="0"/>
+    <cs:fontRef idx="minor">
+      <a:schemeClr val="tx1"/>
+    </cs:fontRef>
+    <cs:spPr>
+      <a:ln>
+        <a:round/>
+      </a:ln>
+    </cs:spPr>
+  </cs:dataPointWireframe>
+  <cs:dataTable>
+    <cs:lnRef idx="1">
+      <a:schemeClr val="tx1">
+        <a:tint val="75000"/>
+      </a:schemeClr>
+    </cs:lnRef>
+    <cs:fillRef idx="0"/>
+    <cs:effectRef idx="0"/>
+    <cs:fontRef idx="minor">
+      <a:schemeClr val="tx1"/>
+    </cs:fontRef>
+    <cs:spPr>
+      <a:ln>
+        <a:round/>
+      </a:ln>
+    </cs:spPr>
+    <cs:defRPr sz="1000" kern="1200"/>
+  </cs:dataTable>
+  <cs:downBar>
+    <cs:lnRef idx="1">
+      <a:schemeClr val="tx1"/>
+    </cs:lnRef>
+    <cs:fillRef idx="1">
+      <a:schemeClr val="dk1">
+        <a:tint val="95000"/>
+      </a:schemeClr>
+    </cs:fillRef>
+    <cs:effectRef idx="0"/>
+    <cs:fontRef idx="minor">
+      <a:schemeClr val="tx1"/>
+    </cs:fontRef>
+    <cs:spPr>
+      <a:ln>
+        <a:round/>
+      </a:ln>
+    </cs:spPr>
+  </cs:downBar>
+  <cs:dropLine>
+    <cs:lnRef idx="1">
+      <a:schemeClr val="tx1"/>
+    </cs:lnRef>
+    <cs:fillRef idx="0"/>
+    <cs:effectRef idx="0"/>
+    <cs:fontRef idx="minor">
+      <a:schemeClr val="tx1"/>
+    </cs:fontRef>
+    <cs:spPr>
+      <a:ln>
+        <a:round/>
+      </a:ln>
+    </cs:spPr>
+  </cs:dropLine>
+  <cs:errorBar>
+    <cs:lnRef idx="1">
+      <a:schemeClr val="tx1"/>
+    </cs:lnRef>
+    <cs:fillRef idx="1">
+      <a:schemeClr val="tx1"/>
+    </cs:fillRef>
+    <cs:effectRef idx="0"/>
+    <cs:fontRef idx="minor">
+      <a:schemeClr val="tx1"/>
+    </cs:fontRef>
+    <cs:spPr>
+      <a:ln>
+        <a:round/>
+      </a:ln>
+    </cs:spPr>
+  </cs:errorBar>
+  <cs:floor>
+    <cs:lnRef idx="1">
+      <a:schemeClr val="tx1">
+        <a:tint val="75000"/>
+      </a:schemeClr>
+    </cs:lnRef>
+    <cs:fillRef idx="0"/>
+    <cs:effectRef idx="0"/>
+    <cs:fontRef idx="minor">
+      <a:schemeClr val="tx1"/>
+    </cs:fontRef>
+    <cs:spPr>
+      <a:ln>
+        <a:round/>
+      </a:ln>
+    </cs:spPr>
+  </cs:floor>
+  <cs:gridlineMajor>
+    <cs:lnRef idx="1">
+      <a:schemeClr val="tx1">
+        <a:tint val="75000"/>
+      </a:schemeClr>
+    </cs:lnRef>
+    <cs:fillRef idx="0"/>
+    <cs:effectRef idx="0"/>
+    <cs:fontRef idx="minor">
+      <a:schemeClr val="tx1"/>
+    </cs:fontRef>
+    <cs:spPr>
+      <a:ln>
+        <a:round/>
+      </a:ln>
+    </cs:spPr>
+  </cs:gridlineMajor>
+  <cs:gridlineMinor>
+    <cs:lnRef idx="1">
+      <a:schemeClr val="tx1">
+        <a:tint val="50000"/>
+      </a:schemeClr>
+    </cs:lnRef>
+    <cs:fillRef idx="0"/>
+    <cs:effectRef idx="0"/>
+    <cs:fontRef idx="minor">
+      <a:schemeClr val="tx1"/>
+    </cs:fontRef>
+    <cs:spPr>
+      <a:ln>
+        <a:round/>
+      </a:ln>
+    </cs:spPr>
+  </cs:gridlineMinor>
+  <cs:hiLoLine>
+    <cs:lnRef idx="1">
+      <a:schemeClr val="tx1"/>
+    </cs:lnRef>
+    <cs:fillRef idx="0"/>
+    <cs:effectRef idx="0"/>
+    <cs:fontRef idx="minor">
+      <a:schemeClr val="tx1"/>
+    </cs:fontRef>
+    <cs:spPr>
+      <a:ln>
+        <a:round/>
+      </a:ln>
+    </cs:spPr>
+  </cs:hiLoLine>
+  <cs:leaderLine>
+    <cs:lnRef idx="1">
+      <a:schemeClr val="tx1"/>
+    </cs:lnRef>
+    <cs:fillRef idx="0"/>
+    <cs:effectRef idx="0"/>
+    <cs:fontRef idx="minor">
+      <a:schemeClr val="tx1"/>
+    </cs:fontRef>
+    <cs:spPr>
+      <a:ln>
+        <a:round/>
+      </a:ln>
+    </cs:spPr>
+  </cs:leaderLine>
+  <cs:legend>
+    <cs:lnRef idx="0"/>
+    <cs:fillRef idx="0"/>
+    <cs:effectRef idx="0"/>
+    <cs:fontRef idx="minor">
+      <a:schemeClr val="tx1"/>
+    </cs:fontRef>
+    <cs:defRPr sz="1000" kern="1200"/>
+  </cs:legend>
+  <cs:plotArea mods="allowNoFillOverride allowNoLineOverride">
+    <cs:lnRef idx="0"/>
+    <cs:fillRef idx="1">
+      <a:schemeClr val="bg1"/>
+    </cs:fillRef>
+    <cs:effectRef idx="0"/>
+    <cs:fontRef idx="minor">
+      <a:schemeClr val="tx1"/>
+    </cs:fontRef>
+  </cs:plotArea>
+  <cs:plotArea3D>
+    <cs:lnRef idx="0"/>
+    <cs:fillRef idx="0"/>
+    <cs:effectRef idx="0"/>
+    <cs:fontRef idx="minor">
+      <a:schemeClr val="tx1"/>
+    </cs:fontRef>
+  </cs:plotArea3D>
+  <cs:seriesAxis>
+    <cs:lnRef idx="1">
+      <a:schemeClr val="tx1">
+        <a:tint val="75000"/>
+      </a:schemeClr>
+    </cs:lnRef>
+    <cs:fillRef idx="0"/>
+    <cs:effectRef idx="0"/>
+    <cs:fontRef idx="minor">
+      <a:schemeClr val="tx1"/>
+    </cs:fontRef>
+    <cs:spPr>
+      <a:ln>
+        <a:round/>
+      </a:ln>
+    </cs:spPr>
+    <cs:defRPr sz="1000" kern="1200"/>
+  </cs:seriesAxis>
+  <cs:seriesLine>
+    <cs:lnRef idx="1">
+      <a:schemeClr val="tx1"/>
+    </cs:lnRef>
+    <cs:fillRef idx="0"/>
+    <cs:effectRef idx="0"/>
+    <cs:fontRef idx="minor">
+      <a:schemeClr val="tx1"/>
+    </cs:fontRef>
+    <cs:spPr>
+      <a:ln>
+        <a:round/>
+      </a:ln>
+    </cs:spPr>
+  </cs:seriesLine>
+  <cs:title>
+    <cs:lnRef idx="0"/>
+    <cs:fillRef idx="0"/>
+    <cs:effectRef idx="0"/>
+    <cs:fontRef idx="minor">
+      <a:schemeClr val="tx1"/>
+    </cs:fontRef>
+    <cs:defRPr sz="1800" b="1" kern="1200"/>
+  </cs:title>
+  <cs:trendline>
+    <cs:lnRef idx="1">
+      <a:schemeClr val="tx1"/>
+    </cs:lnRef>
+    <cs:fillRef idx="0"/>
+    <cs:effectRef idx="0"/>
+    <cs:fontRef idx="minor">
+      <a:schemeClr val="tx1"/>
+    </cs:fontRef>
+    <cs:spPr>
+      <a:ln cap="rnd">
+        <a:round/>
+      </a:ln>
+    </cs:spPr>
+  </cs:trendline>
+  <cs:trendlineLabel>
+    <cs:lnRef idx="0"/>
+    <cs:fillRef idx="0"/>
+    <cs:effectRef idx="0"/>
+    <cs:fontRef idx="minor">
+      <a:schemeClr val="tx1"/>
+    </cs:fontRef>
+    <cs:defRPr sz="1000" kern="1200"/>
+  </cs:trendlineLabel>
+  <cs:upBar>
+    <cs:lnRef idx="1">
+      <a:schemeClr val="tx1"/>
+    </cs:lnRef>
+    <cs:fillRef idx="1">
+      <a:schemeClr val="dk1">
+        <a:tint val="5000"/>
+      </a:schemeClr>
+    </cs:fillRef>
+    <cs:effectRef idx="0"/>
+    <cs:fontRef idx="minor">
+      <a:schemeClr val="tx1"/>
+    </cs:fontRef>
+    <cs:spPr>
+      <a:ln>
+        <a:round/>
+      </a:ln>
+    </cs:spPr>
+  </cs:upBar>
+  <cs:valueAxis>
+    <cs:lnRef idx="1">
+      <a:schemeClr val="tx1">
+        <a:tint val="75000"/>
+      </a:schemeClr>
+    </cs:lnRef>
+    <cs:fillRef idx="0"/>
+    <cs:effectRef idx="0"/>
+    <cs:fontRef idx="minor">
+      <a:schemeClr val="tx1"/>
+    </cs:fontRef>
+    <cs:spPr>
+      <a:ln>
+        <a:round/>
+      </a:ln>
+    </cs:spPr>
+    <cs:defRPr sz="1000" kern="1200"/>
+  </cs:valueAxis>
+  <cs:wall>
+    <cs:lnRef idx="0"/>
+    <cs:fillRef idx="0"/>
+    <cs:effectRef idx="0"/>
+    <cs:fontRef idx="minor">
+      <a:schemeClr val="tx1"/>
+    </cs:fontRef>
+  </cs:wall>
+</cs:chartStyle>
+</file>
+
+<file path=ppt/charts/style5.xml><?xml version="1.0" encoding="utf-8"?>
 <cs:chartStyle xmlns:cs="http://schemas.microsoft.com/office/drawing/2012/chartStyle" xmlns:a="http://schemas.openxmlformats.org/drawingml/2006/main" id="240">
   <cs:axisTitle>
     <cs:lnRef idx="0"/>
@@ -9190,7 +10084,7 @@
 </cs:chartStyle>
 </file>
 
-<file path=ppt/charts/style7.xml><?xml version="1.0" encoding="utf-8"?>
+<file path=ppt/charts/style6.xml><?xml version="1.0" encoding="utf-8"?>
 <cs:chartStyle xmlns:cs="http://schemas.microsoft.com/office/drawing/2012/chartStyle" xmlns:a="http://schemas.openxmlformats.org/drawingml/2006/main" id="240">
   <cs:axisTitle>
     <cs:lnRef idx="0"/>
@@ -9706,7 +10600,1039 @@
 </cs:chartStyle>
 </file>
 
+<file path=ppt/charts/style7.xml><?xml version="1.0" encoding="utf-8"?>
+<cs:chartStyle xmlns:cs="http://schemas.microsoft.com/office/drawing/2012/chartStyle" xmlns:a="http://schemas.openxmlformats.org/drawingml/2006/main" id="240">
+  <cs:axisTitle>
+    <cs:lnRef idx="0"/>
+    <cs:fillRef idx="0"/>
+    <cs:effectRef idx="0"/>
+    <cs:fontRef idx="minor">
+      <a:schemeClr val="tx1">
+        <a:lumMod val="65000"/>
+        <a:lumOff val="35000"/>
+      </a:schemeClr>
+    </cs:fontRef>
+    <cs:defRPr sz="1000" kern="1200"/>
+  </cs:axisTitle>
+  <cs:categoryAxis>
+    <cs:lnRef idx="0"/>
+    <cs:fillRef idx="0"/>
+    <cs:effectRef idx="0"/>
+    <cs:fontRef idx="minor">
+      <a:schemeClr val="tx1">
+        <a:lumMod val="65000"/>
+        <a:lumOff val="35000"/>
+      </a:schemeClr>
+    </cs:fontRef>
+    <cs:spPr>
+      <a:ln w="9525" cap="flat" cmpd="sng" algn="ctr">
+        <a:solidFill>
+          <a:schemeClr val="tx1">
+            <a:lumMod val="25000"/>
+            <a:lumOff val="75000"/>
+          </a:schemeClr>
+        </a:solidFill>
+        <a:round/>
+      </a:ln>
+    </cs:spPr>
+    <cs:defRPr sz="900" kern="1200"/>
+  </cs:categoryAxis>
+  <cs:chartArea mods="allowNoFillOverride allowNoLineOverride">
+    <cs:lnRef idx="0"/>
+    <cs:fillRef idx="0"/>
+    <cs:effectRef idx="0"/>
+    <cs:fontRef idx="minor">
+      <a:schemeClr val="tx1"/>
+    </cs:fontRef>
+    <cs:spPr>
+      <a:solidFill>
+        <a:schemeClr val="bg1"/>
+      </a:solidFill>
+      <a:ln w="9525" cap="flat" cmpd="sng" algn="ctr">
+        <a:solidFill>
+          <a:schemeClr val="tx1">
+            <a:lumMod val="15000"/>
+            <a:lumOff val="85000"/>
+          </a:schemeClr>
+        </a:solidFill>
+        <a:round/>
+      </a:ln>
+    </cs:spPr>
+    <cs:defRPr sz="1000" kern="1200"/>
+  </cs:chartArea>
+  <cs:dataLabel>
+    <cs:lnRef idx="0"/>
+    <cs:fillRef idx="0"/>
+    <cs:effectRef idx="0"/>
+    <cs:fontRef idx="minor">
+      <a:schemeClr val="tx1">
+        <a:lumMod val="75000"/>
+        <a:lumOff val="25000"/>
+      </a:schemeClr>
+    </cs:fontRef>
+    <cs:defRPr sz="900" kern="1200"/>
+  </cs:dataLabel>
+  <cs:dataLabelCallout>
+    <cs:lnRef idx="0"/>
+    <cs:fillRef idx="0"/>
+    <cs:effectRef idx="0"/>
+    <cs:fontRef idx="minor">
+      <a:schemeClr val="dk1">
+        <a:lumMod val="65000"/>
+        <a:lumOff val="35000"/>
+      </a:schemeClr>
+    </cs:fontRef>
+    <cs:spPr>
+      <a:solidFill>
+        <a:schemeClr val="lt1"/>
+      </a:solidFill>
+      <a:ln>
+        <a:solidFill>
+          <a:schemeClr val="dk1">
+            <a:lumMod val="25000"/>
+            <a:lumOff val="75000"/>
+          </a:schemeClr>
+        </a:solidFill>
+      </a:ln>
+    </cs:spPr>
+    <cs:defRPr sz="900" kern="1200"/>
+    <cs:bodyPr rot="0" spcFirstLastPara="1" vertOverflow="clip" horzOverflow="clip" vert="horz" wrap="square" lIns="36576" tIns="18288" rIns="36576" bIns="18288" anchor="ctr" anchorCtr="1">
+      <a:spAutoFit/>
+    </cs:bodyPr>
+  </cs:dataLabelCallout>
+  <cs:dataPoint>
+    <cs:lnRef idx="0"/>
+    <cs:fillRef idx="1">
+      <cs:styleClr val="auto"/>
+    </cs:fillRef>
+    <cs:effectRef idx="0"/>
+    <cs:fontRef idx="minor">
+      <a:schemeClr val="tx1"/>
+    </cs:fontRef>
+  </cs:dataPoint>
+  <cs:dataPoint3D>
+    <cs:lnRef idx="0"/>
+    <cs:fillRef idx="1">
+      <cs:styleClr val="auto"/>
+    </cs:fillRef>
+    <cs:effectRef idx="0"/>
+    <cs:fontRef idx="minor">
+      <a:schemeClr val="tx1"/>
+    </cs:fontRef>
+  </cs:dataPoint3D>
+  <cs:dataPointLine>
+    <cs:lnRef idx="0">
+      <cs:styleClr val="auto"/>
+    </cs:lnRef>
+    <cs:fillRef idx="1"/>
+    <cs:effectRef idx="0"/>
+    <cs:fontRef idx="minor">
+      <a:schemeClr val="tx1"/>
+    </cs:fontRef>
+    <cs:spPr>
+      <a:ln w="19050" cap="rnd">
+        <a:solidFill>
+          <a:schemeClr val="phClr"/>
+        </a:solidFill>
+        <a:round/>
+      </a:ln>
+    </cs:spPr>
+  </cs:dataPointLine>
+  <cs:dataPointMarker>
+    <cs:lnRef idx="0">
+      <cs:styleClr val="auto"/>
+    </cs:lnRef>
+    <cs:fillRef idx="1">
+      <cs:styleClr val="auto"/>
+    </cs:fillRef>
+    <cs:effectRef idx="0"/>
+    <cs:fontRef idx="minor">
+      <a:schemeClr val="tx1"/>
+    </cs:fontRef>
+    <cs:spPr>
+      <a:ln w="9525">
+        <a:solidFill>
+          <a:schemeClr val="phClr"/>
+        </a:solidFill>
+      </a:ln>
+    </cs:spPr>
+  </cs:dataPointMarker>
+  <cs:dataPointMarkerLayout symbol="circle" size="5"/>
+  <cs:dataPointWireframe>
+    <cs:lnRef idx="0">
+      <cs:styleClr val="auto"/>
+    </cs:lnRef>
+    <cs:fillRef idx="0"/>
+    <cs:effectRef idx="0"/>
+    <cs:fontRef idx="minor">
+      <a:schemeClr val="dk1"/>
+    </cs:fontRef>
+    <cs:spPr>
+      <a:ln w="9525" cap="rnd">
+        <a:solidFill>
+          <a:schemeClr val="phClr"/>
+        </a:solidFill>
+        <a:round/>
+      </a:ln>
+    </cs:spPr>
+  </cs:dataPointWireframe>
+  <cs:dataTable>
+    <cs:lnRef idx="0"/>
+    <cs:fillRef idx="0"/>
+    <cs:effectRef idx="0"/>
+    <cs:fontRef idx="minor">
+      <a:schemeClr val="tx1">
+        <a:lumMod val="65000"/>
+        <a:lumOff val="35000"/>
+      </a:schemeClr>
+    </cs:fontRef>
+    <cs:spPr>
+      <a:noFill/>
+      <a:ln w="9525" cap="flat" cmpd="sng" algn="ctr">
+        <a:solidFill>
+          <a:schemeClr val="tx1">
+            <a:lumMod val="15000"/>
+            <a:lumOff val="85000"/>
+          </a:schemeClr>
+        </a:solidFill>
+        <a:round/>
+      </a:ln>
+    </cs:spPr>
+    <cs:defRPr sz="900" kern="1200"/>
+  </cs:dataTable>
+  <cs:downBar>
+    <cs:lnRef idx="0"/>
+    <cs:fillRef idx="0"/>
+    <cs:effectRef idx="0"/>
+    <cs:fontRef idx="minor">
+      <a:schemeClr val="tx1"/>
+    </cs:fontRef>
+    <cs:spPr>
+      <a:solidFill>
+        <a:schemeClr val="dk1">
+          <a:lumMod val="75000"/>
+          <a:lumOff val="25000"/>
+        </a:schemeClr>
+      </a:solidFill>
+      <a:ln w="9525" cap="flat" cmpd="sng" algn="ctr">
+        <a:solidFill>
+          <a:schemeClr val="tx1">
+            <a:lumMod val="65000"/>
+            <a:lumOff val="35000"/>
+          </a:schemeClr>
+        </a:solidFill>
+        <a:round/>
+      </a:ln>
+    </cs:spPr>
+  </cs:downBar>
+  <cs:dropLine>
+    <cs:lnRef idx="0"/>
+    <cs:fillRef idx="0"/>
+    <cs:effectRef idx="0"/>
+    <cs:fontRef idx="minor">
+      <a:schemeClr val="tx1"/>
+    </cs:fontRef>
+    <cs:spPr>
+      <a:ln w="9525" cap="flat" cmpd="sng" algn="ctr">
+        <a:solidFill>
+          <a:schemeClr val="tx1">
+            <a:lumMod val="35000"/>
+            <a:lumOff val="65000"/>
+          </a:schemeClr>
+        </a:solidFill>
+        <a:round/>
+      </a:ln>
+    </cs:spPr>
+  </cs:dropLine>
+  <cs:errorBar>
+    <cs:lnRef idx="0"/>
+    <cs:fillRef idx="0"/>
+    <cs:effectRef idx="0"/>
+    <cs:fontRef idx="minor">
+      <a:schemeClr val="tx1"/>
+    </cs:fontRef>
+    <cs:spPr>
+      <a:ln w="9525" cap="flat" cmpd="sng" algn="ctr">
+        <a:solidFill>
+          <a:schemeClr val="tx1">
+            <a:lumMod val="65000"/>
+            <a:lumOff val="35000"/>
+          </a:schemeClr>
+        </a:solidFill>
+        <a:round/>
+      </a:ln>
+    </cs:spPr>
+  </cs:errorBar>
+  <cs:floor>
+    <cs:lnRef idx="0"/>
+    <cs:fillRef idx="0"/>
+    <cs:effectRef idx="0"/>
+    <cs:fontRef idx="minor">
+      <a:schemeClr val="tx1"/>
+    </cs:fontRef>
+    <cs:spPr>
+      <a:noFill/>
+      <a:ln>
+        <a:noFill/>
+      </a:ln>
+    </cs:spPr>
+  </cs:floor>
+  <cs:gridlineMajor>
+    <cs:lnRef idx="0"/>
+    <cs:fillRef idx="0"/>
+    <cs:effectRef idx="0"/>
+    <cs:fontRef idx="minor">
+      <a:schemeClr val="tx1"/>
+    </cs:fontRef>
+    <cs:spPr>
+      <a:ln w="9525" cap="flat" cmpd="sng" algn="ctr">
+        <a:solidFill>
+          <a:schemeClr val="tx1">
+            <a:lumMod val="15000"/>
+            <a:lumOff val="85000"/>
+          </a:schemeClr>
+        </a:solidFill>
+        <a:round/>
+      </a:ln>
+    </cs:spPr>
+  </cs:gridlineMajor>
+  <cs:gridlineMinor>
+    <cs:lnRef idx="0"/>
+    <cs:fillRef idx="0"/>
+    <cs:effectRef idx="0"/>
+    <cs:fontRef idx="minor">
+      <a:schemeClr val="tx1"/>
+    </cs:fontRef>
+    <cs:spPr>
+      <a:ln w="9525" cap="flat" cmpd="sng" algn="ctr">
+        <a:solidFill>
+          <a:schemeClr val="tx1">
+            <a:lumMod val="5000"/>
+            <a:lumOff val="95000"/>
+          </a:schemeClr>
+        </a:solidFill>
+        <a:round/>
+      </a:ln>
+    </cs:spPr>
+  </cs:gridlineMinor>
+  <cs:hiLoLine>
+    <cs:lnRef idx="0"/>
+    <cs:fillRef idx="0"/>
+    <cs:effectRef idx="0"/>
+    <cs:fontRef idx="minor">
+      <a:schemeClr val="tx1"/>
+    </cs:fontRef>
+    <cs:spPr>
+      <a:ln w="9525" cap="flat" cmpd="sng" algn="ctr">
+        <a:solidFill>
+          <a:schemeClr val="tx1">
+            <a:lumMod val="50000"/>
+            <a:lumOff val="50000"/>
+          </a:schemeClr>
+        </a:solidFill>
+        <a:round/>
+      </a:ln>
+    </cs:spPr>
+  </cs:hiLoLine>
+  <cs:leaderLine>
+    <cs:lnRef idx="0"/>
+    <cs:fillRef idx="0"/>
+    <cs:effectRef idx="0"/>
+    <cs:fontRef idx="minor">
+      <a:schemeClr val="tx1"/>
+    </cs:fontRef>
+    <cs:spPr>
+      <a:ln w="9525" cap="flat" cmpd="sng" algn="ctr">
+        <a:solidFill>
+          <a:schemeClr val="tx1">
+            <a:lumMod val="35000"/>
+            <a:lumOff val="65000"/>
+          </a:schemeClr>
+        </a:solidFill>
+        <a:round/>
+      </a:ln>
+    </cs:spPr>
+  </cs:leaderLine>
+  <cs:legend>
+    <cs:lnRef idx="0"/>
+    <cs:fillRef idx="0"/>
+    <cs:effectRef idx="0"/>
+    <cs:fontRef idx="minor">
+      <a:schemeClr val="tx1">
+        <a:lumMod val="65000"/>
+        <a:lumOff val="35000"/>
+      </a:schemeClr>
+    </cs:fontRef>
+    <cs:defRPr sz="900" kern="1200"/>
+  </cs:legend>
+  <cs:plotArea mods="allowNoFillOverride allowNoLineOverride">
+    <cs:lnRef idx="0"/>
+    <cs:fillRef idx="0"/>
+    <cs:effectRef idx="0"/>
+    <cs:fontRef idx="minor">
+      <a:schemeClr val="tx1"/>
+    </cs:fontRef>
+  </cs:plotArea>
+  <cs:plotArea3D mods="allowNoFillOverride allowNoLineOverride">
+    <cs:lnRef idx="0"/>
+    <cs:fillRef idx="0"/>
+    <cs:effectRef idx="0"/>
+    <cs:fontRef idx="minor">
+      <a:schemeClr val="tx1"/>
+    </cs:fontRef>
+  </cs:plotArea3D>
+  <cs:seriesAxis>
+    <cs:lnRef idx="0"/>
+    <cs:fillRef idx="0"/>
+    <cs:effectRef idx="0"/>
+    <cs:fontRef idx="minor">
+      <a:schemeClr val="tx1">
+        <a:lumMod val="65000"/>
+        <a:lumOff val="35000"/>
+      </a:schemeClr>
+    </cs:fontRef>
+    <cs:defRPr sz="900" kern="1200"/>
+  </cs:seriesAxis>
+  <cs:seriesLine>
+    <cs:lnRef idx="0"/>
+    <cs:fillRef idx="0"/>
+    <cs:effectRef idx="0"/>
+    <cs:fontRef idx="minor">
+      <a:schemeClr val="tx1"/>
+    </cs:fontRef>
+    <cs:spPr>
+      <a:ln w="9525" cap="flat" cmpd="sng" algn="ctr">
+        <a:solidFill>
+          <a:schemeClr val="tx1">
+            <a:lumMod val="35000"/>
+            <a:lumOff val="65000"/>
+          </a:schemeClr>
+        </a:solidFill>
+        <a:round/>
+      </a:ln>
+    </cs:spPr>
+  </cs:seriesLine>
+  <cs:title>
+    <cs:lnRef idx="0"/>
+    <cs:fillRef idx="0"/>
+    <cs:effectRef idx="0"/>
+    <cs:fontRef idx="minor">
+      <a:schemeClr val="tx1">
+        <a:lumMod val="65000"/>
+        <a:lumOff val="35000"/>
+      </a:schemeClr>
+    </cs:fontRef>
+    <cs:defRPr sz="1400" b="0" kern="1200" spc="0" baseline="0"/>
+  </cs:title>
+  <cs:trendline>
+    <cs:lnRef idx="0">
+      <cs:styleClr val="auto"/>
+    </cs:lnRef>
+    <cs:fillRef idx="0"/>
+    <cs:effectRef idx="0"/>
+    <cs:fontRef idx="minor">
+      <a:schemeClr val="tx1"/>
+    </cs:fontRef>
+    <cs:spPr>
+      <a:ln w="19050" cap="rnd">
+        <a:solidFill>
+          <a:schemeClr val="phClr"/>
+        </a:solidFill>
+        <a:prstDash val="sysDot"/>
+      </a:ln>
+    </cs:spPr>
+  </cs:trendline>
+  <cs:trendlineLabel>
+    <cs:lnRef idx="0"/>
+    <cs:fillRef idx="0"/>
+    <cs:effectRef idx="0"/>
+    <cs:fontRef idx="minor">
+      <a:schemeClr val="tx1">
+        <a:lumMod val="65000"/>
+        <a:lumOff val="35000"/>
+      </a:schemeClr>
+    </cs:fontRef>
+    <cs:defRPr sz="900" kern="1200"/>
+  </cs:trendlineLabel>
+  <cs:upBar>
+    <cs:lnRef idx="0"/>
+    <cs:fillRef idx="0"/>
+    <cs:effectRef idx="0"/>
+    <cs:fontRef idx="minor">
+      <a:schemeClr val="tx1"/>
+    </cs:fontRef>
+    <cs:spPr>
+      <a:solidFill>
+        <a:schemeClr val="lt1"/>
+      </a:solidFill>
+      <a:ln w="9525" cap="flat" cmpd="sng" algn="ctr">
+        <a:solidFill>
+          <a:schemeClr val="tx1">
+            <a:lumMod val="65000"/>
+            <a:lumOff val="35000"/>
+          </a:schemeClr>
+        </a:solidFill>
+        <a:round/>
+      </a:ln>
+    </cs:spPr>
+  </cs:upBar>
+  <cs:valueAxis>
+    <cs:lnRef idx="0"/>
+    <cs:fillRef idx="0"/>
+    <cs:effectRef idx="0"/>
+    <cs:fontRef idx="minor">
+      <a:schemeClr val="tx1">
+        <a:lumMod val="65000"/>
+        <a:lumOff val="35000"/>
+      </a:schemeClr>
+    </cs:fontRef>
+    <cs:spPr>
+      <a:ln w="9525" cap="flat" cmpd="sng" algn="ctr">
+        <a:solidFill>
+          <a:schemeClr val="tx1">
+            <a:lumMod val="25000"/>
+            <a:lumOff val="75000"/>
+          </a:schemeClr>
+        </a:solidFill>
+        <a:round/>
+      </a:ln>
+    </cs:spPr>
+    <cs:defRPr sz="900" kern="1200"/>
+  </cs:valueAxis>
+  <cs:wall>
+    <cs:lnRef idx="0"/>
+    <cs:fillRef idx="0"/>
+    <cs:effectRef idx="0"/>
+    <cs:fontRef idx="minor">
+      <a:schemeClr val="tx1"/>
+    </cs:fontRef>
+    <cs:spPr>
+      <a:noFill/>
+      <a:ln>
+        <a:noFill/>
+      </a:ln>
+    </cs:spPr>
+  </cs:wall>
+</cs:chartStyle>
+</file>
+
 <file path=ppt/charts/style8.xml><?xml version="1.0" encoding="utf-8"?>
+<cs:chartStyle xmlns:cs="http://schemas.microsoft.com/office/drawing/2012/chartStyle" xmlns:a="http://schemas.openxmlformats.org/drawingml/2006/main" id="240">
+  <cs:axisTitle>
+    <cs:lnRef idx="0"/>
+    <cs:fillRef idx="0"/>
+    <cs:effectRef idx="0"/>
+    <cs:fontRef idx="minor">
+      <a:schemeClr val="tx1">
+        <a:lumMod val="65000"/>
+        <a:lumOff val="35000"/>
+      </a:schemeClr>
+    </cs:fontRef>
+    <cs:defRPr sz="1000" kern="1200"/>
+  </cs:axisTitle>
+  <cs:categoryAxis>
+    <cs:lnRef idx="0"/>
+    <cs:fillRef idx="0"/>
+    <cs:effectRef idx="0"/>
+    <cs:fontRef idx="minor">
+      <a:schemeClr val="tx1">
+        <a:lumMod val="65000"/>
+        <a:lumOff val="35000"/>
+      </a:schemeClr>
+    </cs:fontRef>
+    <cs:spPr>
+      <a:ln w="9525" cap="flat" cmpd="sng" algn="ctr">
+        <a:solidFill>
+          <a:schemeClr val="tx1">
+            <a:lumMod val="25000"/>
+            <a:lumOff val="75000"/>
+          </a:schemeClr>
+        </a:solidFill>
+        <a:round/>
+      </a:ln>
+    </cs:spPr>
+    <cs:defRPr sz="900" kern="1200"/>
+  </cs:categoryAxis>
+  <cs:chartArea mods="allowNoFillOverride allowNoLineOverride">
+    <cs:lnRef idx="0"/>
+    <cs:fillRef idx="0"/>
+    <cs:effectRef idx="0"/>
+    <cs:fontRef idx="minor">
+      <a:schemeClr val="tx1"/>
+    </cs:fontRef>
+    <cs:spPr>
+      <a:solidFill>
+        <a:schemeClr val="bg1"/>
+      </a:solidFill>
+      <a:ln w="9525" cap="flat" cmpd="sng" algn="ctr">
+        <a:solidFill>
+          <a:schemeClr val="tx1">
+            <a:lumMod val="15000"/>
+            <a:lumOff val="85000"/>
+          </a:schemeClr>
+        </a:solidFill>
+        <a:round/>
+      </a:ln>
+    </cs:spPr>
+    <cs:defRPr sz="1000" kern="1200"/>
+  </cs:chartArea>
+  <cs:dataLabel>
+    <cs:lnRef idx="0"/>
+    <cs:fillRef idx="0"/>
+    <cs:effectRef idx="0"/>
+    <cs:fontRef idx="minor">
+      <a:schemeClr val="tx1">
+        <a:lumMod val="75000"/>
+        <a:lumOff val="25000"/>
+      </a:schemeClr>
+    </cs:fontRef>
+    <cs:defRPr sz="900" kern="1200"/>
+  </cs:dataLabel>
+  <cs:dataLabelCallout>
+    <cs:lnRef idx="0"/>
+    <cs:fillRef idx="0"/>
+    <cs:effectRef idx="0"/>
+    <cs:fontRef idx="minor">
+      <a:schemeClr val="dk1">
+        <a:lumMod val="65000"/>
+        <a:lumOff val="35000"/>
+      </a:schemeClr>
+    </cs:fontRef>
+    <cs:spPr>
+      <a:solidFill>
+        <a:schemeClr val="lt1"/>
+      </a:solidFill>
+      <a:ln>
+        <a:solidFill>
+          <a:schemeClr val="dk1">
+            <a:lumMod val="25000"/>
+            <a:lumOff val="75000"/>
+          </a:schemeClr>
+        </a:solidFill>
+      </a:ln>
+    </cs:spPr>
+    <cs:defRPr sz="900" kern="1200"/>
+    <cs:bodyPr rot="0" spcFirstLastPara="1" vertOverflow="clip" horzOverflow="clip" vert="horz" wrap="square" lIns="36576" tIns="18288" rIns="36576" bIns="18288" anchor="ctr" anchorCtr="1">
+      <a:spAutoFit/>
+    </cs:bodyPr>
+  </cs:dataLabelCallout>
+  <cs:dataPoint>
+    <cs:lnRef idx="0"/>
+    <cs:fillRef idx="1">
+      <cs:styleClr val="auto"/>
+    </cs:fillRef>
+    <cs:effectRef idx="0"/>
+    <cs:fontRef idx="minor">
+      <a:schemeClr val="tx1"/>
+    </cs:fontRef>
+  </cs:dataPoint>
+  <cs:dataPoint3D>
+    <cs:lnRef idx="0"/>
+    <cs:fillRef idx="1">
+      <cs:styleClr val="auto"/>
+    </cs:fillRef>
+    <cs:effectRef idx="0"/>
+    <cs:fontRef idx="minor">
+      <a:schemeClr val="tx1"/>
+    </cs:fontRef>
+  </cs:dataPoint3D>
+  <cs:dataPointLine>
+    <cs:lnRef idx="0">
+      <cs:styleClr val="auto"/>
+    </cs:lnRef>
+    <cs:fillRef idx="1"/>
+    <cs:effectRef idx="0"/>
+    <cs:fontRef idx="minor">
+      <a:schemeClr val="tx1"/>
+    </cs:fontRef>
+    <cs:spPr>
+      <a:ln w="19050" cap="rnd">
+        <a:solidFill>
+          <a:schemeClr val="phClr"/>
+        </a:solidFill>
+        <a:round/>
+      </a:ln>
+    </cs:spPr>
+  </cs:dataPointLine>
+  <cs:dataPointMarker>
+    <cs:lnRef idx="0">
+      <cs:styleClr val="auto"/>
+    </cs:lnRef>
+    <cs:fillRef idx="1">
+      <cs:styleClr val="auto"/>
+    </cs:fillRef>
+    <cs:effectRef idx="0"/>
+    <cs:fontRef idx="minor">
+      <a:schemeClr val="tx1"/>
+    </cs:fontRef>
+    <cs:spPr>
+      <a:ln w="9525">
+        <a:solidFill>
+          <a:schemeClr val="phClr"/>
+        </a:solidFill>
+      </a:ln>
+    </cs:spPr>
+  </cs:dataPointMarker>
+  <cs:dataPointMarkerLayout symbol="circle" size="5"/>
+  <cs:dataPointWireframe>
+    <cs:lnRef idx="0">
+      <cs:styleClr val="auto"/>
+    </cs:lnRef>
+    <cs:fillRef idx="0"/>
+    <cs:effectRef idx="0"/>
+    <cs:fontRef idx="minor">
+      <a:schemeClr val="dk1"/>
+    </cs:fontRef>
+    <cs:spPr>
+      <a:ln w="9525" cap="rnd">
+        <a:solidFill>
+          <a:schemeClr val="phClr"/>
+        </a:solidFill>
+        <a:round/>
+      </a:ln>
+    </cs:spPr>
+  </cs:dataPointWireframe>
+  <cs:dataTable>
+    <cs:lnRef idx="0"/>
+    <cs:fillRef idx="0"/>
+    <cs:effectRef idx="0"/>
+    <cs:fontRef idx="minor">
+      <a:schemeClr val="tx1">
+        <a:lumMod val="65000"/>
+        <a:lumOff val="35000"/>
+      </a:schemeClr>
+    </cs:fontRef>
+    <cs:spPr>
+      <a:noFill/>
+      <a:ln w="9525" cap="flat" cmpd="sng" algn="ctr">
+        <a:solidFill>
+          <a:schemeClr val="tx1">
+            <a:lumMod val="15000"/>
+            <a:lumOff val="85000"/>
+          </a:schemeClr>
+        </a:solidFill>
+        <a:round/>
+      </a:ln>
+    </cs:spPr>
+    <cs:defRPr sz="900" kern="1200"/>
+  </cs:dataTable>
+  <cs:downBar>
+    <cs:lnRef idx="0"/>
+    <cs:fillRef idx="0"/>
+    <cs:effectRef idx="0"/>
+    <cs:fontRef idx="minor">
+      <a:schemeClr val="tx1"/>
+    </cs:fontRef>
+    <cs:spPr>
+      <a:solidFill>
+        <a:schemeClr val="dk1">
+          <a:lumMod val="75000"/>
+          <a:lumOff val="25000"/>
+        </a:schemeClr>
+      </a:solidFill>
+      <a:ln w="9525" cap="flat" cmpd="sng" algn="ctr">
+        <a:solidFill>
+          <a:schemeClr val="tx1">
+            <a:lumMod val="65000"/>
+            <a:lumOff val="35000"/>
+          </a:schemeClr>
+        </a:solidFill>
+        <a:round/>
+      </a:ln>
+    </cs:spPr>
+  </cs:downBar>
+  <cs:dropLine>
+    <cs:lnRef idx="0"/>
+    <cs:fillRef idx="0"/>
+    <cs:effectRef idx="0"/>
+    <cs:fontRef idx="minor">
+      <a:schemeClr val="tx1"/>
+    </cs:fontRef>
+    <cs:spPr>
+      <a:ln w="9525" cap="flat" cmpd="sng" algn="ctr">
+        <a:solidFill>
+          <a:schemeClr val="tx1">
+            <a:lumMod val="35000"/>
+            <a:lumOff val="65000"/>
+          </a:schemeClr>
+        </a:solidFill>
+        <a:round/>
+      </a:ln>
+    </cs:spPr>
+  </cs:dropLine>
+  <cs:errorBar>
+    <cs:lnRef idx="0"/>
+    <cs:fillRef idx="0"/>
+    <cs:effectRef idx="0"/>
+    <cs:fontRef idx="minor">
+      <a:schemeClr val="tx1"/>
+    </cs:fontRef>
+    <cs:spPr>
+      <a:ln w="9525" cap="flat" cmpd="sng" algn="ctr">
+        <a:solidFill>
+          <a:schemeClr val="tx1">
+            <a:lumMod val="65000"/>
+            <a:lumOff val="35000"/>
+          </a:schemeClr>
+        </a:solidFill>
+        <a:round/>
+      </a:ln>
+    </cs:spPr>
+  </cs:errorBar>
+  <cs:floor>
+    <cs:lnRef idx="0"/>
+    <cs:fillRef idx="0"/>
+    <cs:effectRef idx="0"/>
+    <cs:fontRef idx="minor">
+      <a:schemeClr val="tx1"/>
+    </cs:fontRef>
+    <cs:spPr>
+      <a:noFill/>
+      <a:ln>
+        <a:noFill/>
+      </a:ln>
+    </cs:spPr>
+  </cs:floor>
+  <cs:gridlineMajor>
+    <cs:lnRef idx="0"/>
+    <cs:fillRef idx="0"/>
+    <cs:effectRef idx="0"/>
+    <cs:fontRef idx="minor">
+      <a:schemeClr val="tx1"/>
+    </cs:fontRef>
+    <cs:spPr>
+      <a:ln w="9525" cap="flat" cmpd="sng" algn="ctr">
+        <a:solidFill>
+          <a:schemeClr val="tx1">
+            <a:lumMod val="15000"/>
+            <a:lumOff val="85000"/>
+          </a:schemeClr>
+        </a:solidFill>
+        <a:round/>
+      </a:ln>
+    </cs:spPr>
+  </cs:gridlineMajor>
+  <cs:gridlineMinor>
+    <cs:lnRef idx="0"/>
+    <cs:fillRef idx="0"/>
+    <cs:effectRef idx="0"/>
+    <cs:fontRef idx="minor">
+      <a:schemeClr val="tx1"/>
+    </cs:fontRef>
+    <cs:spPr>
+      <a:ln w="9525" cap="flat" cmpd="sng" algn="ctr">
+        <a:solidFill>
+          <a:schemeClr val="tx1">
+            <a:lumMod val="5000"/>
+            <a:lumOff val="95000"/>
+          </a:schemeClr>
+        </a:solidFill>
+        <a:round/>
+      </a:ln>
+    </cs:spPr>
+  </cs:gridlineMinor>
+  <cs:hiLoLine>
+    <cs:lnRef idx="0"/>
+    <cs:fillRef idx="0"/>
+    <cs:effectRef idx="0"/>
+    <cs:fontRef idx="minor">
+      <a:schemeClr val="tx1"/>
+    </cs:fontRef>
+    <cs:spPr>
+      <a:ln w="9525" cap="flat" cmpd="sng" algn="ctr">
+        <a:solidFill>
+          <a:schemeClr val="tx1">
+            <a:lumMod val="50000"/>
+            <a:lumOff val="50000"/>
+          </a:schemeClr>
+        </a:solidFill>
+        <a:round/>
+      </a:ln>
+    </cs:spPr>
+  </cs:hiLoLine>
+  <cs:leaderLine>
+    <cs:lnRef idx="0"/>
+    <cs:fillRef idx="0"/>
+    <cs:effectRef idx="0"/>
+    <cs:fontRef idx="minor">
+      <a:schemeClr val="tx1"/>
+    </cs:fontRef>
+    <cs:spPr>
+      <a:ln w="9525" cap="flat" cmpd="sng" algn="ctr">
+        <a:solidFill>
+          <a:schemeClr val="tx1">
+            <a:lumMod val="35000"/>
+            <a:lumOff val="65000"/>
+          </a:schemeClr>
+        </a:solidFill>
+        <a:round/>
+      </a:ln>
+    </cs:spPr>
+  </cs:leaderLine>
+  <cs:legend>
+    <cs:lnRef idx="0"/>
+    <cs:fillRef idx="0"/>
+    <cs:effectRef idx="0"/>
+    <cs:fontRef idx="minor">
+      <a:schemeClr val="tx1">
+        <a:lumMod val="65000"/>
+        <a:lumOff val="35000"/>
+      </a:schemeClr>
+    </cs:fontRef>
+    <cs:defRPr sz="900" kern="1200"/>
+  </cs:legend>
+  <cs:plotArea mods="allowNoFillOverride allowNoLineOverride">
+    <cs:lnRef idx="0"/>
+    <cs:fillRef idx="0"/>
+    <cs:effectRef idx="0"/>
+    <cs:fontRef idx="minor">
+      <a:schemeClr val="tx1"/>
+    </cs:fontRef>
+  </cs:plotArea>
+  <cs:plotArea3D mods="allowNoFillOverride allowNoLineOverride">
+    <cs:lnRef idx="0"/>
+    <cs:fillRef idx="0"/>
+    <cs:effectRef idx="0"/>
+    <cs:fontRef idx="minor">
+      <a:schemeClr val="tx1"/>
+    </cs:fontRef>
+  </cs:plotArea3D>
+  <cs:seriesAxis>
+    <cs:lnRef idx="0"/>
+    <cs:fillRef idx="0"/>
+    <cs:effectRef idx="0"/>
+    <cs:fontRef idx="minor">
+      <a:schemeClr val="tx1">
+        <a:lumMod val="65000"/>
+        <a:lumOff val="35000"/>
+      </a:schemeClr>
+    </cs:fontRef>
+    <cs:defRPr sz="900" kern="1200"/>
+  </cs:seriesAxis>
+  <cs:seriesLine>
+    <cs:lnRef idx="0"/>
+    <cs:fillRef idx="0"/>
+    <cs:effectRef idx="0"/>
+    <cs:fontRef idx="minor">
+      <a:schemeClr val="tx1"/>
+    </cs:fontRef>
+    <cs:spPr>
+      <a:ln w="9525" cap="flat" cmpd="sng" algn="ctr">
+        <a:solidFill>
+          <a:schemeClr val="tx1">
+            <a:lumMod val="35000"/>
+            <a:lumOff val="65000"/>
+          </a:schemeClr>
+        </a:solidFill>
+        <a:round/>
+      </a:ln>
+    </cs:spPr>
+  </cs:seriesLine>
+  <cs:title>
+    <cs:lnRef idx="0"/>
+    <cs:fillRef idx="0"/>
+    <cs:effectRef idx="0"/>
+    <cs:fontRef idx="minor">
+      <a:schemeClr val="tx1">
+        <a:lumMod val="65000"/>
+        <a:lumOff val="35000"/>
+      </a:schemeClr>
+    </cs:fontRef>
+    <cs:defRPr sz="1400" b="0" kern="1200" spc="0" baseline="0"/>
+  </cs:title>
+  <cs:trendline>
+    <cs:lnRef idx="0">
+      <cs:styleClr val="auto"/>
+    </cs:lnRef>
+    <cs:fillRef idx="0"/>
+    <cs:effectRef idx="0"/>
+    <cs:fontRef idx="minor">
+      <a:schemeClr val="tx1"/>
+    </cs:fontRef>
+    <cs:spPr>
+      <a:ln w="19050" cap="rnd">
+        <a:solidFill>
+          <a:schemeClr val="phClr"/>
+        </a:solidFill>
+        <a:prstDash val="sysDot"/>
+      </a:ln>
+    </cs:spPr>
+  </cs:trendline>
+  <cs:trendlineLabel>
+    <cs:lnRef idx="0"/>
+    <cs:fillRef idx="0"/>
+    <cs:effectRef idx="0"/>
+    <cs:fontRef idx="minor">
+      <a:schemeClr val="tx1">
+        <a:lumMod val="65000"/>
+        <a:lumOff val="35000"/>
+      </a:schemeClr>
+    </cs:fontRef>
+    <cs:defRPr sz="900" kern="1200"/>
+  </cs:trendlineLabel>
+  <cs:upBar>
+    <cs:lnRef idx="0"/>
+    <cs:fillRef idx="0"/>
+    <cs:effectRef idx="0"/>
+    <cs:fontRef idx="minor">
+      <a:schemeClr val="tx1"/>
+    </cs:fontRef>
+    <cs:spPr>
+      <a:solidFill>
+        <a:schemeClr val="lt1"/>
+      </a:solidFill>
+      <a:ln w="9525" cap="flat" cmpd="sng" algn="ctr">
+        <a:solidFill>
+          <a:schemeClr val="tx1">
+            <a:lumMod val="65000"/>
+            <a:lumOff val="35000"/>
+          </a:schemeClr>
+        </a:solidFill>
+        <a:round/>
+      </a:ln>
+    </cs:spPr>
+  </cs:upBar>
+  <cs:valueAxis>
+    <cs:lnRef idx="0"/>
+    <cs:fillRef idx="0"/>
+    <cs:effectRef idx="0"/>
+    <cs:fontRef idx="minor">
+      <a:schemeClr val="tx1">
+        <a:lumMod val="65000"/>
+        <a:lumOff val="35000"/>
+      </a:schemeClr>
+    </cs:fontRef>
+    <cs:spPr>
+      <a:ln w="9525" cap="flat" cmpd="sng" algn="ctr">
+        <a:solidFill>
+          <a:schemeClr val="tx1">
+            <a:lumMod val="25000"/>
+            <a:lumOff val="75000"/>
+          </a:schemeClr>
+        </a:solidFill>
+        <a:round/>
+      </a:ln>
+    </cs:spPr>
+    <cs:defRPr sz="900" kern="1200"/>
+  </cs:valueAxis>
+  <cs:wall>
+    <cs:lnRef idx="0"/>
+    <cs:fillRef idx="0"/>
+    <cs:effectRef idx="0"/>
+    <cs:fontRef idx="minor">
+      <a:schemeClr val="tx1"/>
+    </cs:fontRef>
+    <cs:spPr>
+      <a:noFill/>
+      <a:ln>
+        <a:noFill/>
+      </a:ln>
+    </cs:spPr>
+  </cs:wall>
+</cs:chartStyle>
+</file>
+
+<file path=ppt/charts/style9.xml><?xml version="1.0" encoding="utf-8"?>
 <cs:chartStyle xmlns:cs="http://schemas.microsoft.com/office/drawing/2012/chartStyle" xmlns:a="http://schemas.openxmlformats.org/drawingml/2006/main" id="240">
   <cs:axisTitle>
     <cs:lnRef idx="0"/>
@@ -10820,6 +12746,125 @@
         <p:cNvPr id="1" name="">
           <a:extLst>
             <a:ext uri="{FF2B5EF4-FFF2-40B4-BE49-F238E27FC236}">
+              <a16:creationId xmlns:a16="http://schemas.microsoft.com/office/drawing/2014/main" id="{94A6B6F8-4ABD-38A3-0206-C44058034C0F}"/>
+            </a:ext>
+          </a:extLst>
+        </p:cNvPr>
+        <p:cNvGrpSpPr/>
+        <p:nvPr/>
+      </p:nvGrpSpPr>
+      <p:grpSpPr>
+        <a:xfrm>
+          <a:off x="0" y="0"/>
+          <a:ext cx="0" cy="0"/>
+          <a:chOff x="0" y="0"/>
+          <a:chExt cx="0" cy="0"/>
+        </a:xfrm>
+      </p:grpSpPr>
+      <p:sp>
+        <p:nvSpPr>
+          <p:cNvPr id="2" name="投影片影像版面配置區 1">
+            <a:extLst>
+              <a:ext uri="{FF2B5EF4-FFF2-40B4-BE49-F238E27FC236}">
+                <a16:creationId xmlns:a16="http://schemas.microsoft.com/office/drawing/2014/main" id="{6CCABEED-0631-34AF-6CA8-77BF95AB5094}"/>
+              </a:ext>
+            </a:extLst>
+          </p:cNvPr>
+          <p:cNvSpPr>
+            <a:spLocks noGrp="1" noRot="1" noChangeAspect="1"/>
+          </p:cNvSpPr>
+          <p:nvPr>
+            <p:ph type="sldImg"/>
+          </p:nvPr>
+        </p:nvSpPr>
+        <p:spPr>
+          <a:xfrm>
+            <a:off x="992188" y="768350"/>
+            <a:ext cx="5114925" cy="3836988"/>
+          </a:xfrm>
+        </p:spPr>
+      </p:sp>
+      <p:sp>
+        <p:nvSpPr>
+          <p:cNvPr id="3" name="備忘稿版面配置區 2">
+            <a:extLst>
+              <a:ext uri="{FF2B5EF4-FFF2-40B4-BE49-F238E27FC236}">
+                <a16:creationId xmlns:a16="http://schemas.microsoft.com/office/drawing/2014/main" id="{E502B638-3035-25B8-6CDB-59F008C575EC}"/>
+              </a:ext>
+            </a:extLst>
+          </p:cNvPr>
+          <p:cNvSpPr>
+            <a:spLocks noGrp="1"/>
+          </p:cNvSpPr>
+          <p:nvPr>
+            <p:ph type="body" idx="1"/>
+          </p:nvPr>
+        </p:nvSpPr>
+        <p:spPr/>
+        <p:txBody>
+          <a:bodyPr/>
+          <a:lstStyle/>
+          <a:p>
+            <a:endParaRPr lang="zh-TW" altLang="en-US" dirty="0"/>
+          </a:p>
+        </p:txBody>
+      </p:sp>
+      <p:sp>
+        <p:nvSpPr>
+          <p:cNvPr id="4" name="投影片編號版面配置區 3">
+            <a:extLst>
+              <a:ext uri="{FF2B5EF4-FFF2-40B4-BE49-F238E27FC236}">
+                <a16:creationId xmlns:a16="http://schemas.microsoft.com/office/drawing/2014/main" id="{905AAD45-5AE3-FC8E-8950-81050A223494}"/>
+              </a:ext>
+            </a:extLst>
+          </p:cNvPr>
+          <p:cNvSpPr>
+            <a:spLocks noGrp="1"/>
+          </p:cNvSpPr>
+          <p:nvPr>
+            <p:ph type="sldNum" sz="quarter" idx="5"/>
+          </p:nvPr>
+        </p:nvSpPr>
+        <p:spPr/>
+        <p:txBody>
+          <a:bodyPr/>
+          <a:lstStyle/>
+          <a:p>
+            <a:pPr>
+              <a:defRPr/>
+            </a:pPr>
+            <a:fld id="{F42CC26C-DFFC-4459-B42C-A446992769D6}" type="slidenum">
+              <a:rPr lang="en-US" altLang="zh-TW" smtClean="0"/>
+              <a:pPr>
+                <a:defRPr/>
+              </a:pPr>
+              <a:t>8</a:t>
+            </a:fld>
+            <a:endParaRPr lang="en-US" altLang="zh-TW"/>
+          </a:p>
+        </p:txBody>
+      </p:sp>
+    </p:spTree>
+    <p:extLst>
+      <p:ext uri="{BB962C8B-B14F-4D97-AF65-F5344CB8AC3E}">
+        <p14:creationId xmlns:p14="http://schemas.microsoft.com/office/powerpoint/2010/main" val="124721094"/>
+      </p:ext>
+    </p:extLst>
+  </p:cSld>
+  <p:clrMapOvr>
+    <a:masterClrMapping/>
+  </p:clrMapOvr>
+</p:notes>
+</file>
+
+<file path=ppt/notesSlides/notesSlide3.xml><?xml version="1.0" encoding="utf-8"?>
+<p:notes xmlns:a="http://schemas.openxmlformats.org/drawingml/2006/main" xmlns:r="http://schemas.openxmlformats.org/officeDocument/2006/relationships" xmlns:p="http://schemas.openxmlformats.org/presentationml/2006/main">
+  <p:cSld>
+    <p:spTree>
+      <p:nvGrpSpPr>
+        <p:cNvPr id="1" name="">
+          <a:extLst>
+            <a:ext uri="{FF2B5EF4-FFF2-40B4-BE49-F238E27FC236}">
               <a16:creationId xmlns:a16="http://schemas.microsoft.com/office/drawing/2014/main" id="{D36A3361-E038-303D-83E5-C6C7FC5F9B71}"/>
             </a:ext>
           </a:extLst>
@@ -10912,7 +12957,7 @@
               <a:pPr>
                 <a:defRPr/>
               </a:pPr>
-              <a:t>8</a:t>
+              <a:t>9</a:t>
             </a:fld>
             <a:endParaRPr lang="en-US" altLang="zh-TW"/>
           </a:p>
@@ -17795,6 +19840,210 @@
           <a:p>
             <a:r>
               <a:rPr lang="en-US" altLang="zh-TW" dirty="0"/>
+              <a:t>Delay</a:t>
+            </a:r>
+          </a:p>
+          <a:p>
+            <a:pPr lvl="1"/>
+            <a:r>
+              <a:rPr lang="en-US" altLang="zh-TW" dirty="0"/>
+              <a:t>2.6 ns under 1.8 V, 8.9 ns under 0.9V supply</a:t>
+            </a:r>
+          </a:p>
+          <a:p>
+            <a:pPr lvl="1"/>
+            <a:endParaRPr lang="en-US" altLang="zh-TW" dirty="0"/>
+          </a:p>
+        </p:txBody>
+      </p:sp>
+      <p:graphicFrame>
+        <p:nvGraphicFramePr>
+          <p:cNvPr id="3" name="圖表 2">
+            <a:extLst>
+              <a:ext uri="{FF2B5EF4-FFF2-40B4-BE49-F238E27FC236}">
+                <a16:creationId xmlns:a16="http://schemas.microsoft.com/office/drawing/2014/main" id="{3102E944-11D6-9005-A8F1-FC8D946ADAED}"/>
+              </a:ext>
+            </a:extLst>
+          </p:cNvPr>
+          <p:cNvGraphicFramePr>
+            <a:graphicFrameLocks/>
+          </p:cNvGraphicFramePr>
+          <p:nvPr>
+            <p:extLst>
+              <p:ext uri="{D42A27DB-BD31-4B8C-83A1-F6EECF244321}">
+                <p14:modId xmlns:p14="http://schemas.microsoft.com/office/powerpoint/2010/main" val="181921269"/>
+              </p:ext>
+            </p:extLst>
+          </p:nvPr>
+        </p:nvGraphicFramePr>
+        <p:xfrm>
+          <a:off x="-23478" y="3426450"/>
+          <a:ext cx="4595478" cy="3431550"/>
+        </p:xfrm>
+        <a:graphic>
+          <a:graphicData uri="http://schemas.openxmlformats.org/drawingml/2006/chart">
+            <c:chart xmlns:c="http://schemas.openxmlformats.org/drawingml/2006/chart" xmlns:r="http://schemas.openxmlformats.org/officeDocument/2006/relationships" r:id="rId3"/>
+          </a:graphicData>
+        </a:graphic>
+      </p:graphicFrame>
+      <p:graphicFrame>
+        <p:nvGraphicFramePr>
+          <p:cNvPr id="6" name="圖表 5">
+            <a:extLst>
+              <a:ext uri="{FF2B5EF4-FFF2-40B4-BE49-F238E27FC236}">
+                <a16:creationId xmlns:a16="http://schemas.microsoft.com/office/drawing/2014/main" id="{42946FDF-B2EB-A71D-30C9-A65E3D7F574D}"/>
+              </a:ext>
+            </a:extLst>
+          </p:cNvPr>
+          <p:cNvGraphicFramePr>
+            <a:graphicFrameLocks/>
+          </p:cNvGraphicFramePr>
+          <p:nvPr>
+            <p:extLst>
+              <p:ext uri="{D42A27DB-BD31-4B8C-83A1-F6EECF244321}">
+                <p14:modId xmlns:p14="http://schemas.microsoft.com/office/powerpoint/2010/main" val="1405567759"/>
+              </p:ext>
+            </p:extLst>
+          </p:nvPr>
+        </p:nvGraphicFramePr>
+        <p:xfrm>
+          <a:off x="4572000" y="3426450"/>
+          <a:ext cx="4571999" cy="3431550"/>
+        </p:xfrm>
+        <a:graphic>
+          <a:graphicData uri="http://schemas.openxmlformats.org/drawingml/2006/chart">
+            <c:chart xmlns:c="http://schemas.openxmlformats.org/drawingml/2006/chart" xmlns:r="http://schemas.openxmlformats.org/officeDocument/2006/relationships" r:id="rId4"/>
+          </a:graphicData>
+        </a:graphic>
+      </p:graphicFrame>
+    </p:spTree>
+    <p:extLst>
+      <p:ext uri="{BB962C8B-B14F-4D97-AF65-F5344CB8AC3E}">
+        <p14:creationId xmlns:p14="http://schemas.microsoft.com/office/powerpoint/2010/main" val="2465660261"/>
+      </p:ext>
+    </p:extLst>
+  </p:cSld>
+  <p:clrMapOvr>
+    <a:masterClrMapping/>
+  </p:clrMapOvr>
+</p:sld>
+</file>
+
+<file path=ppt/slides/slide8.xml><?xml version="1.0" encoding="utf-8"?>
+<p:sld xmlns:a="http://schemas.openxmlformats.org/drawingml/2006/main" xmlns:r="http://schemas.openxmlformats.org/officeDocument/2006/relationships" xmlns:p="http://schemas.openxmlformats.org/presentationml/2006/main">
+  <p:cSld>
+    <p:spTree>
+      <p:nvGrpSpPr>
+        <p:cNvPr id="1" name="">
+          <a:extLst>
+            <a:ext uri="{FF2B5EF4-FFF2-40B4-BE49-F238E27FC236}">
+              <a16:creationId xmlns:a16="http://schemas.microsoft.com/office/drawing/2014/main" id="{D8F16F13-56D7-C04C-B259-E27311820158}"/>
+            </a:ext>
+          </a:extLst>
+        </p:cNvPr>
+        <p:cNvGrpSpPr/>
+        <p:nvPr/>
+      </p:nvGrpSpPr>
+      <p:grpSpPr>
+        <a:xfrm>
+          <a:off x="0" y="0"/>
+          <a:ext cx="0" cy="0"/>
+          <a:chOff x="0" y="0"/>
+          <a:chExt cx="0" cy="0"/>
+        </a:xfrm>
+      </p:grpSpPr>
+      <p:sp>
+        <p:nvSpPr>
+          <p:cNvPr id="2" name="標題 1">
+            <a:extLst>
+              <a:ext uri="{FF2B5EF4-FFF2-40B4-BE49-F238E27FC236}">
+                <a16:creationId xmlns:a16="http://schemas.microsoft.com/office/drawing/2014/main" id="{7B30971A-23EF-8D60-1ED6-970A7CFBA12B}"/>
+              </a:ext>
+            </a:extLst>
+          </p:cNvPr>
+          <p:cNvSpPr>
+            <a:spLocks noGrp="1"/>
+          </p:cNvSpPr>
+          <p:nvPr>
+            <p:ph type="title"/>
+          </p:nvPr>
+        </p:nvSpPr>
+        <p:spPr/>
+        <p:txBody>
+          <a:bodyPr/>
+          <a:lstStyle/>
+          <a:p>
+            <a:r>
+              <a:rPr lang="en-US" altLang="zh-TW" dirty="0"/>
+              <a:t>MAC Result</a:t>
+            </a:r>
+            <a:endParaRPr lang="zh-TW" altLang="en-US" dirty="0"/>
+          </a:p>
+        </p:txBody>
+      </p:sp>
+      <p:sp>
+        <p:nvSpPr>
+          <p:cNvPr id="4" name="投影片編號版面配置區 3">
+            <a:extLst>
+              <a:ext uri="{FF2B5EF4-FFF2-40B4-BE49-F238E27FC236}">
+                <a16:creationId xmlns:a16="http://schemas.microsoft.com/office/drawing/2014/main" id="{B0295E58-1BB2-7533-38E9-744E8BC2F55C}"/>
+              </a:ext>
+            </a:extLst>
+          </p:cNvPr>
+          <p:cNvSpPr>
+            <a:spLocks noGrp="1"/>
+          </p:cNvSpPr>
+          <p:nvPr>
+            <p:ph type="sldNum" sz="quarter" idx="12"/>
+          </p:nvPr>
+        </p:nvSpPr>
+        <p:spPr/>
+        <p:txBody>
+          <a:bodyPr/>
+          <a:lstStyle/>
+          <a:p>
+            <a:pPr>
+              <a:defRPr/>
+            </a:pPr>
+            <a:fld id="{8F5F56E1-31C3-4936-AC76-6E9C056A1F24}" type="slidenum">
+              <a:rPr lang="en-US" altLang="zh-TW" smtClean="0"/>
+              <a:pPr>
+                <a:defRPr/>
+              </a:pPr>
+              <a:t>8</a:t>
+            </a:fld>
+            <a:endParaRPr lang="en-US" altLang="zh-TW"/>
+          </a:p>
+        </p:txBody>
+      </p:sp>
+      <p:sp>
+        <p:nvSpPr>
+          <p:cNvPr id="5" name="內容版面配置區 4">
+            <a:extLst>
+              <a:ext uri="{FF2B5EF4-FFF2-40B4-BE49-F238E27FC236}">
+                <a16:creationId xmlns:a16="http://schemas.microsoft.com/office/drawing/2014/main" id="{988B57C6-B4B9-CB30-C9C9-A27C4A7C2C99}"/>
+              </a:ext>
+            </a:extLst>
+          </p:cNvPr>
+          <p:cNvSpPr>
+            <a:spLocks noGrp="1"/>
+          </p:cNvSpPr>
+          <p:nvPr>
+            <p:ph idx="1"/>
+          </p:nvPr>
+        </p:nvSpPr>
+        <p:spPr>
+          <a:xfrm>
+            <a:off x="457200" y="1600200"/>
+            <a:ext cx="8579296" cy="4530725"/>
+          </a:xfrm>
+        </p:spPr>
+        <p:txBody>
+          <a:bodyPr/>
+          <a:lstStyle/>
+          <a:p>
+            <a:r>
+              <a:rPr lang="en-US" altLang="zh-TW" dirty="0"/>
               <a:t>Energy efficiency</a:t>
             </a:r>
           </a:p>
@@ -17849,20 +20098,14 @@
           <p:cNvPr id="7" name="圖表 6">
             <a:extLst>
               <a:ext uri="{FF2B5EF4-FFF2-40B4-BE49-F238E27FC236}">
-                <a16:creationId xmlns:a16="http://schemas.microsoft.com/office/drawing/2014/main" id="{7B18AB64-3D83-A347-5404-35A0326578DC}"/>
+                <a16:creationId xmlns:a16="http://schemas.microsoft.com/office/drawing/2014/main" id="{8B63D5B1-AD7D-0403-6733-6CFC5FFB1FE3}"/>
               </a:ext>
             </a:extLst>
           </p:cNvPr>
           <p:cNvGraphicFramePr>
             <a:graphicFrameLocks/>
           </p:cNvGraphicFramePr>
-          <p:nvPr>
-            <p:extLst>
-              <p:ext uri="{D42A27DB-BD31-4B8C-83A1-F6EECF244321}">
-                <p14:modId xmlns:p14="http://schemas.microsoft.com/office/powerpoint/2010/main" val="3648306"/>
-              </p:ext>
-            </p:extLst>
-          </p:nvPr>
+          <p:nvPr/>
         </p:nvGraphicFramePr>
         <p:xfrm>
           <a:off x="0" y="3429000"/>
@@ -17879,20 +20122,14 @@
           <p:cNvPr id="9" name="圖表 8">
             <a:extLst>
               <a:ext uri="{FF2B5EF4-FFF2-40B4-BE49-F238E27FC236}">
-                <a16:creationId xmlns:a16="http://schemas.microsoft.com/office/drawing/2014/main" id="{AEFB0263-3E46-F825-4004-7C05721AE8B6}"/>
+                <a16:creationId xmlns:a16="http://schemas.microsoft.com/office/drawing/2014/main" id="{0760047A-4209-0C5B-E72A-73F5E4127D41}"/>
               </a:ext>
             </a:extLst>
           </p:cNvPr>
           <p:cNvGraphicFramePr>
             <a:graphicFrameLocks/>
           </p:cNvGraphicFramePr>
-          <p:nvPr>
-            <p:extLst>
-              <p:ext uri="{D42A27DB-BD31-4B8C-83A1-F6EECF244321}">
-                <p14:modId xmlns:p14="http://schemas.microsoft.com/office/powerpoint/2010/main" val="941654896"/>
-              </p:ext>
-            </p:extLst>
-          </p:nvPr>
+          <p:nvPr/>
         </p:nvGraphicFramePr>
         <p:xfrm>
           <a:off x="4572000" y="3429000"/>
@@ -17907,7 +20144,7 @@
     </p:spTree>
     <p:extLst>
       <p:ext uri="{BB962C8B-B14F-4D97-AF65-F5344CB8AC3E}">
-        <p14:creationId xmlns:p14="http://schemas.microsoft.com/office/powerpoint/2010/main" val="2465660261"/>
+        <p14:creationId xmlns:p14="http://schemas.microsoft.com/office/powerpoint/2010/main" val="4250670065"/>
       </p:ext>
     </p:extLst>
   </p:cSld>
@@ -17917,7 +20154,7 @@
 </p:sld>
 </file>
 
-<file path=ppt/slides/slide8.xml><?xml version="1.0" encoding="utf-8"?>
+<file path=ppt/slides/slide9.xml><?xml version="1.0" encoding="utf-8"?>
 <p:sld xmlns:a="http://schemas.openxmlformats.org/drawingml/2006/main" xmlns:r="http://schemas.openxmlformats.org/officeDocument/2006/relationships" xmlns:p="http://schemas.openxmlformats.org/presentationml/2006/main">
   <p:cSld>
     <p:spTree>
@@ -17998,7 +20235,7 @@
               <a:pPr>
                 <a:defRPr/>
               </a:pPr>
-              <a:t>8</a:t>
+              <a:t>9</a:t>
             </a:fld>
             <a:endParaRPr lang="en-US" altLang="zh-TW"/>
           </a:p>
@@ -18039,7 +20276,7 @@
             <a:pPr lvl="1"/>
             <a:r>
               <a:rPr lang="en-US" altLang="zh-TW" dirty="0"/>
-              <a:t>0.33 TOPS/W at 1.8V, 1.70 TOPS/W at 0.9V</a:t>
+              <a:t>4.38 TOPS/W for 16b, 0.72 TOPS/W for 64b</a:t>
             </a:r>
           </a:p>
           <a:p>
@@ -18052,7 +20289,7 @@
             <a:pPr lvl="1"/>
             <a:r>
               <a:rPr lang="en-US" altLang="zh-TW" dirty="0"/>
-              <a:t>0.83 TOPS/mm</a:t>
+              <a:t>3.76 TOPS/mm</a:t>
             </a:r>
             <a:r>
               <a:rPr lang="en-US" altLang="zh-TW" sz="1400" dirty="0"/>
@@ -18064,7 +20301,7 @@
             </a:r>
             <a:r>
               <a:rPr lang="en-US" altLang="zh-TW" dirty="0"/>
-              <a:t>at 1.8V, 0.20 TOPS/mm</a:t>
+              <a:t>for 16b, 0.83 TOPS/mm</a:t>
             </a:r>
             <a:r>
               <a:rPr lang="en-US" altLang="zh-TW" sz="1200" dirty="0"/>
@@ -18076,7 +20313,7 @@
             </a:r>
             <a:r>
               <a:rPr lang="en-US" altLang="zh-TW" dirty="0"/>
-              <a:t>at 0.9V</a:t>
+              <a:t>for 64b</a:t>
             </a:r>
           </a:p>
         </p:txBody>
